--- a/Invitaciones de Conferenci/Invitacion conferencia.pptx
+++ b/Invitaciones de Conferenci/Invitacion conferencia.pptx
@@ -105,6 +105,195 @@
     </a:lvl9pPr>
   </p:defaultTextStyle>
 </p:presentation>
+</file>
+
+<file path=ppt/changesInfos/changesInfo1.xml><?xml version="1.0" encoding="utf-8"?>
+<pc:chgInfo xmlns:a="http://schemas.openxmlformats.org/drawingml/2006/main" xmlns:r="http://schemas.openxmlformats.org/officeDocument/2006/relationships" xmlns:ac="http://schemas.microsoft.com/office/drawing/2013/main/command" xmlns:pc="http://schemas.microsoft.com/office/powerpoint/2013/main/command">
+  <pc:docChgLst>
+    <pc:chgData name="Martin Orlando Quintero" userId="ea447627-86a1-4d33-8c65-1c7095365655" providerId="ADAL" clId="{2AC4982C-99A6-40E7-BF3B-7503BC3AD431}"/>
+    <pc:docChg chg="undo custSel modSld">
+      <pc:chgData name="Martin Orlando Quintero" userId="ea447627-86a1-4d33-8c65-1c7095365655" providerId="ADAL" clId="{2AC4982C-99A6-40E7-BF3B-7503BC3AD431}" dt="2023-03-03T18:17:24.920" v="1456" actId="1038"/>
+      <pc:docMkLst>
+        <pc:docMk/>
+      </pc:docMkLst>
+      <pc:sldChg chg="addSp delSp modSp setBg">
+        <pc:chgData name="Martin Orlando Quintero" userId="ea447627-86a1-4d33-8c65-1c7095365655" providerId="ADAL" clId="{2AC4982C-99A6-40E7-BF3B-7503BC3AD431}" dt="2023-03-03T18:17:24.920" v="1456" actId="1038"/>
+        <pc:sldMkLst>
+          <pc:docMk/>
+          <pc:sldMk cId="333291620" sldId="256"/>
+        </pc:sldMkLst>
+        <pc:spChg chg="mod">
+          <ac:chgData name="Martin Orlando Quintero" userId="ea447627-86a1-4d33-8c65-1c7095365655" providerId="ADAL" clId="{2AC4982C-99A6-40E7-BF3B-7503BC3AD431}" dt="2023-03-03T17:55:28.581" v="917" actId="1036"/>
+          <ac:spMkLst>
+            <pc:docMk/>
+            <pc:sldMk cId="333291620" sldId="256"/>
+            <ac:spMk id="7" creationId="{C08ED238-AB6A-4435-8677-DE5B96116708}"/>
+          </ac:spMkLst>
+        </pc:spChg>
+        <pc:spChg chg="mod">
+          <ac:chgData name="Martin Orlando Quintero" userId="ea447627-86a1-4d33-8c65-1c7095365655" providerId="ADAL" clId="{2AC4982C-99A6-40E7-BF3B-7503BC3AD431}" dt="2023-03-03T17:56:04.182" v="918" actId="403"/>
+          <ac:spMkLst>
+            <pc:docMk/>
+            <pc:sldMk cId="333291620" sldId="256"/>
+            <ac:spMk id="8" creationId="{A1E4FE21-0F62-41F3-84A3-552415F2EF37}"/>
+          </ac:spMkLst>
+        </pc:spChg>
+        <pc:spChg chg="mod">
+          <ac:chgData name="Martin Orlando Quintero" userId="ea447627-86a1-4d33-8c65-1c7095365655" providerId="ADAL" clId="{2AC4982C-99A6-40E7-BF3B-7503BC3AD431}" dt="2023-03-03T17:54:58.358" v="902" actId="207"/>
+          <ac:spMkLst>
+            <pc:docMk/>
+            <pc:sldMk cId="333291620" sldId="256"/>
+            <ac:spMk id="9" creationId="{C3714CDF-D4EE-4403-BE6F-7BB2B832DE0E}"/>
+          </ac:spMkLst>
+        </pc:spChg>
+        <pc:spChg chg="add mod">
+          <ac:chgData name="Martin Orlando Quintero" userId="ea447627-86a1-4d33-8c65-1c7095365655" providerId="ADAL" clId="{2AC4982C-99A6-40E7-BF3B-7503BC3AD431}" dt="2023-03-03T18:04:24.813" v="1076" actId="14100"/>
+          <ac:spMkLst>
+            <pc:docMk/>
+            <pc:sldMk cId="333291620" sldId="256"/>
+            <ac:spMk id="10" creationId="{74129D7A-F50C-4773-9245-44268D9A5D39}"/>
+          </ac:spMkLst>
+        </pc:spChg>
+        <pc:spChg chg="add mod ord">
+          <ac:chgData name="Martin Orlando Quintero" userId="ea447627-86a1-4d33-8c65-1c7095365655" providerId="ADAL" clId="{2AC4982C-99A6-40E7-BF3B-7503BC3AD431}" dt="2023-03-03T18:17:17.579" v="1450" actId="1036"/>
+          <ac:spMkLst>
+            <pc:docMk/>
+            <pc:sldMk cId="333291620" sldId="256"/>
+            <ac:spMk id="13" creationId="{A413DAE0-3449-4BA1-8037-B86BC5E4E418}"/>
+          </ac:spMkLst>
+        </pc:spChg>
+        <pc:spChg chg="add mod">
+          <ac:chgData name="Martin Orlando Quintero" userId="ea447627-86a1-4d33-8c65-1c7095365655" providerId="ADAL" clId="{2AC4982C-99A6-40E7-BF3B-7503BC3AD431}" dt="2023-03-03T18:17:17.579" v="1450" actId="1036"/>
+          <ac:spMkLst>
+            <pc:docMk/>
+            <pc:sldMk cId="333291620" sldId="256"/>
+            <ac:spMk id="14" creationId="{799B4D17-D876-45D1-A3BB-00108D9C6358}"/>
+          </ac:spMkLst>
+        </pc:spChg>
+        <pc:spChg chg="add mod">
+          <ac:chgData name="Martin Orlando Quintero" userId="ea447627-86a1-4d33-8c65-1c7095365655" providerId="ADAL" clId="{2AC4982C-99A6-40E7-BF3B-7503BC3AD431}" dt="2023-03-03T18:17:17.579" v="1450" actId="1036"/>
+          <ac:spMkLst>
+            <pc:docMk/>
+            <pc:sldMk cId="333291620" sldId="256"/>
+            <ac:spMk id="15" creationId="{2D607772-CD73-46EB-9AC6-B76504A02CB5}"/>
+          </ac:spMkLst>
+        </pc:spChg>
+        <pc:spChg chg="add mod">
+          <ac:chgData name="Martin Orlando Quintero" userId="ea447627-86a1-4d33-8c65-1c7095365655" providerId="ADAL" clId="{2AC4982C-99A6-40E7-BF3B-7503BC3AD431}" dt="2023-03-03T18:17:17.579" v="1450" actId="1036"/>
+          <ac:spMkLst>
+            <pc:docMk/>
+            <pc:sldMk cId="333291620" sldId="256"/>
+            <ac:spMk id="16" creationId="{376EF6B6-8F7F-4905-9FD1-ADCC8B2D19A0}"/>
+          </ac:spMkLst>
+        </pc:spChg>
+        <pc:spChg chg="add mod">
+          <ac:chgData name="Martin Orlando Quintero" userId="ea447627-86a1-4d33-8c65-1c7095365655" providerId="ADAL" clId="{2AC4982C-99A6-40E7-BF3B-7503BC3AD431}" dt="2023-03-03T18:17:17.579" v="1450" actId="1036"/>
+          <ac:spMkLst>
+            <pc:docMk/>
+            <pc:sldMk cId="333291620" sldId="256"/>
+            <ac:spMk id="17" creationId="{0BF4A100-9911-48F1-BB06-F83A87F830B5}"/>
+          </ac:spMkLst>
+        </pc:spChg>
+        <pc:spChg chg="add mod">
+          <ac:chgData name="Martin Orlando Quintero" userId="ea447627-86a1-4d33-8c65-1c7095365655" providerId="ADAL" clId="{2AC4982C-99A6-40E7-BF3B-7503BC3AD431}" dt="2023-03-03T18:17:17.579" v="1450" actId="1036"/>
+          <ac:spMkLst>
+            <pc:docMk/>
+            <pc:sldMk cId="333291620" sldId="256"/>
+            <ac:spMk id="18" creationId="{1F5CAE05-070E-47A3-B31A-03942F646FBB}"/>
+          </ac:spMkLst>
+        </pc:spChg>
+        <pc:spChg chg="add mod">
+          <ac:chgData name="Martin Orlando Quintero" userId="ea447627-86a1-4d33-8c65-1c7095365655" providerId="ADAL" clId="{2AC4982C-99A6-40E7-BF3B-7503BC3AD431}" dt="2023-03-03T18:17:17.579" v="1450" actId="1036"/>
+          <ac:spMkLst>
+            <pc:docMk/>
+            <pc:sldMk cId="333291620" sldId="256"/>
+            <ac:spMk id="19" creationId="{48306051-4ABA-4D29-BCF4-4929CF404E1B}"/>
+          </ac:spMkLst>
+        </pc:spChg>
+        <pc:spChg chg="add mod">
+          <ac:chgData name="Martin Orlando Quintero" userId="ea447627-86a1-4d33-8c65-1c7095365655" providerId="ADAL" clId="{2AC4982C-99A6-40E7-BF3B-7503BC3AD431}" dt="2023-03-03T18:17:17.579" v="1450" actId="1036"/>
+          <ac:spMkLst>
+            <pc:docMk/>
+            <pc:sldMk cId="333291620" sldId="256"/>
+            <ac:spMk id="20" creationId="{D086A393-8D29-458E-B262-4CFFC4D59304}"/>
+          </ac:spMkLst>
+        </pc:spChg>
+        <pc:spChg chg="add del mod">
+          <ac:chgData name="Martin Orlando Quintero" userId="ea447627-86a1-4d33-8c65-1c7095365655" providerId="ADAL" clId="{2AC4982C-99A6-40E7-BF3B-7503BC3AD431}" dt="2023-03-03T18:01:08.696" v="1007" actId="478"/>
+          <ac:spMkLst>
+            <pc:docMk/>
+            <pc:sldMk cId="333291620" sldId="256"/>
+            <ac:spMk id="21" creationId="{2E37140A-FC17-43C6-B460-898C8920E927}"/>
+          </ac:spMkLst>
+        </pc:spChg>
+        <pc:spChg chg="add del">
+          <ac:chgData name="Martin Orlando Quintero" userId="ea447627-86a1-4d33-8c65-1c7095365655" providerId="ADAL" clId="{2AC4982C-99A6-40E7-BF3B-7503BC3AD431}" dt="2023-03-03T17:59:13.480" v="951" actId="478"/>
+          <ac:spMkLst>
+            <pc:docMk/>
+            <pc:sldMk cId="333291620" sldId="256"/>
+            <ac:spMk id="22" creationId="{9641B1A2-08EE-44D7-890E-114116C0393E}"/>
+          </ac:spMkLst>
+        </pc:spChg>
+        <pc:spChg chg="add del mod">
+          <ac:chgData name="Martin Orlando Quintero" userId="ea447627-86a1-4d33-8c65-1c7095365655" providerId="ADAL" clId="{2AC4982C-99A6-40E7-BF3B-7503BC3AD431}" dt="2023-03-03T17:59:26.640" v="954" actId="478"/>
+          <ac:spMkLst>
+            <pc:docMk/>
+            <pc:sldMk cId="333291620" sldId="256"/>
+            <ac:spMk id="23" creationId="{4968EEEF-014C-4A85-8AE1-60F694345D83}"/>
+          </ac:spMkLst>
+        </pc:spChg>
+        <pc:spChg chg="add del mod">
+          <ac:chgData name="Martin Orlando Quintero" userId="ea447627-86a1-4d33-8c65-1c7095365655" providerId="ADAL" clId="{2AC4982C-99A6-40E7-BF3B-7503BC3AD431}" dt="2023-03-03T18:15:24.767" v="1364" actId="478"/>
+          <ac:spMkLst>
+            <pc:docMk/>
+            <pc:sldMk cId="333291620" sldId="256"/>
+            <ac:spMk id="27" creationId="{24094DC4-DF1B-40DC-925F-D485EF6DE4AE}"/>
+          </ac:spMkLst>
+        </pc:spChg>
+        <pc:picChg chg="mod">
+          <ac:chgData name="Martin Orlando Quintero" userId="ea447627-86a1-4d33-8c65-1c7095365655" providerId="ADAL" clId="{2AC4982C-99A6-40E7-BF3B-7503BC3AD431}" dt="2023-03-03T18:17:24.920" v="1456" actId="1038"/>
+          <ac:picMkLst>
+            <pc:docMk/>
+            <pc:sldMk cId="333291620" sldId="256"/>
+            <ac:picMk id="6" creationId="{63208974-033A-4E4C-9ADD-FDACF2E0417E}"/>
+          </ac:picMkLst>
+        </pc:picChg>
+        <pc:picChg chg="add mod">
+          <ac:chgData name="Martin Orlando Quintero" userId="ea447627-86a1-4d33-8c65-1c7095365655" providerId="ADAL" clId="{2AC4982C-99A6-40E7-BF3B-7503BC3AD431}" dt="2023-03-03T18:09:01.628" v="1117" actId="1076"/>
+          <ac:picMkLst>
+            <pc:docMk/>
+            <pc:sldMk cId="333291620" sldId="256"/>
+            <ac:picMk id="1026" creationId="{8D7F6EC1-83FB-4468-B6B1-70B04A840D2E}"/>
+          </ac:picMkLst>
+        </pc:picChg>
+        <pc:picChg chg="add del mod">
+          <ac:chgData name="Martin Orlando Quintero" userId="ea447627-86a1-4d33-8c65-1c7095365655" providerId="ADAL" clId="{2AC4982C-99A6-40E7-BF3B-7503BC3AD431}" dt="2023-03-03T18:09:13.806" v="1120" actId="478"/>
+          <ac:picMkLst>
+            <pc:docMk/>
+            <pc:sldMk cId="333291620" sldId="256"/>
+            <ac:picMk id="1028" creationId="{12ECFF3A-90BB-438F-93D6-5A156FAB3B0A}"/>
+          </ac:picMkLst>
+        </pc:picChg>
+        <pc:picChg chg="add del">
+          <ac:chgData name="Martin Orlando Quintero" userId="ea447627-86a1-4d33-8c65-1c7095365655" providerId="ADAL" clId="{2AC4982C-99A6-40E7-BF3B-7503BC3AD431}" dt="2023-03-03T18:10:15.461" v="1122" actId="478"/>
+          <ac:picMkLst>
+            <pc:docMk/>
+            <pc:sldMk cId="333291620" sldId="256"/>
+            <ac:picMk id="1030" creationId="{E3503F95-6E77-4D59-AB49-09CD3C2F45C1}"/>
+          </ac:picMkLst>
+        </pc:picChg>
+        <pc:cxnChg chg="add mod">
+          <ac:chgData name="Martin Orlando Quintero" userId="ea447627-86a1-4d33-8c65-1c7095365655" providerId="ADAL" clId="{2AC4982C-99A6-40E7-BF3B-7503BC3AD431}" dt="2023-03-03T17:55:28.581" v="917" actId="1036"/>
+          <ac:cxnSpMkLst>
+            <pc:docMk/>
+            <pc:sldMk cId="333291620" sldId="256"/>
+            <ac:cxnSpMk id="12" creationId="{85386F64-190A-4F12-A8D4-D64F633B250E}"/>
+          </ac:cxnSpMkLst>
+        </pc:cxnChg>
+      </pc:sldChg>
+    </pc:docChg>
+  </pc:docChgLst>
+</pc:chgInfo>
 </file>
 
 <file path=ppt/slideLayouts/slideLayout1.xml><?xml version="1.0" encoding="utf-8"?>
@@ -2956,11 +3145,8 @@
       <p:bgPr>
         <a:gradFill>
           <a:gsLst>
-            <a:gs pos="47000">
-              <a:schemeClr val="accent1">
-                <a:lumMod val="5000"/>
-                <a:lumOff val="95000"/>
-              </a:schemeClr>
+            <a:gs pos="42000">
+              <a:schemeClr val="bg1"/>
             </a:gs>
             <a:gs pos="76000">
               <a:srgbClr val="BADAD5"/>
@@ -3039,7 +3225,7 @@
         </p:blipFill>
         <p:spPr>
           <a:xfrm>
-            <a:off x="4241800" y="5486400"/>
+            <a:off x="4227052" y="5810856"/>
             <a:ext cx="2616200" cy="2082801"/>
           </a:xfrm>
           <a:prstGeom prst="rect">
@@ -3157,7 +3343,7 @@
         </p:nvSpPr>
         <p:spPr>
           <a:xfrm>
-            <a:off x="202359" y="128657"/>
+            <a:off x="202359" y="346367"/>
             <a:ext cx="3236784" cy="830997"/>
           </a:xfrm>
           <a:prstGeom prst="rect">
@@ -3199,8 +3385,8 @@
         </p:nvSpPr>
         <p:spPr>
           <a:xfrm>
-            <a:off x="202359" y="730022"/>
-            <a:ext cx="4905510" cy="923330"/>
+            <a:off x="202359" y="947732"/>
+            <a:ext cx="5283819" cy="1015663"/>
           </a:xfrm>
           <a:prstGeom prst="rect">
             <a:avLst/>
@@ -3214,7 +3400,7 @@
           <a:lstStyle/>
           <a:p>
             <a:r>
-              <a:rPr lang="es-AR" sz="5400" dirty="0">
+              <a:rPr lang="es-AR" sz="6000" dirty="0">
                 <a:solidFill>
                   <a:schemeClr val="tx1">
                     <a:lumMod val="85000"/>
@@ -3242,8 +3428,8 @@
         </p:nvSpPr>
         <p:spPr>
           <a:xfrm>
-            <a:off x="202359" y="7013307"/>
-            <a:ext cx="3112341" cy="2554545"/>
+            <a:off x="202359" y="7925889"/>
+            <a:ext cx="3636216" cy="3139321"/>
           </a:xfrm>
           <a:prstGeom prst="rect">
             <a:avLst/>
@@ -3257,36 +3443,92 @@
           <a:lstStyle/>
           <a:p>
             <a:r>
-              <a:rPr lang="es-AR" sz="2000" dirty="0">
-                <a:latin typeface="Bahnschrift Light SemiCondensed" panose="020B0502040204020203" pitchFamily="34" charset="0"/>
+              <a:rPr lang="es-AR" sz="2200" dirty="0">
+                <a:solidFill>
+                  <a:schemeClr val="tx1">
+                    <a:lumMod val="65000"/>
+                    <a:lumOff val="35000"/>
+                  </a:schemeClr>
+                </a:solidFill>
+                <a:latin typeface="Bodoni MT" panose="02070603080606020203" pitchFamily="18" charset="0"/>
               </a:rPr>
               <a:t>Porque he aquí, </a:t>
             </a:r>
+          </a:p>
+          <a:p>
+            <a:r>
+              <a:rPr lang="es-AR" sz="2200" dirty="0">
+                <a:solidFill>
+                  <a:schemeClr val="tx1">
+                    <a:lumMod val="65000"/>
+                    <a:lumOff val="35000"/>
+                  </a:schemeClr>
+                </a:solidFill>
+                <a:latin typeface="Bodoni MT" panose="02070603080606020203" pitchFamily="18" charset="0"/>
+              </a:rPr>
+              <a:t>esta </a:t>
+            </a:r>
             <a:r>
               <a:rPr lang="es-AR" sz="2200" b="1" i="1" dirty="0">
-                <a:latin typeface="Bahnschrift Light SemiCondensed" panose="020B0502040204020203" pitchFamily="34" charset="0"/>
+                <a:solidFill>
+                  <a:schemeClr val="tx1">
+                    <a:lumMod val="65000"/>
+                    <a:lumOff val="35000"/>
+                  </a:schemeClr>
+                </a:solidFill>
+                <a:latin typeface="Bodoni MT" panose="02070603080606020203" pitchFamily="18" charset="0"/>
               </a:rPr>
-              <a:t>esta vida </a:t>
-            </a:r>
-          </a:p>
-          <a:p>
-            <a:r>
-              <a:rPr lang="es-AR" sz="2000" dirty="0">
-                <a:latin typeface="Bahnschrift Light SemiCondensed" panose="020B0502040204020203" pitchFamily="34" charset="0"/>
+              <a:t>VIDA</a:t>
+            </a:r>
+            <a:r>
+              <a:rPr lang="es-AR" sz="2200" dirty="0">
+                <a:solidFill>
+                  <a:schemeClr val="tx1">
+                    <a:lumMod val="65000"/>
+                    <a:lumOff val="35000"/>
+                  </a:schemeClr>
+                </a:solidFill>
+                <a:latin typeface="Bodoni MT" panose="02070603080606020203" pitchFamily="18" charset="0"/>
               </a:rPr>
-              <a:t>es cuando el hombre debe </a:t>
+              <a:t> es cuando </a:t>
+            </a:r>
+          </a:p>
+          <a:p>
+            <a:r>
+              <a:rPr lang="es-AR" sz="2200" dirty="0">
+                <a:solidFill>
+                  <a:schemeClr val="tx1">
+                    <a:lumMod val="65000"/>
+                    <a:lumOff val="35000"/>
+                  </a:schemeClr>
+                </a:solidFill>
+                <a:latin typeface="Bodoni MT" panose="02070603080606020203" pitchFamily="18" charset="0"/>
+              </a:rPr>
+              <a:t>el hombre debe </a:t>
             </a:r>
           </a:p>
           <a:p>
             <a:r>
               <a:rPr lang="es-AR" sz="2200" b="1" i="1" dirty="0">
-                <a:latin typeface="Bahnschrift Light SemiCondensed" panose="020B0502040204020203" pitchFamily="34" charset="0"/>
+                <a:solidFill>
+                  <a:schemeClr val="tx1">
+                    <a:lumMod val="65000"/>
+                    <a:lumOff val="35000"/>
+                  </a:schemeClr>
+                </a:solidFill>
+                <a:latin typeface="Bodoni MT" panose="02070603080606020203" pitchFamily="18" charset="0"/>
               </a:rPr>
-              <a:t>prepararse</a:t>
-            </a:r>
-            <a:r>
-              <a:rPr lang="es-AR" sz="2000" dirty="0">
-                <a:latin typeface="Bahnschrift Light SemiCondensed" panose="020B0502040204020203" pitchFamily="34" charset="0"/>
+              <a:t>PREPARARSE</a:t>
+            </a:r>
+            <a:r>
+              <a:rPr lang="es-AR" sz="2200" dirty="0">
+                <a:solidFill>
+                  <a:schemeClr val="tx1">
+                    <a:lumMod val="65000"/>
+                    <a:lumOff val="35000"/>
+                  </a:schemeClr>
+                </a:solidFill>
+                <a:latin typeface="Bodoni MT" panose="02070603080606020203" pitchFamily="18" charset="0"/>
               </a:rPr>
               <a:t> para comparecer ante Dios; sí, el día de esta vida es el día en que el hombre debe ejecutar su obra.</a:t>
             </a:r>
@@ -3294,14 +3536,494 @@
           <a:p>
             <a:pPr algn="r"/>
             <a:r>
-              <a:rPr lang="es-AR" sz="1600" i="1" dirty="0">
-                <a:latin typeface="Bahnschrift Light SemiCondensed" panose="020B0502040204020203" pitchFamily="34" charset="0"/>
+              <a:rPr lang="es-AR" sz="2200" i="1" dirty="0">
+                <a:solidFill>
+                  <a:schemeClr val="tx1">
+                    <a:lumMod val="65000"/>
+                    <a:lumOff val="35000"/>
+                  </a:schemeClr>
+                </a:solidFill>
+                <a:latin typeface="Bodoni MT" panose="02070603080606020203" pitchFamily="18" charset="0"/>
               </a:rPr>
               <a:t>Alma 34:32</a:t>
             </a:r>
           </a:p>
         </p:txBody>
       </p:sp>
+      <p:sp>
+        <p:nvSpPr>
+          <p:cNvPr id="10" name="CuadroTexto 9">
+            <a:extLst>
+              <a:ext uri="{FF2B5EF4-FFF2-40B4-BE49-F238E27FC236}">
+                <a16:creationId xmlns:a16="http://schemas.microsoft.com/office/drawing/2014/main" id="{74129D7A-F50C-4773-9245-44268D9A5D39}"/>
+              </a:ext>
+            </a:extLst>
+          </p:cNvPr>
+          <p:cNvSpPr txBox="1"/>
+          <p:nvPr/>
+        </p:nvSpPr>
+        <p:spPr>
+          <a:xfrm>
+            <a:off x="211042" y="1926500"/>
+            <a:ext cx="4780058" cy="400110"/>
+          </a:xfrm>
+          <a:prstGeom prst="rect">
+            <a:avLst/>
+          </a:prstGeom>
+          <a:noFill/>
+        </p:spPr>
+        <p:txBody>
+          <a:bodyPr wrap="square" rtlCol="0">
+            <a:spAutoFit/>
+          </a:bodyPr>
+          <a:lstStyle/>
+          <a:p>
+            <a:r>
+              <a:rPr lang="es-AR" sz="2000" dirty="0">
+                <a:solidFill>
+                  <a:schemeClr val="bg1">
+                    <a:lumMod val="50000"/>
+                  </a:schemeClr>
+                </a:solidFill>
+                <a:latin typeface="Bodoni MT" panose="02070603080606020203" pitchFamily="18" charset="0"/>
+              </a:rPr>
+              <a:t>Presidida por el Elder Costa de los Setenta</a:t>
+            </a:r>
+            <a:endParaRPr lang="es-AR" sz="2000" i="1" dirty="0">
+              <a:solidFill>
+                <a:schemeClr val="bg1">
+                  <a:lumMod val="50000"/>
+                </a:schemeClr>
+              </a:solidFill>
+              <a:latin typeface="Bodoni MT" panose="02070603080606020203" pitchFamily="18" charset="0"/>
+            </a:endParaRPr>
+          </a:p>
+        </p:txBody>
+      </p:sp>
+      <p:cxnSp>
+        <p:nvCxnSpPr>
+          <p:cNvPr id="12" name="Conector recto 11">
+            <a:extLst>
+              <a:ext uri="{FF2B5EF4-FFF2-40B4-BE49-F238E27FC236}">
+                <a16:creationId xmlns:a16="http://schemas.microsoft.com/office/drawing/2014/main" id="{85386F64-190A-4F12-A8D4-D64F633B250E}"/>
+              </a:ext>
+            </a:extLst>
+          </p:cNvPr>
+          <p:cNvCxnSpPr/>
+          <p:nvPr/>
+        </p:nvCxnSpPr>
+        <p:spPr>
+          <a:xfrm>
+            <a:off x="323850" y="1909162"/>
+            <a:ext cx="3609975" cy="0"/>
+          </a:xfrm>
+          <a:prstGeom prst="line">
+            <a:avLst/>
+          </a:prstGeom>
+          <a:ln w="12700">
+            <a:solidFill>
+              <a:schemeClr val="tx1"/>
+            </a:solidFill>
+          </a:ln>
+        </p:spPr>
+        <p:style>
+          <a:lnRef idx="1">
+            <a:schemeClr val="accent1"/>
+          </a:lnRef>
+          <a:fillRef idx="0">
+            <a:schemeClr val="accent1"/>
+          </a:fillRef>
+          <a:effectRef idx="0">
+            <a:schemeClr val="accent1"/>
+          </a:effectRef>
+          <a:fontRef idx="minor">
+            <a:schemeClr val="tx1"/>
+          </a:fontRef>
+        </p:style>
+      </p:cxnSp>
+      <p:sp>
+        <p:nvSpPr>
+          <p:cNvPr id="14" name="CuadroTexto 13">
+            <a:extLst>
+              <a:ext uri="{FF2B5EF4-FFF2-40B4-BE49-F238E27FC236}">
+                <a16:creationId xmlns:a16="http://schemas.microsoft.com/office/drawing/2014/main" id="{799B4D17-D876-45D1-A3BB-00108D9C6358}"/>
+              </a:ext>
+            </a:extLst>
+          </p:cNvPr>
+          <p:cNvSpPr txBox="1"/>
+          <p:nvPr/>
+        </p:nvSpPr>
+        <p:spPr>
+          <a:xfrm>
+            <a:off x="296969" y="3241133"/>
+            <a:ext cx="5768551" cy="707886"/>
+          </a:xfrm>
+          <a:prstGeom prst="rect">
+            <a:avLst/>
+          </a:prstGeom>
+          <a:noFill/>
+        </p:spPr>
+        <p:txBody>
+          <a:bodyPr wrap="square" rtlCol="0">
+            <a:spAutoFit/>
+          </a:bodyPr>
+          <a:lstStyle/>
+          <a:p>
+            <a:r>
+              <a:rPr lang="es-AR" sz="2000" dirty="0">
+                <a:solidFill>
+                  <a:schemeClr val="bg1">
+                    <a:lumMod val="50000"/>
+                  </a:schemeClr>
+                </a:solidFill>
+                <a:latin typeface="Bodoni MT" panose="02070603080606020203" pitchFamily="18" charset="0"/>
+              </a:rPr>
+              <a:t>Reunión de Lideres del Sacerdocio – Asisten todos los poseedores del Sacerdocio menor y mayor. </a:t>
+            </a:r>
+          </a:p>
+        </p:txBody>
+      </p:sp>
+      <p:sp>
+        <p:nvSpPr>
+          <p:cNvPr id="15" name="CuadroTexto 14">
+            <a:extLst>
+              <a:ext uri="{FF2B5EF4-FFF2-40B4-BE49-F238E27FC236}">
+                <a16:creationId xmlns:a16="http://schemas.microsoft.com/office/drawing/2014/main" id="{2D607772-CD73-46EB-9AC6-B76504A02CB5}"/>
+              </a:ext>
+            </a:extLst>
+          </p:cNvPr>
+          <p:cNvSpPr txBox="1"/>
+          <p:nvPr/>
+        </p:nvSpPr>
+        <p:spPr>
+          <a:xfrm>
+            <a:off x="296971" y="3997142"/>
+            <a:ext cx="4073114" cy="396000"/>
+          </a:xfrm>
+          <a:prstGeom prst="homePlate">
+            <a:avLst/>
+          </a:prstGeom>
+          <a:solidFill>
+            <a:schemeClr val="accent4">
+              <a:lumMod val="20000"/>
+              <a:lumOff val="80000"/>
+            </a:schemeClr>
+          </a:solidFill>
+        </p:spPr>
+        <p:txBody>
+          <a:bodyPr wrap="square" rtlCol="0">
+            <a:spAutoFit/>
+          </a:bodyPr>
+          <a:lstStyle/>
+          <a:p>
+            <a:r>
+              <a:rPr lang="es-AR" sz="2200" i="1" dirty="0">
+                <a:latin typeface="Bodoni MT" panose="02070603080606020203" pitchFamily="18" charset="0"/>
+              </a:rPr>
+              <a:t>Dia sábado 29 de abril, 19:00hs.</a:t>
+            </a:r>
+          </a:p>
+        </p:txBody>
+      </p:sp>
+      <p:sp>
+        <p:nvSpPr>
+          <p:cNvPr id="16" name="CuadroTexto 15">
+            <a:extLst>
+              <a:ext uri="{FF2B5EF4-FFF2-40B4-BE49-F238E27FC236}">
+                <a16:creationId xmlns:a16="http://schemas.microsoft.com/office/drawing/2014/main" id="{376EF6B6-8F7F-4905-9FD1-ADCC8B2D19A0}"/>
+              </a:ext>
+            </a:extLst>
+          </p:cNvPr>
+          <p:cNvSpPr txBox="1"/>
+          <p:nvPr/>
+        </p:nvSpPr>
+        <p:spPr>
+          <a:xfrm>
+            <a:off x="296969" y="4332322"/>
+            <a:ext cx="5572889" cy="707886"/>
+          </a:xfrm>
+          <a:prstGeom prst="rect">
+            <a:avLst/>
+          </a:prstGeom>
+          <a:noFill/>
+        </p:spPr>
+        <p:txBody>
+          <a:bodyPr wrap="square" rtlCol="0">
+            <a:spAutoFit/>
+          </a:bodyPr>
+          <a:lstStyle/>
+          <a:p>
+            <a:r>
+              <a:rPr lang="es-AR" sz="2000" dirty="0">
+                <a:solidFill>
+                  <a:schemeClr val="bg1">
+                    <a:lumMod val="50000"/>
+                  </a:schemeClr>
+                </a:solidFill>
+                <a:latin typeface="Bodoni MT" panose="02070603080606020203" pitchFamily="18" charset="0"/>
+              </a:rPr>
+              <a:t>Reunión de Adultos – Asisten todos los miembros mayores de 18 años. </a:t>
+            </a:r>
+          </a:p>
+        </p:txBody>
+      </p:sp>
+      <p:sp>
+        <p:nvSpPr>
+          <p:cNvPr id="17" name="CuadroTexto 16">
+            <a:extLst>
+              <a:ext uri="{FF2B5EF4-FFF2-40B4-BE49-F238E27FC236}">
+                <a16:creationId xmlns:a16="http://schemas.microsoft.com/office/drawing/2014/main" id="{0BF4A100-9911-48F1-BB06-F83A87F830B5}"/>
+              </a:ext>
+            </a:extLst>
+          </p:cNvPr>
+          <p:cNvSpPr txBox="1"/>
+          <p:nvPr/>
+        </p:nvSpPr>
+        <p:spPr>
+          <a:xfrm>
+            <a:off x="296971" y="5110104"/>
+            <a:ext cx="4137868" cy="396000"/>
+          </a:xfrm>
+          <a:prstGeom prst="homePlate">
+            <a:avLst/>
+          </a:prstGeom>
+          <a:solidFill>
+            <a:schemeClr val="accent4">
+              <a:lumMod val="20000"/>
+              <a:lumOff val="80000"/>
+            </a:schemeClr>
+          </a:solidFill>
+        </p:spPr>
+        <p:txBody>
+          <a:bodyPr wrap="square" rtlCol="0">
+            <a:spAutoFit/>
+          </a:bodyPr>
+          <a:lstStyle/>
+          <a:p>
+            <a:r>
+              <a:rPr lang="es-AR" sz="2200" i="1" dirty="0">
+                <a:latin typeface="Bodoni MT" panose="02070603080606020203" pitchFamily="18" charset="0"/>
+              </a:rPr>
+              <a:t>Dia domingo 30 de abril, 10:00hs.</a:t>
+            </a:r>
+          </a:p>
+        </p:txBody>
+      </p:sp>
+      <p:sp>
+        <p:nvSpPr>
+          <p:cNvPr id="18" name="CuadroTexto 17">
+            <a:extLst>
+              <a:ext uri="{FF2B5EF4-FFF2-40B4-BE49-F238E27FC236}">
+                <a16:creationId xmlns:a16="http://schemas.microsoft.com/office/drawing/2014/main" id="{1F5CAE05-070E-47A3-B31A-03942F646FBB}"/>
+              </a:ext>
+            </a:extLst>
+          </p:cNvPr>
+          <p:cNvSpPr txBox="1"/>
+          <p:nvPr/>
+        </p:nvSpPr>
+        <p:spPr>
+          <a:xfrm>
+            <a:off x="296969" y="5436140"/>
+            <a:ext cx="6504083" cy="400110"/>
+          </a:xfrm>
+          <a:prstGeom prst="rect">
+            <a:avLst/>
+          </a:prstGeom>
+          <a:noFill/>
+        </p:spPr>
+        <p:txBody>
+          <a:bodyPr wrap="square" rtlCol="0">
+            <a:spAutoFit/>
+          </a:bodyPr>
+          <a:lstStyle/>
+          <a:p>
+            <a:r>
+              <a:rPr lang="es-AR" sz="2000" dirty="0">
+                <a:solidFill>
+                  <a:schemeClr val="bg1">
+                    <a:lumMod val="50000"/>
+                  </a:schemeClr>
+                </a:solidFill>
+                <a:latin typeface="Bodoni MT" panose="02070603080606020203" pitchFamily="18" charset="0"/>
+              </a:rPr>
+              <a:t>Reunión general – Asisten todos los miembros</a:t>
+            </a:r>
+          </a:p>
+        </p:txBody>
+      </p:sp>
+      <p:sp>
+        <p:nvSpPr>
+          <p:cNvPr id="19" name="CuadroTexto 18">
+            <a:extLst>
+              <a:ext uri="{FF2B5EF4-FFF2-40B4-BE49-F238E27FC236}">
+                <a16:creationId xmlns:a16="http://schemas.microsoft.com/office/drawing/2014/main" id="{48306051-4ABA-4D29-BCF4-4929CF404E1B}"/>
+              </a:ext>
+            </a:extLst>
+          </p:cNvPr>
+          <p:cNvSpPr txBox="1"/>
+          <p:nvPr/>
+        </p:nvSpPr>
+        <p:spPr>
+          <a:xfrm>
+            <a:off x="296971" y="5868811"/>
+            <a:ext cx="1097489" cy="430887"/>
+          </a:xfrm>
+          <a:prstGeom prst="homePlate">
+            <a:avLst/>
+          </a:prstGeom>
+          <a:solidFill>
+            <a:schemeClr val="accent4">
+              <a:lumMod val="20000"/>
+              <a:lumOff val="80000"/>
+            </a:schemeClr>
+          </a:solidFill>
+        </p:spPr>
+        <p:txBody>
+          <a:bodyPr wrap="square" rtlCol="0">
+            <a:spAutoFit/>
+          </a:bodyPr>
+          <a:lstStyle/>
+          <a:p>
+            <a:r>
+              <a:rPr lang="es-AR" sz="2200" i="1" dirty="0">
+                <a:latin typeface="Bodoni MT" panose="02070603080606020203" pitchFamily="18" charset="0"/>
+              </a:rPr>
+              <a:t>Lugar</a:t>
+            </a:r>
+          </a:p>
+        </p:txBody>
+      </p:sp>
+      <p:sp>
+        <p:nvSpPr>
+          <p:cNvPr id="20" name="CuadroTexto 19">
+            <a:extLst>
+              <a:ext uri="{FF2B5EF4-FFF2-40B4-BE49-F238E27FC236}">
+                <a16:creationId xmlns:a16="http://schemas.microsoft.com/office/drawing/2014/main" id="{D086A393-8D29-458E-B262-4CFFC4D59304}"/>
+              </a:ext>
+            </a:extLst>
+          </p:cNvPr>
+          <p:cNvSpPr txBox="1"/>
+          <p:nvPr/>
+        </p:nvSpPr>
+        <p:spPr>
+          <a:xfrm>
+            <a:off x="296969" y="6214537"/>
+            <a:ext cx="4437263" cy="400110"/>
+          </a:xfrm>
+          <a:prstGeom prst="rect">
+            <a:avLst/>
+          </a:prstGeom>
+          <a:noFill/>
+        </p:spPr>
+        <p:txBody>
+          <a:bodyPr wrap="square" rtlCol="0">
+            <a:spAutoFit/>
+          </a:bodyPr>
+          <a:lstStyle/>
+          <a:p>
+            <a:r>
+              <a:rPr lang="es-AR" sz="2000" dirty="0">
+                <a:solidFill>
+                  <a:schemeClr val="bg1">
+                    <a:lumMod val="50000"/>
+                  </a:schemeClr>
+                </a:solidFill>
+                <a:latin typeface="Bodoni MT" panose="02070603080606020203" pitchFamily="18" charset="0"/>
+              </a:rPr>
+              <a:t>Centro de Estaca San Rafael, Maza 179.</a:t>
+            </a:r>
+          </a:p>
+        </p:txBody>
+      </p:sp>
+      <p:sp>
+        <p:nvSpPr>
+          <p:cNvPr id="13" name="CuadroTexto 12">
+            <a:extLst>
+              <a:ext uri="{FF2B5EF4-FFF2-40B4-BE49-F238E27FC236}">
+                <a16:creationId xmlns:a16="http://schemas.microsoft.com/office/drawing/2014/main" id="{A413DAE0-3449-4BA1-8037-B86BC5E4E418}"/>
+              </a:ext>
+            </a:extLst>
+          </p:cNvPr>
+          <p:cNvSpPr txBox="1"/>
+          <p:nvPr/>
+        </p:nvSpPr>
+        <p:spPr>
+          <a:xfrm>
+            <a:off x="296971" y="2866472"/>
+            <a:ext cx="4073114" cy="396000"/>
+          </a:xfrm>
+          <a:prstGeom prst="homePlate">
+            <a:avLst/>
+          </a:prstGeom>
+          <a:solidFill>
+            <a:schemeClr val="accent4">
+              <a:lumMod val="20000"/>
+              <a:lumOff val="80000"/>
+            </a:schemeClr>
+          </a:solidFill>
+        </p:spPr>
+        <p:txBody>
+          <a:bodyPr wrap="square" rtlCol="0">
+            <a:spAutoFit/>
+          </a:bodyPr>
+          <a:lstStyle/>
+          <a:p>
+            <a:r>
+              <a:rPr lang="es-AR" sz="2200" i="1" dirty="0">
+                <a:latin typeface="Bodoni MT" panose="02070603080606020203" pitchFamily="18" charset="0"/>
+              </a:rPr>
+              <a:t>Dia sábado 29 de abril, 16:00hs.</a:t>
+            </a:r>
+          </a:p>
+        </p:txBody>
+      </p:sp>
+      <p:pic>
+        <p:nvPicPr>
+          <p:cNvPr id="1026" name="Picture 2" descr="Christus Symbol">
+            <a:extLst>
+              <a:ext uri="{FF2B5EF4-FFF2-40B4-BE49-F238E27FC236}">
+                <a16:creationId xmlns:a16="http://schemas.microsoft.com/office/drawing/2014/main" id="{8D7F6EC1-83FB-4468-B6B1-70B04A840D2E}"/>
+              </a:ext>
+            </a:extLst>
+          </p:cNvPr>
+          <p:cNvPicPr>
+            <a:picLocks noChangeAspect="1" noChangeArrowheads="1"/>
+          </p:cNvPicPr>
+          <p:nvPr/>
+        </p:nvPicPr>
+        <p:blipFill>
+          <a:blip r:embed="rId7">
+            <a:extLst>
+              <a:ext uri="{28A0092B-C50C-407E-A947-70E740481C1C}">
+                <a14:useLocalDpi xmlns:a14="http://schemas.microsoft.com/office/drawing/2010/main" val="0"/>
+              </a:ext>
+            </a:extLst>
+          </a:blip>
+          <a:srcRect/>
+          <a:stretch>
+            <a:fillRect/>
+          </a:stretch>
+        </p:blipFill>
+        <p:spPr bwMode="auto">
+          <a:xfrm>
+            <a:off x="8192748" y="6527800"/>
+            <a:ext cx="1104900" cy="2181225"/>
+          </a:xfrm>
+          <a:prstGeom prst="rect">
+            <a:avLst/>
+          </a:prstGeom>
+          <a:noFill/>
+          <a:extLst>
+            <a:ext uri="{909E8E84-426E-40DD-AFC4-6F175D3DCCD1}">
+              <a14:hiddenFill xmlns:a14="http://schemas.microsoft.com/office/drawing/2010/main">
+                <a:solidFill>
+                  <a:srgbClr val="FFFFFF"/>
+                </a:solidFill>
+              </a14:hiddenFill>
+            </a:ext>
+          </a:extLst>
+        </p:spPr>
+      </p:pic>
     </p:spTree>
     <p:extLst>
       <p:ext uri="{BB962C8B-B14F-4D97-AF65-F5344CB8AC3E}">
@@ -3830,16 +4552,16 @@
 <file path=customXml/itemProps3.xml><?xml version="1.0" encoding="utf-8"?>
 <ds:datastoreItem xmlns:ds="http://schemas.openxmlformats.org/officeDocument/2006/customXml" ds:itemID="{8A798932-947F-4133-8578-FBCDA152CCB8}">
   <ds:schemaRefs>
+    <ds:schemaRef ds:uri="http://schemas.microsoft.com/office/infopath/2007/PartnerControls"/>
+    <ds:schemaRef ds:uri="http://purl.org/dc/dcmitype/"/>
+    <ds:schemaRef ds:uri="http://purl.org/dc/terms/"/>
+    <ds:schemaRef ds:uri="http://schemas.microsoft.com/office/2006/documentManagement/types"/>
+    <ds:schemaRef ds:uri="http://purl.org/dc/elements/1.1/"/>
+    <ds:schemaRef ds:uri="e73c9a9f-48f4-4bb3-9bc0-6ef9b8995883"/>
+    <ds:schemaRef ds:uri="http://www.w3.org/XML/1998/namespace"/>
+    <ds:schemaRef ds:uri="http://schemas.openxmlformats.org/package/2006/metadata/core-properties"/>
+    <ds:schemaRef ds:uri="3bbee872-2376-445b-aade-09d3c7728790"/>
     <ds:schemaRef ds:uri="http://schemas.microsoft.com/office/2006/metadata/properties"/>
-    <ds:schemaRef ds:uri="http://schemas.openxmlformats.org/package/2006/metadata/core-properties"/>
-    <ds:schemaRef ds:uri="http://purl.org/dc/elements/1.1/"/>
-    <ds:schemaRef ds:uri="http://schemas.microsoft.com/office/infopath/2007/PartnerControls"/>
-    <ds:schemaRef ds:uri="http://schemas.microsoft.com/office/2006/documentManagement/types"/>
-    <ds:schemaRef ds:uri="http://purl.org/dc/terms/"/>
-    <ds:schemaRef ds:uri="http://www.w3.org/XML/1998/namespace"/>
-    <ds:schemaRef ds:uri="http://purl.org/dc/dcmitype/"/>
-    <ds:schemaRef ds:uri="3bbee872-2376-445b-aade-09d3c7728790"/>
-    <ds:schemaRef ds:uri="e73c9a9f-48f4-4bb3-9bc0-6ef9b8995883"/>
   </ds:schemaRefs>
 </ds:datastoreItem>
 </file>
--- a/Invitaciones de Conferenci/Invitacion conferencia.pptx
+++ b/Invitaciones de Conferenci/Invitacion conferencia.pptx
@@ -6,6 +6,10 @@
   </p:sldMasterIdLst>
   <p:sldIdLst>
     <p:sldId id="256" r:id="rId5"/>
+    <p:sldId id="260" r:id="rId6"/>
+    <p:sldId id="259" r:id="rId7"/>
+    <p:sldId id="257" r:id="rId8"/>
+    <p:sldId id="258" r:id="rId9"/>
   </p:sldIdLst>
   <p:sldSz cx="6858000" cy="12192000"/>
   <p:notesSz cx="6858000" cy="9144000"/>
@@ -104,6 +108,11 @@
       </a:defRPr>
     </a:lvl9pPr>
   </p:defaultTextStyle>
+  <p:extLst>
+    <p:ext uri="{EFAFB233-063F-42B5-8137-9DF3F51BA10A}">
+      <p15:sldGuideLst xmlns:p15="http://schemas.microsoft.com/office/powerpoint/2012/main"/>
+    </p:ext>
+  </p:extLst>
 </p:presentation>
 </file>
 
@@ -111,13 +120,13 @@
 <pc:chgInfo xmlns:a="http://schemas.openxmlformats.org/drawingml/2006/main" xmlns:r="http://schemas.openxmlformats.org/officeDocument/2006/relationships" xmlns:ac="http://schemas.microsoft.com/office/drawing/2013/main/command" xmlns:pc="http://schemas.microsoft.com/office/powerpoint/2013/main/command">
   <pc:docChgLst>
     <pc:chgData name="Martin Orlando Quintero" userId="ea447627-86a1-4d33-8c65-1c7095365655" providerId="ADAL" clId="{2AC4982C-99A6-40E7-BF3B-7503BC3AD431}"/>
-    <pc:docChg chg="undo custSel modSld">
-      <pc:chgData name="Martin Orlando Quintero" userId="ea447627-86a1-4d33-8c65-1c7095365655" providerId="ADAL" clId="{2AC4982C-99A6-40E7-BF3B-7503BC3AD431}" dt="2023-03-03T18:17:24.920" v="1456" actId="1038"/>
+    <pc:docChg chg="undo custSel addSld modSld sldOrd">
+      <pc:chgData name="Martin Orlando Quintero" userId="ea447627-86a1-4d33-8c65-1c7095365655" providerId="ADAL" clId="{2AC4982C-99A6-40E7-BF3B-7503BC3AD431}" dt="2023-03-04T17:46:06.127" v="5610" actId="207"/>
       <pc:docMkLst>
         <pc:docMk/>
       </pc:docMkLst>
       <pc:sldChg chg="addSp delSp modSp setBg">
-        <pc:chgData name="Martin Orlando Quintero" userId="ea447627-86a1-4d33-8c65-1c7095365655" providerId="ADAL" clId="{2AC4982C-99A6-40E7-BF3B-7503BC3AD431}" dt="2023-03-03T18:17:24.920" v="1456" actId="1038"/>
+        <pc:chgData name="Martin Orlando Quintero" userId="ea447627-86a1-4d33-8c65-1c7095365655" providerId="ADAL" clId="{2AC4982C-99A6-40E7-BF3B-7503BC3AD431}" dt="2023-03-04T17:46:06.127" v="5610" actId="207"/>
         <pc:sldMkLst>
           <pc:docMk/>
           <pc:sldMk cId="333291620" sldId="256"/>
@@ -131,7 +140,7 @@
           </ac:spMkLst>
         </pc:spChg>
         <pc:spChg chg="mod">
-          <ac:chgData name="Martin Orlando Quintero" userId="ea447627-86a1-4d33-8c65-1c7095365655" providerId="ADAL" clId="{2AC4982C-99A6-40E7-BF3B-7503BC3AD431}" dt="2023-03-03T17:56:04.182" v="918" actId="403"/>
+          <ac:chgData name="Martin Orlando Quintero" userId="ea447627-86a1-4d33-8c65-1c7095365655" providerId="ADAL" clId="{2AC4982C-99A6-40E7-BF3B-7503BC3AD431}" dt="2023-03-04T17:46:06.127" v="5610" actId="207"/>
           <ac:spMkLst>
             <pc:docMk/>
             <pc:sldMk cId="333291620" sldId="256"/>
@@ -139,7 +148,7 @@
           </ac:spMkLst>
         </pc:spChg>
         <pc:spChg chg="mod">
-          <ac:chgData name="Martin Orlando Quintero" userId="ea447627-86a1-4d33-8c65-1c7095365655" providerId="ADAL" clId="{2AC4982C-99A6-40E7-BF3B-7503BC3AD431}" dt="2023-03-03T17:54:58.358" v="902" actId="207"/>
+          <ac:chgData name="Martin Orlando Quintero" userId="ea447627-86a1-4d33-8c65-1c7095365655" providerId="ADAL" clId="{2AC4982C-99A6-40E7-BF3B-7503BC3AD431}" dt="2023-03-04T17:45:58.319" v="5609" actId="207"/>
           <ac:spMkLst>
             <pc:docMk/>
             <pc:sldMk cId="333291620" sldId="256"/>
@@ -155,7 +164,7 @@
           </ac:spMkLst>
         </pc:spChg>
         <pc:spChg chg="add mod ord">
-          <ac:chgData name="Martin Orlando Quintero" userId="ea447627-86a1-4d33-8c65-1c7095365655" providerId="ADAL" clId="{2AC4982C-99A6-40E7-BF3B-7503BC3AD431}" dt="2023-03-03T18:17:17.579" v="1450" actId="1036"/>
+          <ac:chgData name="Martin Orlando Quintero" userId="ea447627-86a1-4d33-8c65-1c7095365655" providerId="ADAL" clId="{2AC4982C-99A6-40E7-BF3B-7503BC3AD431}" dt="2023-03-03T18:21:10.276" v="1460" actId="207"/>
           <ac:spMkLst>
             <pc:docMk/>
             <pc:sldMk cId="333291620" sldId="256"/>
@@ -171,7 +180,7 @@
           </ac:spMkLst>
         </pc:spChg>
         <pc:spChg chg="add mod">
-          <ac:chgData name="Martin Orlando Quintero" userId="ea447627-86a1-4d33-8c65-1c7095365655" providerId="ADAL" clId="{2AC4982C-99A6-40E7-BF3B-7503BC3AD431}" dt="2023-03-03T18:17:17.579" v="1450" actId="1036"/>
+          <ac:chgData name="Martin Orlando Quintero" userId="ea447627-86a1-4d33-8c65-1c7095365655" providerId="ADAL" clId="{2AC4982C-99A6-40E7-BF3B-7503BC3AD431}" dt="2023-03-03T18:21:07.600" v="1459" actId="207"/>
           <ac:spMkLst>
             <pc:docMk/>
             <pc:sldMk cId="333291620" sldId="256"/>
@@ -290,6 +299,810 @@
             <ac:cxnSpMk id="12" creationId="{85386F64-190A-4F12-A8D4-D64F633B250E}"/>
           </ac:cxnSpMkLst>
         </pc:cxnChg>
+      </pc:sldChg>
+      <pc:sldChg chg="addSp delSp modSp add setBg">
+        <pc:chgData name="Martin Orlando Quintero" userId="ea447627-86a1-4d33-8c65-1c7095365655" providerId="ADAL" clId="{2AC4982C-99A6-40E7-BF3B-7503BC3AD431}" dt="2023-03-04T15:27:31.041" v="4828" actId="14100"/>
+        <pc:sldMkLst>
+          <pc:docMk/>
+          <pc:sldMk cId="3381444668" sldId="257"/>
+        </pc:sldMkLst>
+        <pc:spChg chg="mod topLvl">
+          <ac:chgData name="Martin Orlando Quintero" userId="ea447627-86a1-4d33-8c65-1c7095365655" providerId="ADAL" clId="{2AC4982C-99A6-40E7-BF3B-7503BC3AD431}" dt="2023-03-04T14:55:32.164" v="4392" actId="165"/>
+          <ac:spMkLst>
+            <pc:docMk/>
+            <pc:sldMk cId="3381444668" sldId="257"/>
+            <ac:spMk id="7" creationId="{C08ED238-AB6A-4435-8677-DE5B96116708}"/>
+          </ac:spMkLst>
+        </pc:spChg>
+        <pc:spChg chg="mod topLvl">
+          <ac:chgData name="Martin Orlando Quintero" userId="ea447627-86a1-4d33-8c65-1c7095365655" providerId="ADAL" clId="{2AC4982C-99A6-40E7-BF3B-7503BC3AD431}" dt="2023-03-04T14:55:32.164" v="4392" actId="165"/>
+          <ac:spMkLst>
+            <pc:docMk/>
+            <pc:sldMk cId="3381444668" sldId="257"/>
+            <ac:spMk id="8" creationId="{A1E4FE21-0F62-41F3-84A3-552415F2EF37}"/>
+          </ac:spMkLst>
+        </pc:spChg>
+        <pc:spChg chg="mod">
+          <ac:chgData name="Martin Orlando Quintero" userId="ea447627-86a1-4d33-8c65-1c7095365655" providerId="ADAL" clId="{2AC4982C-99A6-40E7-BF3B-7503BC3AD431}" dt="2023-03-04T14:59:35.625" v="4561" actId="1076"/>
+          <ac:spMkLst>
+            <pc:docMk/>
+            <pc:sldMk cId="3381444668" sldId="257"/>
+            <ac:spMk id="9" creationId="{C3714CDF-D4EE-4403-BE6F-7BB2B832DE0E}"/>
+          </ac:spMkLst>
+        </pc:spChg>
+        <pc:spChg chg="mod topLvl">
+          <ac:chgData name="Martin Orlando Quintero" userId="ea447627-86a1-4d33-8c65-1c7095365655" providerId="ADAL" clId="{2AC4982C-99A6-40E7-BF3B-7503BC3AD431}" dt="2023-03-04T14:55:32.164" v="4392" actId="165"/>
+          <ac:spMkLst>
+            <pc:docMk/>
+            <pc:sldMk cId="3381444668" sldId="257"/>
+            <ac:spMk id="10" creationId="{74129D7A-F50C-4773-9245-44268D9A5D39}"/>
+          </ac:spMkLst>
+        </pc:spChg>
+        <pc:spChg chg="mod">
+          <ac:chgData name="Martin Orlando Quintero" userId="ea447627-86a1-4d33-8c65-1c7095365655" providerId="ADAL" clId="{2AC4982C-99A6-40E7-BF3B-7503BC3AD431}" dt="2023-03-04T14:19:37.457" v="1475" actId="1076"/>
+          <ac:spMkLst>
+            <pc:docMk/>
+            <pc:sldMk cId="3381444668" sldId="257"/>
+            <ac:spMk id="13" creationId="{A413DAE0-3449-4BA1-8037-B86BC5E4E418}"/>
+          </ac:spMkLst>
+        </pc:spChg>
+        <pc:spChg chg="mod">
+          <ac:chgData name="Martin Orlando Quintero" userId="ea447627-86a1-4d33-8c65-1c7095365655" providerId="ADAL" clId="{2AC4982C-99A6-40E7-BF3B-7503BC3AD431}" dt="2023-03-04T14:19:44.667" v="1476" actId="207"/>
+          <ac:spMkLst>
+            <pc:docMk/>
+            <pc:sldMk cId="3381444668" sldId="257"/>
+            <ac:spMk id="14" creationId="{799B4D17-D876-45D1-A3BB-00108D9C6358}"/>
+          </ac:spMkLst>
+        </pc:spChg>
+        <pc:spChg chg="mod">
+          <ac:chgData name="Martin Orlando Quintero" userId="ea447627-86a1-4d33-8c65-1c7095365655" providerId="ADAL" clId="{2AC4982C-99A6-40E7-BF3B-7503BC3AD431}" dt="2023-03-04T14:19:37.457" v="1475" actId="1076"/>
+          <ac:spMkLst>
+            <pc:docMk/>
+            <pc:sldMk cId="3381444668" sldId="257"/>
+            <ac:spMk id="15" creationId="{2D607772-CD73-46EB-9AC6-B76504A02CB5}"/>
+          </ac:spMkLst>
+        </pc:spChg>
+        <pc:spChg chg="mod">
+          <ac:chgData name="Martin Orlando Quintero" userId="ea447627-86a1-4d33-8c65-1c7095365655" providerId="ADAL" clId="{2AC4982C-99A6-40E7-BF3B-7503BC3AD431}" dt="2023-03-04T14:19:44.667" v="1476" actId="207"/>
+          <ac:spMkLst>
+            <pc:docMk/>
+            <pc:sldMk cId="3381444668" sldId="257"/>
+            <ac:spMk id="16" creationId="{376EF6B6-8F7F-4905-9FD1-ADCC8B2D19A0}"/>
+          </ac:spMkLst>
+        </pc:spChg>
+        <pc:spChg chg="mod">
+          <ac:chgData name="Martin Orlando Quintero" userId="ea447627-86a1-4d33-8c65-1c7095365655" providerId="ADAL" clId="{2AC4982C-99A6-40E7-BF3B-7503BC3AD431}" dt="2023-03-04T14:19:37.457" v="1475" actId="1076"/>
+          <ac:spMkLst>
+            <pc:docMk/>
+            <pc:sldMk cId="3381444668" sldId="257"/>
+            <ac:spMk id="17" creationId="{0BF4A100-9911-48F1-BB06-F83A87F830B5}"/>
+          </ac:spMkLst>
+        </pc:spChg>
+        <pc:spChg chg="mod">
+          <ac:chgData name="Martin Orlando Quintero" userId="ea447627-86a1-4d33-8c65-1c7095365655" providerId="ADAL" clId="{2AC4982C-99A6-40E7-BF3B-7503BC3AD431}" dt="2023-03-04T14:19:44.667" v="1476" actId="207"/>
+          <ac:spMkLst>
+            <pc:docMk/>
+            <pc:sldMk cId="3381444668" sldId="257"/>
+            <ac:spMk id="18" creationId="{1F5CAE05-070E-47A3-B31A-03942F646FBB}"/>
+          </ac:spMkLst>
+        </pc:spChg>
+        <pc:spChg chg="mod">
+          <ac:chgData name="Martin Orlando Quintero" userId="ea447627-86a1-4d33-8c65-1c7095365655" providerId="ADAL" clId="{2AC4982C-99A6-40E7-BF3B-7503BC3AD431}" dt="2023-03-04T14:19:37.457" v="1475" actId="1076"/>
+          <ac:spMkLst>
+            <pc:docMk/>
+            <pc:sldMk cId="3381444668" sldId="257"/>
+            <ac:spMk id="19" creationId="{48306051-4ABA-4D29-BCF4-4929CF404E1B}"/>
+          </ac:spMkLst>
+        </pc:spChg>
+        <pc:spChg chg="mod">
+          <ac:chgData name="Martin Orlando Quintero" userId="ea447627-86a1-4d33-8c65-1c7095365655" providerId="ADAL" clId="{2AC4982C-99A6-40E7-BF3B-7503BC3AD431}" dt="2023-03-04T14:19:44.667" v="1476" actId="207"/>
+          <ac:spMkLst>
+            <pc:docMk/>
+            <pc:sldMk cId="3381444668" sldId="257"/>
+            <ac:spMk id="20" creationId="{D086A393-8D29-458E-B262-4CFFC4D59304}"/>
+          </ac:spMkLst>
+        </pc:spChg>
+        <pc:spChg chg="add del mod">
+          <ac:chgData name="Martin Orlando Quintero" userId="ea447627-86a1-4d33-8c65-1c7095365655" providerId="ADAL" clId="{2AC4982C-99A6-40E7-BF3B-7503BC3AD431}" dt="2023-03-04T15:27:31.041" v="4828" actId="14100"/>
+          <ac:spMkLst>
+            <pc:docMk/>
+            <pc:sldMk cId="3381444668" sldId="257"/>
+            <ac:spMk id="21" creationId="{0212E153-718C-430B-B4BB-9B677A55A5AF}"/>
+          </ac:spMkLst>
+        </pc:spChg>
+        <pc:grpChg chg="add del mod">
+          <ac:chgData name="Martin Orlando Quintero" userId="ea447627-86a1-4d33-8c65-1c7095365655" providerId="ADAL" clId="{2AC4982C-99A6-40E7-BF3B-7503BC3AD431}" dt="2023-03-04T14:55:32.164" v="4392" actId="165"/>
+          <ac:grpSpMkLst>
+            <pc:docMk/>
+            <pc:sldMk cId="3381444668" sldId="257"/>
+            <ac:grpSpMk id="11" creationId="{D983CB83-73BE-4C40-A804-F816F399FCB0}"/>
+          </ac:grpSpMkLst>
+        </pc:grpChg>
+        <pc:picChg chg="add del mod modCrop">
+          <ac:chgData name="Martin Orlando Quintero" userId="ea447627-86a1-4d33-8c65-1c7095365655" providerId="ADAL" clId="{2AC4982C-99A6-40E7-BF3B-7503BC3AD431}" dt="2023-03-04T14:56:37.244" v="4394" actId="478"/>
+          <ac:picMkLst>
+            <pc:docMk/>
+            <pc:sldMk cId="3381444668" sldId="257"/>
+            <ac:picMk id="3" creationId="{147E8126-F86B-449F-B09D-3FE62B4CCB41}"/>
+          </ac:picMkLst>
+        </pc:picChg>
+        <pc:picChg chg="mod ord modCrop">
+          <ac:chgData name="Martin Orlando Quintero" userId="ea447627-86a1-4d33-8c65-1c7095365655" providerId="ADAL" clId="{2AC4982C-99A6-40E7-BF3B-7503BC3AD431}" dt="2023-03-04T14:52:05.540" v="4102" actId="14100"/>
+          <ac:picMkLst>
+            <pc:docMk/>
+            <pc:sldMk cId="3381444668" sldId="257"/>
+            <ac:picMk id="4" creationId="{C4B19ACF-E85C-4CDC-B86E-FA71D7FD1D56}"/>
+          </ac:picMkLst>
+        </pc:picChg>
+        <pc:picChg chg="mod ord">
+          <ac:chgData name="Martin Orlando Quintero" userId="ea447627-86a1-4d33-8c65-1c7095365655" providerId="ADAL" clId="{2AC4982C-99A6-40E7-BF3B-7503BC3AD431}" dt="2023-03-04T14:35:33.476" v="2031" actId="166"/>
+          <ac:picMkLst>
+            <pc:docMk/>
+            <pc:sldMk cId="3381444668" sldId="257"/>
+            <ac:picMk id="5" creationId="{A53F5AB6-1EC1-41FC-8597-E23B4395256A}"/>
+          </ac:picMkLst>
+        </pc:picChg>
+        <pc:picChg chg="mod">
+          <ac:chgData name="Martin Orlando Quintero" userId="ea447627-86a1-4d33-8c65-1c7095365655" providerId="ADAL" clId="{2AC4982C-99A6-40E7-BF3B-7503BC3AD431}" dt="2023-03-04T14:58:29.011" v="4469" actId="13244"/>
+          <ac:picMkLst>
+            <pc:docMk/>
+            <pc:sldMk cId="3381444668" sldId="257"/>
+            <ac:picMk id="6" creationId="{63208974-033A-4E4C-9ADD-FDACF2E0417E}"/>
+          </ac:picMkLst>
+        </pc:picChg>
+        <pc:picChg chg="add del mod">
+          <ac:chgData name="Martin Orlando Quintero" userId="ea447627-86a1-4d33-8c65-1c7095365655" providerId="ADAL" clId="{2AC4982C-99A6-40E7-BF3B-7503BC3AD431}" dt="2023-03-04T14:35:40.897" v="2033" actId="478"/>
+          <ac:picMkLst>
+            <pc:docMk/>
+            <pc:sldMk cId="3381444668" sldId="257"/>
+            <ac:picMk id="22" creationId="{C66AAE7B-BBBE-4561-87E0-18BBFF61AC15}"/>
+          </ac:picMkLst>
+        </pc:picChg>
+        <pc:picChg chg="add del mod">
+          <ac:chgData name="Martin Orlando Quintero" userId="ea447627-86a1-4d33-8c65-1c7095365655" providerId="ADAL" clId="{2AC4982C-99A6-40E7-BF3B-7503BC3AD431}" dt="2023-03-04T14:35:39.049" v="2032" actId="478"/>
+          <ac:picMkLst>
+            <pc:docMk/>
+            <pc:sldMk cId="3381444668" sldId="257"/>
+            <ac:picMk id="23" creationId="{ED07C748-9627-4A15-BB85-491590DAF66F}"/>
+          </ac:picMkLst>
+        </pc:picChg>
+        <pc:picChg chg="del">
+          <ac:chgData name="Martin Orlando Quintero" userId="ea447627-86a1-4d33-8c65-1c7095365655" providerId="ADAL" clId="{2AC4982C-99A6-40E7-BF3B-7503BC3AD431}" dt="2023-03-04T14:17:38.434" v="1464" actId="478"/>
+          <ac:picMkLst>
+            <pc:docMk/>
+            <pc:sldMk cId="3381444668" sldId="257"/>
+            <ac:picMk id="1026" creationId="{8D7F6EC1-83FB-4468-B6B1-70B04A840D2E}"/>
+          </ac:picMkLst>
+        </pc:picChg>
+        <pc:cxnChg chg="mod topLvl">
+          <ac:chgData name="Martin Orlando Quintero" userId="ea447627-86a1-4d33-8c65-1c7095365655" providerId="ADAL" clId="{2AC4982C-99A6-40E7-BF3B-7503BC3AD431}" dt="2023-03-04T14:55:52.573" v="4393" actId="208"/>
+          <ac:cxnSpMkLst>
+            <pc:docMk/>
+            <pc:sldMk cId="3381444668" sldId="257"/>
+            <ac:cxnSpMk id="12" creationId="{85386F64-190A-4F12-A8D4-D64F633B250E}"/>
+          </ac:cxnSpMkLst>
+        </pc:cxnChg>
+      </pc:sldChg>
+      <pc:sldChg chg="addSp delSp modSp add ord setBg">
+        <pc:chgData name="Martin Orlando Quintero" userId="ea447627-86a1-4d33-8c65-1c7095365655" providerId="ADAL" clId="{2AC4982C-99A6-40E7-BF3B-7503BC3AD431}" dt="2023-03-04T15:27:18.705" v="4827" actId="1076"/>
+        <pc:sldMkLst>
+          <pc:docMk/>
+          <pc:sldMk cId="2586132798" sldId="258"/>
+        </pc:sldMkLst>
+        <pc:spChg chg="mod">
+          <ac:chgData name="Martin Orlando Quintero" userId="ea447627-86a1-4d33-8c65-1c7095365655" providerId="ADAL" clId="{2AC4982C-99A6-40E7-BF3B-7503BC3AD431}" dt="2023-03-04T15:26:45.545" v="4821" actId="207"/>
+          <ac:spMkLst>
+            <pc:docMk/>
+            <pc:sldMk cId="2586132798" sldId="258"/>
+            <ac:spMk id="9" creationId="{C3714CDF-D4EE-4403-BE6F-7BB2B832DE0E}"/>
+          </ac:spMkLst>
+        </pc:spChg>
+        <pc:spChg chg="mod">
+          <ac:chgData name="Martin Orlando Quintero" userId="ea447627-86a1-4d33-8c65-1c7095365655" providerId="ADAL" clId="{2AC4982C-99A6-40E7-BF3B-7503BC3AD431}" dt="2023-03-04T15:25:25.305" v="4804" actId="1076"/>
+          <ac:spMkLst>
+            <pc:docMk/>
+            <pc:sldMk cId="2586132798" sldId="258"/>
+            <ac:spMk id="13" creationId="{A413DAE0-3449-4BA1-8037-B86BC5E4E418}"/>
+          </ac:spMkLst>
+        </pc:spChg>
+        <pc:spChg chg="mod">
+          <ac:chgData name="Martin Orlando Quintero" userId="ea447627-86a1-4d33-8c65-1c7095365655" providerId="ADAL" clId="{2AC4982C-99A6-40E7-BF3B-7503BC3AD431}" dt="2023-03-04T15:25:25.305" v="4804" actId="1076"/>
+          <ac:spMkLst>
+            <pc:docMk/>
+            <pc:sldMk cId="2586132798" sldId="258"/>
+            <ac:spMk id="14" creationId="{799B4D17-D876-45D1-A3BB-00108D9C6358}"/>
+          </ac:spMkLst>
+        </pc:spChg>
+        <pc:spChg chg="del mod">
+          <ac:chgData name="Martin Orlando Quintero" userId="ea447627-86a1-4d33-8c65-1c7095365655" providerId="ADAL" clId="{2AC4982C-99A6-40E7-BF3B-7503BC3AD431}" dt="2023-03-04T15:23:28.900" v="4716" actId="478"/>
+          <ac:spMkLst>
+            <pc:docMk/>
+            <pc:sldMk cId="2586132798" sldId="258"/>
+            <ac:spMk id="15" creationId="{2D607772-CD73-46EB-9AC6-B76504A02CB5}"/>
+          </ac:spMkLst>
+        </pc:spChg>
+        <pc:spChg chg="mod">
+          <ac:chgData name="Martin Orlando Quintero" userId="ea447627-86a1-4d33-8c65-1c7095365655" providerId="ADAL" clId="{2AC4982C-99A6-40E7-BF3B-7503BC3AD431}" dt="2023-03-04T15:25:25.305" v="4804" actId="1076"/>
+          <ac:spMkLst>
+            <pc:docMk/>
+            <pc:sldMk cId="2586132798" sldId="258"/>
+            <ac:spMk id="16" creationId="{376EF6B6-8F7F-4905-9FD1-ADCC8B2D19A0}"/>
+          </ac:spMkLst>
+        </pc:spChg>
+        <pc:spChg chg="mod">
+          <ac:chgData name="Martin Orlando Quintero" userId="ea447627-86a1-4d33-8c65-1c7095365655" providerId="ADAL" clId="{2AC4982C-99A6-40E7-BF3B-7503BC3AD431}" dt="2023-03-04T15:25:25.305" v="4804" actId="1076"/>
+          <ac:spMkLst>
+            <pc:docMk/>
+            <pc:sldMk cId="2586132798" sldId="258"/>
+            <ac:spMk id="17" creationId="{0BF4A100-9911-48F1-BB06-F83A87F830B5}"/>
+          </ac:spMkLst>
+        </pc:spChg>
+        <pc:spChg chg="mod">
+          <ac:chgData name="Martin Orlando Quintero" userId="ea447627-86a1-4d33-8c65-1c7095365655" providerId="ADAL" clId="{2AC4982C-99A6-40E7-BF3B-7503BC3AD431}" dt="2023-03-04T15:25:25.305" v="4804" actId="1076"/>
+          <ac:spMkLst>
+            <pc:docMk/>
+            <pc:sldMk cId="2586132798" sldId="258"/>
+            <ac:spMk id="18" creationId="{1F5CAE05-070E-47A3-B31A-03942F646FBB}"/>
+          </ac:spMkLst>
+        </pc:spChg>
+        <pc:spChg chg="mod">
+          <ac:chgData name="Martin Orlando Quintero" userId="ea447627-86a1-4d33-8c65-1c7095365655" providerId="ADAL" clId="{2AC4982C-99A6-40E7-BF3B-7503BC3AD431}" dt="2023-03-04T15:25:25.305" v="4804" actId="1076"/>
+          <ac:spMkLst>
+            <pc:docMk/>
+            <pc:sldMk cId="2586132798" sldId="258"/>
+            <ac:spMk id="19" creationId="{48306051-4ABA-4D29-BCF4-4929CF404E1B}"/>
+          </ac:spMkLst>
+        </pc:spChg>
+        <pc:spChg chg="mod">
+          <ac:chgData name="Martin Orlando Quintero" userId="ea447627-86a1-4d33-8c65-1c7095365655" providerId="ADAL" clId="{2AC4982C-99A6-40E7-BF3B-7503BC3AD431}" dt="2023-03-04T15:25:25.305" v="4804" actId="1076"/>
+          <ac:spMkLst>
+            <pc:docMk/>
+            <pc:sldMk cId="2586132798" sldId="258"/>
+            <ac:spMk id="20" creationId="{D086A393-8D29-458E-B262-4CFFC4D59304}"/>
+          </ac:spMkLst>
+        </pc:spChg>
+        <pc:picChg chg="add del mod">
+          <ac:chgData name="Martin Orlando Quintero" userId="ea447627-86a1-4d33-8c65-1c7095365655" providerId="ADAL" clId="{2AC4982C-99A6-40E7-BF3B-7503BC3AD431}" dt="2023-03-04T15:16:18.171" v="4658" actId="478"/>
+          <ac:picMkLst>
+            <pc:docMk/>
+            <pc:sldMk cId="2586132798" sldId="258"/>
+            <ac:picMk id="3" creationId="{77F8EB63-15D2-4D45-A195-F8A2AB62EF5F}"/>
+          </ac:picMkLst>
+        </pc:picChg>
+        <pc:picChg chg="del">
+          <ac:chgData name="Martin Orlando Quintero" userId="ea447627-86a1-4d33-8c65-1c7095365655" providerId="ADAL" clId="{2AC4982C-99A6-40E7-BF3B-7503BC3AD431}" dt="2023-03-04T15:00:12.674" v="4565" actId="478"/>
+          <ac:picMkLst>
+            <pc:docMk/>
+            <pc:sldMk cId="2586132798" sldId="258"/>
+            <ac:picMk id="4" creationId="{C4B19ACF-E85C-4CDC-B86E-FA71D7FD1D56}"/>
+          </ac:picMkLst>
+        </pc:picChg>
+        <pc:picChg chg="del">
+          <ac:chgData name="Martin Orlando Quintero" userId="ea447627-86a1-4d33-8c65-1c7095365655" providerId="ADAL" clId="{2AC4982C-99A6-40E7-BF3B-7503BC3AD431}" dt="2023-03-04T15:00:10.696" v="4564" actId="478"/>
+          <ac:picMkLst>
+            <pc:docMk/>
+            <pc:sldMk cId="2586132798" sldId="258"/>
+            <ac:picMk id="5" creationId="{A53F5AB6-1EC1-41FC-8597-E23B4395256A}"/>
+          </ac:picMkLst>
+        </pc:picChg>
+        <pc:picChg chg="del">
+          <ac:chgData name="Martin Orlando Quintero" userId="ea447627-86a1-4d33-8c65-1c7095365655" providerId="ADAL" clId="{2AC4982C-99A6-40E7-BF3B-7503BC3AD431}" dt="2023-03-04T15:00:14.611" v="4566" actId="478"/>
+          <ac:picMkLst>
+            <pc:docMk/>
+            <pc:sldMk cId="2586132798" sldId="258"/>
+            <ac:picMk id="6" creationId="{63208974-033A-4E4C-9ADD-FDACF2E0417E}"/>
+          </ac:picMkLst>
+        </pc:picChg>
+        <pc:picChg chg="add mod">
+          <ac:chgData name="Martin Orlando Quintero" userId="ea447627-86a1-4d33-8c65-1c7095365655" providerId="ADAL" clId="{2AC4982C-99A6-40E7-BF3B-7503BC3AD431}" dt="2023-03-04T15:27:18.705" v="4827" actId="1076"/>
+          <ac:picMkLst>
+            <pc:docMk/>
+            <pc:sldMk cId="2586132798" sldId="258"/>
+            <ac:picMk id="21" creationId="{0BD18FFC-FC5E-42F7-9E8F-717AA80AF1A4}"/>
+          </ac:picMkLst>
+        </pc:picChg>
+        <pc:picChg chg="add mod">
+          <ac:chgData name="Martin Orlando Quintero" userId="ea447627-86a1-4d33-8c65-1c7095365655" providerId="ADAL" clId="{2AC4982C-99A6-40E7-BF3B-7503BC3AD431}" dt="2023-03-04T15:27:13.409" v="4824" actId="1076"/>
+          <ac:picMkLst>
+            <pc:docMk/>
+            <pc:sldMk cId="2586132798" sldId="258"/>
+            <ac:picMk id="23" creationId="{37932D88-B972-4CE1-AB18-396FC12C5E90}"/>
+          </ac:picMkLst>
+        </pc:picChg>
+        <pc:picChg chg="add mod modCrop">
+          <ac:chgData name="Martin Orlando Quintero" userId="ea447627-86a1-4d33-8c65-1c7095365655" providerId="ADAL" clId="{2AC4982C-99A6-40E7-BF3B-7503BC3AD431}" dt="2023-03-04T15:27:09.793" v="4822" actId="1076"/>
+          <ac:picMkLst>
+            <pc:docMk/>
+            <pc:sldMk cId="2586132798" sldId="258"/>
+            <ac:picMk id="25" creationId="{C2833486-42A1-4777-BCEE-E790709A9FC2}"/>
+          </ac:picMkLst>
+        </pc:picChg>
+        <pc:picChg chg="add del mod">
+          <ac:chgData name="Martin Orlando Quintero" userId="ea447627-86a1-4d33-8c65-1c7095365655" providerId="ADAL" clId="{2AC4982C-99A6-40E7-BF3B-7503BC3AD431}" dt="2023-03-04T15:11:14.843" v="4587" actId="478"/>
+          <ac:picMkLst>
+            <pc:docMk/>
+            <pc:sldMk cId="2586132798" sldId="258"/>
+            <ac:picMk id="27" creationId="{FA17A706-4756-49EA-9A96-D137BC00A636}"/>
+          </ac:picMkLst>
+        </pc:picChg>
+        <pc:picChg chg="add del mod">
+          <ac:chgData name="Martin Orlando Quintero" userId="ea447627-86a1-4d33-8c65-1c7095365655" providerId="ADAL" clId="{2AC4982C-99A6-40E7-BF3B-7503BC3AD431}" dt="2023-03-04T15:11:24.883" v="4589" actId="478"/>
+          <ac:picMkLst>
+            <pc:docMk/>
+            <pc:sldMk cId="2586132798" sldId="258"/>
+            <ac:picMk id="29" creationId="{D2F06012-2785-4390-87DA-BB856B0DC181}"/>
+          </ac:picMkLst>
+        </pc:picChg>
+        <pc:picChg chg="add mod">
+          <ac:chgData name="Martin Orlando Quintero" userId="ea447627-86a1-4d33-8c65-1c7095365655" providerId="ADAL" clId="{2AC4982C-99A6-40E7-BF3B-7503BC3AD431}" dt="2023-03-04T15:27:11.744" v="4823" actId="1076"/>
+          <ac:picMkLst>
+            <pc:docMk/>
+            <pc:sldMk cId="2586132798" sldId="258"/>
+            <ac:picMk id="31" creationId="{EBAB5591-B043-40C3-A2C5-997B949CC8CC}"/>
+          </ac:picMkLst>
+        </pc:picChg>
+        <pc:picChg chg="add del mod">
+          <ac:chgData name="Martin Orlando Quintero" userId="ea447627-86a1-4d33-8c65-1c7095365655" providerId="ADAL" clId="{2AC4982C-99A6-40E7-BF3B-7503BC3AD431}" dt="2023-03-04T15:21:39.059" v="4706" actId="478"/>
+          <ac:picMkLst>
+            <pc:docMk/>
+            <pc:sldMk cId="2586132798" sldId="258"/>
+            <ac:picMk id="33" creationId="{53CEA193-42A0-4229-8FA2-0FB8CEC54FF6}"/>
+          </ac:picMkLst>
+        </pc:picChg>
+        <pc:picChg chg="del">
+          <ac:chgData name="Martin Orlando Quintero" userId="ea447627-86a1-4d33-8c65-1c7095365655" providerId="ADAL" clId="{2AC4982C-99A6-40E7-BF3B-7503BC3AD431}" dt="2023-03-04T15:00:23.867" v="4568" actId="478"/>
+          <ac:picMkLst>
+            <pc:docMk/>
+            <pc:sldMk cId="2586132798" sldId="258"/>
+            <ac:picMk id="1026" creationId="{8D7F6EC1-83FB-4468-B6B1-70B04A840D2E}"/>
+          </ac:picMkLst>
+        </pc:picChg>
+      </pc:sldChg>
+      <pc:sldChg chg="addSp delSp modSp add setBg">
+        <pc:chgData name="Martin Orlando Quintero" userId="ea447627-86a1-4d33-8c65-1c7095365655" providerId="ADAL" clId="{2AC4982C-99A6-40E7-BF3B-7503BC3AD431}" dt="2023-03-04T16:06:33.953" v="5447" actId="207"/>
+        <pc:sldMkLst>
+          <pc:docMk/>
+          <pc:sldMk cId="2875582125" sldId="259"/>
+        </pc:sldMkLst>
+        <pc:spChg chg="add del mod">
+          <ac:chgData name="Martin Orlando Quintero" userId="ea447627-86a1-4d33-8c65-1c7095365655" providerId="ADAL" clId="{2AC4982C-99A6-40E7-BF3B-7503BC3AD431}" dt="2023-03-04T15:44:36.187" v="5141" actId="478"/>
+          <ac:spMkLst>
+            <pc:docMk/>
+            <pc:sldMk cId="2875582125" sldId="259"/>
+            <ac:spMk id="2" creationId="{12C28D98-F8CF-4B4D-9440-E4C95752CBA8}"/>
+          </ac:spMkLst>
+        </pc:spChg>
+        <pc:spChg chg="add del mod">
+          <ac:chgData name="Martin Orlando Quintero" userId="ea447627-86a1-4d33-8c65-1c7095365655" providerId="ADAL" clId="{2AC4982C-99A6-40E7-BF3B-7503BC3AD431}" dt="2023-03-04T15:43:31.620" v="5139" actId="478"/>
+          <ac:spMkLst>
+            <pc:docMk/>
+            <pc:sldMk cId="2875582125" sldId="259"/>
+            <ac:spMk id="3" creationId="{87F05EA5-DC90-4A89-AC9D-2CC66B05F759}"/>
+          </ac:spMkLst>
+        </pc:spChg>
+        <pc:spChg chg="mod">
+          <ac:chgData name="Martin Orlando Quintero" userId="ea447627-86a1-4d33-8c65-1c7095365655" providerId="ADAL" clId="{2AC4982C-99A6-40E7-BF3B-7503BC3AD431}" dt="2023-03-04T15:34:34.525" v="5027" actId="207"/>
+          <ac:spMkLst>
+            <pc:docMk/>
+            <pc:sldMk cId="2875582125" sldId="259"/>
+            <ac:spMk id="7" creationId="{C08ED238-AB6A-4435-8677-DE5B96116708}"/>
+          </ac:spMkLst>
+        </pc:spChg>
+        <pc:spChg chg="mod">
+          <ac:chgData name="Martin Orlando Quintero" userId="ea447627-86a1-4d33-8c65-1c7095365655" providerId="ADAL" clId="{2AC4982C-99A6-40E7-BF3B-7503BC3AD431}" dt="2023-03-04T15:34:40.956" v="5028" actId="207"/>
+          <ac:spMkLst>
+            <pc:docMk/>
+            <pc:sldMk cId="2875582125" sldId="259"/>
+            <ac:spMk id="8" creationId="{A1E4FE21-0F62-41F3-84A3-552415F2EF37}"/>
+          </ac:spMkLst>
+        </pc:spChg>
+        <pc:spChg chg="del mod">
+          <ac:chgData name="Martin Orlando Quintero" userId="ea447627-86a1-4d33-8c65-1c7095365655" providerId="ADAL" clId="{2AC4982C-99A6-40E7-BF3B-7503BC3AD431}" dt="2023-03-04T15:36:01.684" v="5078" actId="478"/>
+          <ac:spMkLst>
+            <pc:docMk/>
+            <pc:sldMk cId="2875582125" sldId="259"/>
+            <ac:spMk id="9" creationId="{C3714CDF-D4EE-4403-BE6F-7BB2B832DE0E}"/>
+          </ac:spMkLst>
+        </pc:spChg>
+        <pc:spChg chg="mod">
+          <ac:chgData name="Martin Orlando Quintero" userId="ea447627-86a1-4d33-8c65-1c7095365655" providerId="ADAL" clId="{2AC4982C-99A6-40E7-BF3B-7503BC3AD431}" dt="2023-03-04T15:32:24.345" v="4951" actId="1035"/>
+          <ac:spMkLst>
+            <pc:docMk/>
+            <pc:sldMk cId="2875582125" sldId="259"/>
+            <ac:spMk id="10" creationId="{74129D7A-F50C-4773-9245-44268D9A5D39}"/>
+          </ac:spMkLst>
+        </pc:spChg>
+        <pc:spChg chg="mod ord">
+          <ac:chgData name="Martin Orlando Quintero" userId="ea447627-86a1-4d33-8c65-1c7095365655" providerId="ADAL" clId="{2AC4982C-99A6-40E7-BF3B-7503BC3AD431}" dt="2023-03-04T16:06:25.550" v="5445" actId="207"/>
+          <ac:spMkLst>
+            <pc:docMk/>
+            <pc:sldMk cId="2875582125" sldId="259"/>
+            <ac:spMk id="13" creationId="{A413DAE0-3449-4BA1-8037-B86BC5E4E418}"/>
+          </ac:spMkLst>
+        </pc:spChg>
+        <pc:spChg chg="del mod ord">
+          <ac:chgData name="Martin Orlando Quintero" userId="ea447627-86a1-4d33-8c65-1c7095365655" providerId="ADAL" clId="{2AC4982C-99A6-40E7-BF3B-7503BC3AD431}" dt="2023-03-04T15:48:44.249" v="5188" actId="478"/>
+          <ac:spMkLst>
+            <pc:docMk/>
+            <pc:sldMk cId="2875582125" sldId="259"/>
+            <ac:spMk id="14" creationId="{799B4D17-D876-45D1-A3BB-00108D9C6358}"/>
+          </ac:spMkLst>
+        </pc:spChg>
+        <pc:spChg chg="del mod ord">
+          <ac:chgData name="Martin Orlando Quintero" userId="ea447627-86a1-4d33-8c65-1c7095365655" providerId="ADAL" clId="{2AC4982C-99A6-40E7-BF3B-7503BC3AD431}" dt="2023-03-04T15:52:03.257" v="5286" actId="478"/>
+          <ac:spMkLst>
+            <pc:docMk/>
+            <pc:sldMk cId="2875582125" sldId="259"/>
+            <ac:spMk id="15" creationId="{2D607772-CD73-46EB-9AC6-B76504A02CB5}"/>
+          </ac:spMkLst>
+        </pc:spChg>
+        <pc:spChg chg="add del mod ord">
+          <ac:chgData name="Martin Orlando Quintero" userId="ea447627-86a1-4d33-8c65-1c7095365655" providerId="ADAL" clId="{2AC4982C-99A6-40E7-BF3B-7503BC3AD431}" dt="2023-03-04T15:47:45.764" v="5180" actId="478"/>
+          <ac:spMkLst>
+            <pc:docMk/>
+            <pc:sldMk cId="2875582125" sldId="259"/>
+            <ac:spMk id="16" creationId="{376EF6B6-8F7F-4905-9FD1-ADCC8B2D19A0}"/>
+          </ac:spMkLst>
+        </pc:spChg>
+        <pc:spChg chg="del mod ord">
+          <ac:chgData name="Martin Orlando Quintero" userId="ea447627-86a1-4d33-8c65-1c7095365655" providerId="ADAL" clId="{2AC4982C-99A6-40E7-BF3B-7503BC3AD431}" dt="2023-03-04T15:50:00.763" v="5237" actId="478"/>
+          <ac:spMkLst>
+            <pc:docMk/>
+            <pc:sldMk cId="2875582125" sldId="259"/>
+            <ac:spMk id="17" creationId="{0BF4A100-9911-48F1-BB06-F83A87F830B5}"/>
+          </ac:spMkLst>
+        </pc:spChg>
+        <pc:spChg chg="del mod ord">
+          <ac:chgData name="Martin Orlando Quintero" userId="ea447627-86a1-4d33-8c65-1c7095365655" providerId="ADAL" clId="{2AC4982C-99A6-40E7-BF3B-7503BC3AD431}" dt="2023-03-04T15:50:00.763" v="5237" actId="478"/>
+          <ac:spMkLst>
+            <pc:docMk/>
+            <pc:sldMk cId="2875582125" sldId="259"/>
+            <ac:spMk id="18" creationId="{1F5CAE05-070E-47A3-B31A-03942F646FBB}"/>
+          </ac:spMkLst>
+        </pc:spChg>
+        <pc:spChg chg="del mod ord">
+          <ac:chgData name="Martin Orlando Quintero" userId="ea447627-86a1-4d33-8c65-1c7095365655" providerId="ADAL" clId="{2AC4982C-99A6-40E7-BF3B-7503BC3AD431}" dt="2023-03-04T15:50:00.763" v="5237" actId="478"/>
+          <ac:spMkLst>
+            <pc:docMk/>
+            <pc:sldMk cId="2875582125" sldId="259"/>
+            <ac:spMk id="19" creationId="{48306051-4ABA-4D29-BCF4-4929CF404E1B}"/>
+          </ac:spMkLst>
+        </pc:spChg>
+        <pc:spChg chg="del mod ord">
+          <ac:chgData name="Martin Orlando Quintero" userId="ea447627-86a1-4d33-8c65-1c7095365655" providerId="ADAL" clId="{2AC4982C-99A6-40E7-BF3B-7503BC3AD431}" dt="2023-03-04T15:50:00.763" v="5237" actId="478"/>
+          <ac:spMkLst>
+            <pc:docMk/>
+            <pc:sldMk cId="2875582125" sldId="259"/>
+            <ac:spMk id="20" creationId="{D086A393-8D29-458E-B262-4CFFC4D59304}"/>
+          </ac:spMkLst>
+        </pc:spChg>
+        <pc:spChg chg="add mod">
+          <ac:chgData name="Martin Orlando Quintero" userId="ea447627-86a1-4d33-8c65-1c7095365655" providerId="ADAL" clId="{2AC4982C-99A6-40E7-BF3B-7503BC3AD431}" dt="2023-03-04T16:02:13.032" v="5410" actId="2711"/>
+          <ac:spMkLst>
+            <pc:docMk/>
+            <pc:sldMk cId="2875582125" sldId="259"/>
+            <ac:spMk id="25" creationId="{AC62AD33-D936-418F-AC83-5C4A4AD3C8F0}"/>
+          </ac:spMkLst>
+        </pc:spChg>
+        <pc:spChg chg="add del mod">
+          <ac:chgData name="Martin Orlando Quintero" userId="ea447627-86a1-4d33-8c65-1c7095365655" providerId="ADAL" clId="{2AC4982C-99A6-40E7-BF3B-7503BC3AD431}" dt="2023-03-04T15:42:05.163" v="5127" actId="478"/>
+          <ac:spMkLst>
+            <pc:docMk/>
+            <pc:sldMk cId="2875582125" sldId="259"/>
+            <ac:spMk id="26" creationId="{5A09777A-C46A-4259-A77C-F20DA9753648}"/>
+          </ac:spMkLst>
+        </pc:spChg>
+        <pc:spChg chg="add mod">
+          <ac:chgData name="Martin Orlando Quintero" userId="ea447627-86a1-4d33-8c65-1c7095365655" providerId="ADAL" clId="{2AC4982C-99A6-40E7-BF3B-7503BC3AD431}" dt="2023-03-04T16:06:30.065" v="5446" actId="207"/>
+          <ac:spMkLst>
+            <pc:docMk/>
+            <pc:sldMk cId="2875582125" sldId="259"/>
+            <ac:spMk id="27" creationId="{7D7CC18D-5C60-45E6-ACED-634897753EAE}"/>
+          </ac:spMkLst>
+        </pc:spChg>
+        <pc:spChg chg="add mod">
+          <ac:chgData name="Martin Orlando Quintero" userId="ea447627-86a1-4d33-8c65-1c7095365655" providerId="ADAL" clId="{2AC4982C-99A6-40E7-BF3B-7503BC3AD431}" dt="2023-03-04T16:06:33.953" v="5447" actId="207"/>
+          <ac:spMkLst>
+            <pc:docMk/>
+            <pc:sldMk cId="2875582125" sldId="259"/>
+            <ac:spMk id="28" creationId="{2CF41E29-C448-4A7C-9DD3-2EE6577C70E6}"/>
+          </ac:spMkLst>
+        </pc:spChg>
+        <pc:spChg chg="add del mod">
+          <ac:chgData name="Martin Orlando Quintero" userId="ea447627-86a1-4d33-8c65-1c7095365655" providerId="ADAL" clId="{2AC4982C-99A6-40E7-BF3B-7503BC3AD431}" dt="2023-03-04T16:03:37.147" v="5414" actId="478"/>
+          <ac:spMkLst>
+            <pc:docMk/>
+            <pc:sldMk cId="2875582125" sldId="259"/>
+            <ac:spMk id="29" creationId="{B64FA2AF-171D-42CE-86E2-98BA38039973}"/>
+          </ac:spMkLst>
+        </pc:spChg>
+        <pc:spChg chg="add del mod">
+          <ac:chgData name="Martin Orlando Quintero" userId="ea447627-86a1-4d33-8c65-1c7095365655" providerId="ADAL" clId="{2AC4982C-99A6-40E7-BF3B-7503BC3AD431}" dt="2023-03-04T16:03:37.147" v="5414" actId="478"/>
+          <ac:spMkLst>
+            <pc:docMk/>
+            <pc:sldMk cId="2875582125" sldId="259"/>
+            <ac:spMk id="30" creationId="{D6A51668-600C-4A8B-8BFE-B233C9590916}"/>
+          </ac:spMkLst>
+        </pc:spChg>
+        <pc:spChg chg="add del mod">
+          <ac:chgData name="Martin Orlando Quintero" userId="ea447627-86a1-4d33-8c65-1c7095365655" providerId="ADAL" clId="{2AC4982C-99A6-40E7-BF3B-7503BC3AD431}" dt="2023-03-04T16:03:41.009" v="5415" actId="478"/>
+          <ac:spMkLst>
+            <pc:docMk/>
+            <pc:sldMk cId="2875582125" sldId="259"/>
+            <ac:spMk id="31" creationId="{3BD73837-C90C-4268-A351-46A50A23B730}"/>
+          </ac:spMkLst>
+        </pc:spChg>
+        <pc:spChg chg="add del mod">
+          <ac:chgData name="Martin Orlando Quintero" userId="ea447627-86a1-4d33-8c65-1c7095365655" providerId="ADAL" clId="{2AC4982C-99A6-40E7-BF3B-7503BC3AD431}" dt="2023-03-04T16:03:41.009" v="5415" actId="478"/>
+          <ac:spMkLst>
+            <pc:docMk/>
+            <pc:sldMk cId="2875582125" sldId="259"/>
+            <ac:spMk id="32" creationId="{C2678C76-9D8E-4B88-8ACB-A100AAF6DA20}"/>
+          </ac:spMkLst>
+        </pc:spChg>
+        <pc:spChg chg="add del mod">
+          <ac:chgData name="Martin Orlando Quintero" userId="ea447627-86a1-4d33-8c65-1c7095365655" providerId="ADAL" clId="{2AC4982C-99A6-40E7-BF3B-7503BC3AD431}" dt="2023-03-04T16:03:41.009" v="5415" actId="478"/>
+          <ac:spMkLst>
+            <pc:docMk/>
+            <pc:sldMk cId="2875582125" sldId="259"/>
+            <ac:spMk id="33" creationId="{5918882D-7C97-4905-9624-46D01B63A0EE}"/>
+          </ac:spMkLst>
+        </pc:spChg>
+        <pc:spChg chg="add del mod">
+          <ac:chgData name="Martin Orlando Quintero" userId="ea447627-86a1-4d33-8c65-1c7095365655" providerId="ADAL" clId="{2AC4982C-99A6-40E7-BF3B-7503BC3AD431}" dt="2023-03-04T16:03:41.009" v="5415" actId="478"/>
+          <ac:spMkLst>
+            <pc:docMk/>
+            <pc:sldMk cId="2875582125" sldId="259"/>
+            <ac:spMk id="34" creationId="{7D3C9BF5-6ECF-47EE-A830-5C7947CB4DCE}"/>
+          </ac:spMkLst>
+        </pc:spChg>
+        <pc:spChg chg="add del mod">
+          <ac:chgData name="Martin Orlando Quintero" userId="ea447627-86a1-4d33-8c65-1c7095365655" providerId="ADAL" clId="{2AC4982C-99A6-40E7-BF3B-7503BC3AD431}" dt="2023-03-04T16:03:37.147" v="5414" actId="478"/>
+          <ac:spMkLst>
+            <pc:docMk/>
+            <pc:sldMk cId="2875582125" sldId="259"/>
+            <ac:spMk id="35" creationId="{F17087C8-1EE1-413E-B720-41070F608432}"/>
+          </ac:spMkLst>
+        </pc:spChg>
+        <pc:picChg chg="mod">
+          <ac:chgData name="Martin Orlando Quintero" userId="ea447627-86a1-4d33-8c65-1c7095365655" providerId="ADAL" clId="{2AC4982C-99A6-40E7-BF3B-7503BC3AD431}" dt="2023-03-04T15:55:43.553" v="5374" actId="1036"/>
+          <ac:picMkLst>
+            <pc:docMk/>
+            <pc:sldMk cId="2875582125" sldId="259"/>
+            <ac:picMk id="4" creationId="{C4B19ACF-E85C-4CDC-B86E-FA71D7FD1D56}"/>
+          </ac:picMkLst>
+        </pc:picChg>
+        <pc:picChg chg="mod ord">
+          <ac:chgData name="Martin Orlando Quintero" userId="ea447627-86a1-4d33-8c65-1c7095365655" providerId="ADAL" clId="{2AC4982C-99A6-40E7-BF3B-7503BC3AD431}" dt="2023-03-04T15:55:43.553" v="5374" actId="1036"/>
+          <ac:picMkLst>
+            <pc:docMk/>
+            <pc:sldMk cId="2875582125" sldId="259"/>
+            <ac:picMk id="5" creationId="{A53F5AB6-1EC1-41FC-8597-E23B4395256A}"/>
+          </ac:picMkLst>
+        </pc:picChg>
+        <pc:picChg chg="mod ord">
+          <ac:chgData name="Martin Orlando Quintero" userId="ea447627-86a1-4d33-8c65-1c7095365655" providerId="ADAL" clId="{2AC4982C-99A6-40E7-BF3B-7503BC3AD431}" dt="2023-03-04T15:55:43.553" v="5374" actId="1036"/>
+          <ac:picMkLst>
+            <pc:docMk/>
+            <pc:sldMk cId="2875582125" sldId="259"/>
+            <ac:picMk id="6" creationId="{63208974-033A-4E4C-9ADD-FDACF2E0417E}"/>
+          </ac:picMkLst>
+        </pc:picChg>
+        <pc:picChg chg="add mod ord">
+          <ac:chgData name="Martin Orlando Quintero" userId="ea447627-86a1-4d33-8c65-1c7095365655" providerId="ADAL" clId="{2AC4982C-99A6-40E7-BF3B-7503BC3AD431}" dt="2023-03-04T15:39:23.617" v="5105" actId="14100"/>
+          <ac:picMkLst>
+            <pc:docMk/>
+            <pc:sldMk cId="2875582125" sldId="259"/>
+            <ac:picMk id="21" creationId="{4BD72774-6B2B-42D3-81F9-981A57ADDC30}"/>
+          </ac:picMkLst>
+        </pc:picChg>
+        <pc:picChg chg="add mod ord">
+          <ac:chgData name="Martin Orlando Quintero" userId="ea447627-86a1-4d33-8c65-1c7095365655" providerId="ADAL" clId="{2AC4982C-99A6-40E7-BF3B-7503BC3AD431}" dt="2023-03-04T15:40:25.457" v="5112" actId="14100"/>
+          <ac:picMkLst>
+            <pc:docMk/>
+            <pc:sldMk cId="2875582125" sldId="259"/>
+            <ac:picMk id="22" creationId="{C0CF7E0D-D03F-4DD4-B3A7-9276A9EB459C}"/>
+          </ac:picMkLst>
+        </pc:picChg>
+        <pc:picChg chg="add mod">
+          <ac:chgData name="Martin Orlando Quintero" userId="ea447627-86a1-4d33-8c65-1c7095365655" providerId="ADAL" clId="{2AC4982C-99A6-40E7-BF3B-7503BC3AD431}" dt="2023-03-04T15:40:22.892" v="5111" actId="14100"/>
+          <ac:picMkLst>
+            <pc:docMk/>
+            <pc:sldMk cId="2875582125" sldId="259"/>
+            <ac:picMk id="23" creationId="{D77BA8DD-0B36-49CB-B405-3378F868351D}"/>
+          </ac:picMkLst>
+        </pc:picChg>
+        <pc:picChg chg="add mod ord">
+          <ac:chgData name="Martin Orlando Quintero" userId="ea447627-86a1-4d33-8c65-1c7095365655" providerId="ADAL" clId="{2AC4982C-99A6-40E7-BF3B-7503BC3AD431}" dt="2023-03-04T15:40:16.348" v="5110" actId="14100"/>
+          <ac:picMkLst>
+            <pc:docMk/>
+            <pc:sldMk cId="2875582125" sldId="259"/>
+            <ac:picMk id="24" creationId="{1DA77CA1-B83E-4A5B-AD70-A3D64AC174A5}"/>
+          </ac:picMkLst>
+        </pc:picChg>
+        <pc:picChg chg="del">
+          <ac:chgData name="Martin Orlando Quintero" userId="ea447627-86a1-4d33-8c65-1c7095365655" providerId="ADAL" clId="{2AC4982C-99A6-40E7-BF3B-7503BC3AD431}" dt="2023-03-04T15:28:38.865" v="4837" actId="478"/>
+          <ac:picMkLst>
+            <pc:docMk/>
+            <pc:sldMk cId="2875582125" sldId="259"/>
+            <ac:picMk id="1026" creationId="{8D7F6EC1-83FB-4468-B6B1-70B04A840D2E}"/>
+          </ac:picMkLst>
+        </pc:picChg>
+        <pc:cxnChg chg="mod">
+          <ac:chgData name="Martin Orlando Quintero" userId="ea447627-86a1-4d33-8c65-1c7095365655" providerId="ADAL" clId="{2AC4982C-99A6-40E7-BF3B-7503BC3AD431}" dt="2023-03-04T15:32:24.345" v="4951" actId="1035"/>
+          <ac:cxnSpMkLst>
+            <pc:docMk/>
+            <pc:sldMk cId="2875582125" sldId="259"/>
+            <ac:cxnSpMk id="12" creationId="{85386F64-190A-4F12-A8D4-D64F633B250E}"/>
+          </ac:cxnSpMkLst>
+        </pc:cxnChg>
+      </pc:sldChg>
+      <pc:sldChg chg="addSp delSp modSp add setBg">
+        <pc:chgData name="Martin Orlando Quintero" userId="ea447627-86a1-4d33-8c65-1c7095365655" providerId="ADAL" clId="{2AC4982C-99A6-40E7-BF3B-7503BC3AD431}" dt="2023-03-04T17:43:14.801" v="5606" actId="478"/>
+        <pc:sldMkLst>
+          <pc:docMk/>
+          <pc:sldMk cId="1682889877" sldId="260"/>
+        </pc:sldMkLst>
+        <pc:spChg chg="mod">
+          <ac:chgData name="Martin Orlando Quintero" userId="ea447627-86a1-4d33-8c65-1c7095365655" providerId="ADAL" clId="{2AC4982C-99A6-40E7-BF3B-7503BC3AD431}" dt="2023-03-04T17:04:18.215" v="5470" actId="207"/>
+          <ac:spMkLst>
+            <pc:docMk/>
+            <pc:sldMk cId="1682889877" sldId="260"/>
+            <ac:spMk id="8" creationId="{A1E4FE21-0F62-41F3-84A3-552415F2EF37}"/>
+          </ac:spMkLst>
+        </pc:spChg>
+        <pc:spChg chg="mod">
+          <ac:chgData name="Martin Orlando Quintero" userId="ea447627-86a1-4d33-8c65-1c7095365655" providerId="ADAL" clId="{2AC4982C-99A6-40E7-BF3B-7503BC3AD431}" dt="2023-03-04T17:42:32.527" v="5604" actId="207"/>
+          <ac:spMkLst>
+            <pc:docMk/>
+            <pc:sldMk cId="1682889877" sldId="260"/>
+            <ac:spMk id="9" creationId="{C3714CDF-D4EE-4403-BE6F-7BB2B832DE0E}"/>
+          </ac:spMkLst>
+        </pc:spChg>
+        <pc:spChg chg="mod">
+          <ac:chgData name="Martin Orlando Quintero" userId="ea447627-86a1-4d33-8c65-1c7095365655" providerId="ADAL" clId="{2AC4982C-99A6-40E7-BF3B-7503BC3AD431}" dt="2023-03-04T17:41:10.083" v="5593" actId="1037"/>
+          <ac:spMkLst>
+            <pc:docMk/>
+            <pc:sldMk cId="1682889877" sldId="260"/>
+            <ac:spMk id="13" creationId="{A413DAE0-3449-4BA1-8037-B86BC5E4E418}"/>
+          </ac:spMkLst>
+        </pc:spChg>
+        <pc:spChg chg="mod">
+          <ac:chgData name="Martin Orlando Quintero" userId="ea447627-86a1-4d33-8c65-1c7095365655" providerId="ADAL" clId="{2AC4982C-99A6-40E7-BF3B-7503BC3AD431}" dt="2023-03-04T17:41:10.083" v="5593" actId="1037"/>
+          <ac:spMkLst>
+            <pc:docMk/>
+            <pc:sldMk cId="1682889877" sldId="260"/>
+            <ac:spMk id="14" creationId="{799B4D17-D876-45D1-A3BB-00108D9C6358}"/>
+          </ac:spMkLst>
+        </pc:spChg>
+        <pc:spChg chg="mod">
+          <ac:chgData name="Martin Orlando Quintero" userId="ea447627-86a1-4d33-8c65-1c7095365655" providerId="ADAL" clId="{2AC4982C-99A6-40E7-BF3B-7503BC3AD431}" dt="2023-03-04T17:41:10.083" v="5593" actId="1037"/>
+          <ac:spMkLst>
+            <pc:docMk/>
+            <pc:sldMk cId="1682889877" sldId="260"/>
+            <ac:spMk id="15" creationId="{2D607772-CD73-46EB-9AC6-B76504A02CB5}"/>
+          </ac:spMkLst>
+        </pc:spChg>
+        <pc:spChg chg="mod">
+          <ac:chgData name="Martin Orlando Quintero" userId="ea447627-86a1-4d33-8c65-1c7095365655" providerId="ADAL" clId="{2AC4982C-99A6-40E7-BF3B-7503BC3AD431}" dt="2023-03-04T17:41:10.083" v="5593" actId="1037"/>
+          <ac:spMkLst>
+            <pc:docMk/>
+            <pc:sldMk cId="1682889877" sldId="260"/>
+            <ac:spMk id="16" creationId="{376EF6B6-8F7F-4905-9FD1-ADCC8B2D19A0}"/>
+          </ac:spMkLst>
+        </pc:spChg>
+        <pc:spChg chg="mod">
+          <ac:chgData name="Martin Orlando Quintero" userId="ea447627-86a1-4d33-8c65-1c7095365655" providerId="ADAL" clId="{2AC4982C-99A6-40E7-BF3B-7503BC3AD431}" dt="2023-03-04T17:41:10.083" v="5593" actId="1037"/>
+          <ac:spMkLst>
+            <pc:docMk/>
+            <pc:sldMk cId="1682889877" sldId="260"/>
+            <ac:spMk id="17" creationId="{0BF4A100-9911-48F1-BB06-F83A87F830B5}"/>
+          </ac:spMkLst>
+        </pc:spChg>
+        <pc:spChg chg="mod">
+          <ac:chgData name="Martin Orlando Quintero" userId="ea447627-86a1-4d33-8c65-1c7095365655" providerId="ADAL" clId="{2AC4982C-99A6-40E7-BF3B-7503BC3AD431}" dt="2023-03-04T17:41:10.083" v="5593" actId="1037"/>
+          <ac:spMkLst>
+            <pc:docMk/>
+            <pc:sldMk cId="1682889877" sldId="260"/>
+            <ac:spMk id="18" creationId="{1F5CAE05-070E-47A3-B31A-03942F646FBB}"/>
+          </ac:spMkLst>
+        </pc:spChg>
+        <pc:spChg chg="mod">
+          <ac:chgData name="Martin Orlando Quintero" userId="ea447627-86a1-4d33-8c65-1c7095365655" providerId="ADAL" clId="{2AC4982C-99A6-40E7-BF3B-7503BC3AD431}" dt="2023-03-04T17:41:32.203" v="5598" actId="14100"/>
+          <ac:spMkLst>
+            <pc:docMk/>
+            <pc:sldMk cId="1682889877" sldId="260"/>
+            <ac:spMk id="19" creationId="{48306051-4ABA-4D29-BCF4-4929CF404E1B}"/>
+          </ac:spMkLst>
+        </pc:spChg>
+        <pc:spChg chg="mod">
+          <ac:chgData name="Martin Orlando Quintero" userId="ea447627-86a1-4d33-8c65-1c7095365655" providerId="ADAL" clId="{2AC4982C-99A6-40E7-BF3B-7503BC3AD431}" dt="2023-03-04T17:41:40.543" v="5600" actId="14100"/>
+          <ac:spMkLst>
+            <pc:docMk/>
+            <pc:sldMk cId="1682889877" sldId="260"/>
+            <ac:spMk id="20" creationId="{D086A393-8D29-458E-B262-4CFFC4D59304}"/>
+          </ac:spMkLst>
+        </pc:spChg>
+        <pc:picChg chg="add del mod">
+          <ac:chgData name="Martin Orlando Quintero" userId="ea447627-86a1-4d33-8c65-1c7095365655" providerId="ADAL" clId="{2AC4982C-99A6-40E7-BF3B-7503BC3AD431}" dt="2023-03-04T17:35:23.393" v="5516" actId="478"/>
+          <ac:picMkLst>
+            <pc:docMk/>
+            <pc:sldMk cId="1682889877" sldId="260"/>
+            <ac:picMk id="3" creationId="{95CB18F1-F613-4E5A-BBB5-1F542FDBE708}"/>
+          </ac:picMkLst>
+        </pc:picChg>
+        <pc:picChg chg="mod">
+          <ac:chgData name="Martin Orlando Quintero" userId="ea447627-86a1-4d33-8c65-1c7095365655" providerId="ADAL" clId="{2AC4982C-99A6-40E7-BF3B-7503BC3AD431}" dt="2023-03-04T17:40:33.844" v="5585" actId="1038"/>
+          <ac:picMkLst>
+            <pc:docMk/>
+            <pc:sldMk cId="1682889877" sldId="260"/>
+            <ac:picMk id="6" creationId="{63208974-033A-4E4C-9ADD-FDACF2E0417E}"/>
+          </ac:picMkLst>
+        </pc:picChg>
+        <pc:picChg chg="add mod modCrop">
+          <ac:chgData name="Martin Orlando Quintero" userId="ea447627-86a1-4d33-8c65-1c7095365655" providerId="ADAL" clId="{2AC4982C-99A6-40E7-BF3B-7503BC3AD431}" dt="2023-03-04T17:41:10.083" v="5593" actId="1037"/>
+          <ac:picMkLst>
+            <pc:docMk/>
+            <pc:sldMk cId="1682889877" sldId="260"/>
+            <ac:picMk id="21" creationId="{FACE3C36-5E4A-44BB-A289-27B5BEDE025B}"/>
+          </ac:picMkLst>
+        </pc:picChg>
+        <pc:picChg chg="add mod">
+          <ac:chgData name="Martin Orlando Quintero" userId="ea447627-86a1-4d33-8c65-1c7095365655" providerId="ADAL" clId="{2AC4982C-99A6-40E7-BF3B-7503BC3AD431}" dt="2023-03-04T17:41:10.083" v="5593" actId="1037"/>
+          <ac:picMkLst>
+            <pc:docMk/>
+            <pc:sldMk cId="1682889877" sldId="260"/>
+            <ac:picMk id="22" creationId="{7A5467A3-8C1F-4FFB-904D-291082B3F32F}"/>
+          </ac:picMkLst>
+        </pc:picChg>
+        <pc:picChg chg="add del mod">
+          <ac:chgData name="Martin Orlando Quintero" userId="ea447627-86a1-4d33-8c65-1c7095365655" providerId="ADAL" clId="{2AC4982C-99A6-40E7-BF3B-7503BC3AD431}" dt="2023-03-04T17:43:12.609" v="5605" actId="478"/>
+          <ac:picMkLst>
+            <pc:docMk/>
+            <pc:sldMk cId="1682889877" sldId="260"/>
+            <ac:picMk id="23" creationId="{2EC416D8-8AEF-466A-9496-6595A31BC057}"/>
+          </ac:picMkLst>
+        </pc:picChg>
+        <pc:picChg chg="add del mod">
+          <ac:chgData name="Martin Orlando Quintero" userId="ea447627-86a1-4d33-8c65-1c7095365655" providerId="ADAL" clId="{2AC4982C-99A6-40E7-BF3B-7503BC3AD431}" dt="2023-03-04T17:43:14.801" v="5606" actId="478"/>
+          <ac:picMkLst>
+            <pc:docMk/>
+            <pc:sldMk cId="1682889877" sldId="260"/>
+            <ac:picMk id="24" creationId="{99554FB0-E658-411E-9846-C440A1CFF351}"/>
+          </ac:picMkLst>
+        </pc:picChg>
+        <pc:picChg chg="add del">
+          <ac:chgData name="Martin Orlando Quintero" userId="ea447627-86a1-4d33-8c65-1c7095365655" providerId="ADAL" clId="{2AC4982C-99A6-40E7-BF3B-7503BC3AD431}" dt="2023-03-04T17:06:05.794" v="5490" actId="478"/>
+          <ac:picMkLst>
+            <pc:docMk/>
+            <pc:sldMk cId="1682889877" sldId="260"/>
+            <ac:picMk id="25" creationId="{3B7B9CA5-2218-4E96-9B0F-24022AD8180A}"/>
+          </ac:picMkLst>
+        </pc:picChg>
+        <pc:picChg chg="add del mod">
+          <ac:chgData name="Martin Orlando Quintero" userId="ea447627-86a1-4d33-8c65-1c7095365655" providerId="ADAL" clId="{2AC4982C-99A6-40E7-BF3B-7503BC3AD431}" dt="2023-03-04T17:06:31.655" v="5491" actId="478"/>
+          <ac:picMkLst>
+            <pc:docMk/>
+            <pc:sldMk cId="1682889877" sldId="260"/>
+            <ac:picMk id="26" creationId="{2E2DD53E-6741-450F-8A5D-86AD1037E504}"/>
+          </ac:picMkLst>
+        </pc:picChg>
+        <pc:picChg chg="add mod modCrop">
+          <ac:chgData name="Martin Orlando Quintero" userId="ea447627-86a1-4d33-8c65-1c7095365655" providerId="ADAL" clId="{2AC4982C-99A6-40E7-BF3B-7503BC3AD431}" dt="2023-03-04T17:41:10.083" v="5593" actId="1037"/>
+          <ac:picMkLst>
+            <pc:docMk/>
+            <pc:sldMk cId="1682889877" sldId="260"/>
+            <ac:picMk id="27" creationId="{E6979ED0-67E4-4804-B934-ED3309B69618}"/>
+          </ac:picMkLst>
+        </pc:picChg>
+        <pc:picChg chg="del">
+          <ac:chgData name="Martin Orlando Quintero" userId="ea447627-86a1-4d33-8c65-1c7095365655" providerId="ADAL" clId="{2AC4982C-99A6-40E7-BF3B-7503BC3AD431}" dt="2023-03-04T16:07:14.264" v="5451" actId="478"/>
+          <ac:picMkLst>
+            <pc:docMk/>
+            <pc:sldMk cId="1682889877" sldId="260"/>
+            <ac:picMk id="1026" creationId="{8D7F6EC1-83FB-4468-B6B1-70B04A840D2E}"/>
+          </ac:picMkLst>
+        </pc:picChg>
       </pc:sldChg>
     </pc:docChg>
   </pc:docChgLst>
@@ -427,7 +1240,7 @@
           <a:p>
             <a:fld id="{F41AF4C4-683D-4C33-85E3-6079EE8B3BBD}" type="datetimeFigureOut">
               <a:rPr lang="es-AR" smtClean="0"/>
-              <a:t>3/3/2023</a:t>
+              <a:t>4/3/2023</a:t>
             </a:fld>
             <a:endParaRPr lang="es-AR"/>
           </a:p>
@@ -597,7 +1410,7 @@
           <a:p>
             <a:fld id="{F41AF4C4-683D-4C33-85E3-6079EE8B3BBD}" type="datetimeFigureOut">
               <a:rPr lang="es-AR" smtClean="0"/>
-              <a:t>3/3/2023</a:t>
+              <a:t>4/3/2023</a:t>
             </a:fld>
             <a:endParaRPr lang="es-AR"/>
           </a:p>
@@ -777,7 +1590,7 @@
           <a:p>
             <a:fld id="{F41AF4C4-683D-4C33-85E3-6079EE8B3BBD}" type="datetimeFigureOut">
               <a:rPr lang="es-AR" smtClean="0"/>
-              <a:t>3/3/2023</a:t>
+              <a:t>4/3/2023</a:t>
             </a:fld>
             <a:endParaRPr lang="es-AR"/>
           </a:p>
@@ -947,7 +1760,7 @@
           <a:p>
             <a:fld id="{F41AF4C4-683D-4C33-85E3-6079EE8B3BBD}" type="datetimeFigureOut">
               <a:rPr lang="es-AR" smtClean="0"/>
-              <a:t>3/3/2023</a:t>
+              <a:t>4/3/2023</a:t>
             </a:fld>
             <a:endParaRPr lang="es-AR"/>
           </a:p>
@@ -1191,7 +2004,7 @@
           <a:p>
             <a:fld id="{F41AF4C4-683D-4C33-85E3-6079EE8B3BBD}" type="datetimeFigureOut">
               <a:rPr lang="es-AR" smtClean="0"/>
-              <a:t>3/3/2023</a:t>
+              <a:t>4/3/2023</a:t>
             </a:fld>
             <a:endParaRPr lang="es-AR"/>
           </a:p>
@@ -1423,7 +2236,7 @@
           <a:p>
             <a:fld id="{F41AF4C4-683D-4C33-85E3-6079EE8B3BBD}" type="datetimeFigureOut">
               <a:rPr lang="es-AR" smtClean="0"/>
-              <a:t>3/3/2023</a:t>
+              <a:t>4/3/2023</a:t>
             </a:fld>
             <a:endParaRPr lang="es-AR"/>
           </a:p>
@@ -1790,7 +2603,7 @@
           <a:p>
             <a:fld id="{F41AF4C4-683D-4C33-85E3-6079EE8B3BBD}" type="datetimeFigureOut">
               <a:rPr lang="es-AR" smtClean="0"/>
-              <a:t>3/3/2023</a:t>
+              <a:t>4/3/2023</a:t>
             </a:fld>
             <a:endParaRPr lang="es-AR"/>
           </a:p>
@@ -1908,7 +2721,7 @@
           <a:p>
             <a:fld id="{F41AF4C4-683D-4C33-85E3-6079EE8B3BBD}" type="datetimeFigureOut">
               <a:rPr lang="es-AR" smtClean="0"/>
-              <a:t>3/3/2023</a:t>
+              <a:t>4/3/2023</a:t>
             </a:fld>
             <a:endParaRPr lang="es-AR"/>
           </a:p>
@@ -2003,7 +2816,7 @@
           <a:p>
             <a:fld id="{F41AF4C4-683D-4C33-85E3-6079EE8B3BBD}" type="datetimeFigureOut">
               <a:rPr lang="es-AR" smtClean="0"/>
-              <a:t>3/3/2023</a:t>
+              <a:t>4/3/2023</a:t>
             </a:fld>
             <a:endParaRPr lang="es-AR"/>
           </a:p>
@@ -2280,7 +3093,7 @@
           <a:p>
             <a:fld id="{F41AF4C4-683D-4C33-85E3-6079EE8B3BBD}" type="datetimeFigureOut">
               <a:rPr lang="es-AR" smtClean="0"/>
-              <a:t>3/3/2023</a:t>
+              <a:t>4/3/2023</a:t>
             </a:fld>
             <a:endParaRPr lang="es-AR"/>
           </a:p>
@@ -2537,7 +3350,7 @@
           <a:p>
             <a:fld id="{F41AF4C4-683D-4C33-85E3-6079EE8B3BBD}" type="datetimeFigureOut">
               <a:rPr lang="es-AR" smtClean="0"/>
-              <a:t>3/3/2023</a:t>
+              <a:t>4/3/2023</a:t>
             </a:fld>
             <a:endParaRPr lang="es-AR"/>
           </a:p>
@@ -2750,7 +3563,7 @@
           <a:p>
             <a:fld id="{F41AF4C4-683D-4C33-85E3-6079EE8B3BBD}" type="datetimeFigureOut">
               <a:rPr lang="es-AR" smtClean="0"/>
-              <a:t>3/3/2023</a:t>
+              <a:t>4/3/2023</a:t>
             </a:fld>
             <a:endParaRPr lang="es-AR"/>
           </a:p>
@@ -3402,10 +4215,7 @@
             <a:r>
               <a:rPr lang="es-AR" sz="6000" dirty="0">
                 <a:solidFill>
-                  <a:schemeClr val="tx1">
-                    <a:lumMod val="85000"/>
-                    <a:lumOff val="15000"/>
-                  </a:schemeClr>
+                  <a:srgbClr val="C00000"/>
                 </a:solidFill>
                 <a:latin typeface="Bahnschrift Condensed" panose="020B0502040204020203" pitchFamily="34" charset="0"/>
               </a:rPr>
@@ -3471,10 +4281,7 @@
             <a:r>
               <a:rPr lang="es-AR" sz="2200" b="1" i="1" dirty="0">
                 <a:solidFill>
-                  <a:schemeClr val="tx1">
-                    <a:lumMod val="65000"/>
-                    <a:lumOff val="35000"/>
-                  </a:schemeClr>
+                  <a:srgbClr val="B75855"/>
                 </a:solidFill>
                 <a:latin typeface="Bodoni MT" panose="02070603080606020203" pitchFamily="18" charset="0"/>
               </a:rPr>
@@ -3511,10 +4318,7 @@
             <a:r>
               <a:rPr lang="es-AR" sz="2200" b="1" i="1" dirty="0">
                 <a:solidFill>
-                  <a:schemeClr val="tx1">
-                    <a:lumMod val="65000"/>
-                    <a:lumOff val="35000"/>
-                  </a:schemeClr>
+                  <a:srgbClr val="C00000"/>
                 </a:solidFill>
                 <a:latin typeface="Bodoni MT" panose="02070603080606020203" pitchFamily="18" charset="0"/>
               </a:rPr>
@@ -4028,6 +4832,3749 @@
     <p:extLst>
       <p:ext uri="{BB962C8B-B14F-4D97-AF65-F5344CB8AC3E}">
         <p14:creationId xmlns:p14="http://schemas.microsoft.com/office/powerpoint/2010/main" val="333291620"/>
+      </p:ext>
+    </p:extLst>
+  </p:cSld>
+  <p:clrMapOvr>
+    <a:masterClrMapping/>
+  </p:clrMapOvr>
+</p:sld>
+</file>
+
+<file path=ppt/slides/slide2.xml><?xml version="1.0" encoding="utf-8"?>
+<p:sld xmlns:a="http://schemas.openxmlformats.org/drawingml/2006/main" xmlns:r="http://schemas.openxmlformats.org/officeDocument/2006/relationships" xmlns:p="http://schemas.openxmlformats.org/presentationml/2006/main">
+  <p:cSld>
+    <p:bg>
+      <p:bgPr>
+        <a:gradFill>
+          <a:gsLst>
+            <a:gs pos="42000">
+              <a:schemeClr val="bg1">
+                <a:lumMod val="95000"/>
+              </a:schemeClr>
+            </a:gs>
+            <a:gs pos="76000">
+              <a:srgbClr val="BADAD5"/>
+            </a:gs>
+            <a:gs pos="100000">
+              <a:srgbClr val="B7D9D4"/>
+            </a:gs>
+          </a:gsLst>
+          <a:lin ang="5400000" scaled="1"/>
+        </a:gradFill>
+        <a:effectLst/>
+      </p:bgPr>
+    </p:bg>
+    <p:spTree>
+      <p:nvGrpSpPr>
+        <p:cNvPr id="1" name=""/>
+        <p:cNvGrpSpPr/>
+        <p:nvPr/>
+      </p:nvGrpSpPr>
+      <p:grpSpPr>
+        <a:xfrm>
+          <a:off x="0" y="0"/>
+          <a:ext cx="0" cy="0"/>
+          <a:chOff x="0" y="0"/>
+          <a:chExt cx="0" cy="0"/>
+        </a:xfrm>
+      </p:grpSpPr>
+      <p:pic>
+        <p:nvPicPr>
+          <p:cNvPr id="6" name="Imagen 5">
+            <a:extLst>
+              <a:ext uri="{FF2B5EF4-FFF2-40B4-BE49-F238E27FC236}">
+                <a16:creationId xmlns:a16="http://schemas.microsoft.com/office/drawing/2014/main" id="{63208974-033A-4E4C-9ADD-FDACF2E0417E}"/>
+              </a:ext>
+            </a:extLst>
+          </p:cNvPr>
+          <p:cNvPicPr>
+            <a:picLocks noChangeAspect="1"/>
+          </p:cNvPicPr>
+          <p:nvPr/>
+        </p:nvPicPr>
+        <p:blipFill rotWithShape="1">
+          <a:blip r:embed="rId2">
+            <a:duotone>
+              <a:prstClr val="black"/>
+              <a:schemeClr val="accent6">
+                <a:tint val="45000"/>
+                <a:satMod val="400000"/>
+              </a:schemeClr>
+            </a:duotone>
+            <a:extLst>
+              <a:ext uri="{BEBA8EAE-BF5A-486C-A8C5-ECC9F3942E4B}">
+                <a14:imgProps xmlns:a14="http://schemas.microsoft.com/office/drawing/2010/main">
+                  <a14:imgLayer r:embed="rId3">
+                    <a14:imgEffect>
+                      <a14:backgroundRemoval t="26481" b="65278" l="71354" r="93750">
+                        <a14:foregroundMark x1="78594" y1="28426" x2="80625" y2="28704"/>
+                        <a14:foregroundMark x1="80625" y1="28704" x2="82396" y2="28519"/>
+                        <a14:foregroundMark x1="82396" y1="28519" x2="82396" y2="28426"/>
+                        <a14:foregroundMark x1="79844" y1="26481" x2="80313" y2="26481"/>
+                      </a14:backgroundRemoval>
+                    </a14:imgEffect>
+                    <a14:imgEffect>
+                      <a14:saturation sat="400000"/>
+                    </a14:imgEffect>
+                    <a14:imgEffect>
+                      <a14:brightnessContrast contrast="-40000"/>
+                    </a14:imgEffect>
+                  </a14:imgLayer>
+                </a14:imgProps>
+              </a:ext>
+            </a:extLst>
+          </a:blip>
+          <a:srcRect l="73382" t="25681" r="17744" b="61759"/>
+          <a:stretch/>
+        </p:blipFill>
+        <p:spPr>
+          <a:xfrm>
+            <a:off x="4241800" y="5961746"/>
+            <a:ext cx="2616200" cy="2082801"/>
+          </a:xfrm>
+          <a:prstGeom prst="rect">
+            <a:avLst/>
+          </a:prstGeom>
+        </p:spPr>
+      </p:pic>
+      <p:pic>
+        <p:nvPicPr>
+          <p:cNvPr id="4" name="Imagen 3">
+            <a:extLst>
+              <a:ext uri="{FF2B5EF4-FFF2-40B4-BE49-F238E27FC236}">
+                <a16:creationId xmlns:a16="http://schemas.microsoft.com/office/drawing/2014/main" id="{C4B19ACF-E85C-4CDC-B86E-FA71D7FD1D56}"/>
+              </a:ext>
+            </a:extLst>
+          </p:cNvPr>
+          <p:cNvPicPr>
+            <a:picLocks noChangeAspect="1"/>
+          </p:cNvPicPr>
+          <p:nvPr/>
+        </p:nvPicPr>
+        <p:blipFill rotWithShape="1">
+          <a:blip r:embed="rId4"/>
+          <a:srcRect l="17370" t="20464" r="1041" b="17489"/>
+          <a:stretch/>
+        </p:blipFill>
+        <p:spPr>
+          <a:xfrm>
+            <a:off x="0" y="9258300"/>
+            <a:ext cx="6858000" cy="2933699"/>
+          </a:xfrm>
+          <a:prstGeom prst="rect">
+            <a:avLst/>
+          </a:prstGeom>
+          <a:effectLst/>
+        </p:spPr>
+      </p:pic>
+      <p:pic>
+        <p:nvPicPr>
+          <p:cNvPr id="5" name="Imagen 4">
+            <a:extLst>
+              <a:ext uri="{FF2B5EF4-FFF2-40B4-BE49-F238E27FC236}">
+                <a16:creationId xmlns:a16="http://schemas.microsoft.com/office/drawing/2014/main" id="{A53F5AB6-1EC1-41FC-8597-E23B4395256A}"/>
+              </a:ext>
+            </a:extLst>
+          </p:cNvPr>
+          <p:cNvPicPr>
+            <a:picLocks noChangeAspect="1"/>
+          </p:cNvPicPr>
+          <p:nvPr/>
+        </p:nvPicPr>
+        <p:blipFill rotWithShape="1">
+          <a:blip r:embed="rId5">
+            <a:extLst>
+              <a:ext uri="{BEBA8EAE-BF5A-486C-A8C5-ECC9F3942E4B}">
+                <a14:imgProps xmlns:a14="http://schemas.microsoft.com/office/drawing/2010/main">
+                  <a14:imgLayer r:embed="rId6">
+                    <a14:imgEffect>
+                      <a14:backgroundRemoval t="19537" b="73056" l="33229" r="72708">
+                        <a14:foregroundMark x1="35885" y1="33981" x2="44583" y2="28519"/>
+                        <a14:foregroundMark x1="44583" y1="28519" x2="57292" y2="26296"/>
+                        <a14:foregroundMark x1="57292" y1="26296" x2="66771" y2="31111"/>
+                        <a14:foregroundMark x1="66771" y1="31111" x2="68385" y2="34444"/>
+                        <a14:foregroundMark x1="52214" y1="20149" x2="53177" y2="20185"/>
+                        <a14:foregroundMark x1="45913" y1="19913" x2="47583" y2="19975"/>
+                        <a14:foregroundMark x1="53177" y1="20185" x2="66354" y2="19537"/>
+                        <a14:foregroundMark x1="66354" y1="19537" x2="66354" y2="19537"/>
+                        <a14:backgroundMark x1="48438" y1="54907" x2="39948" y2="62870"/>
+                        <a14:backgroundMark x1="54688" y1="59537" x2="67760" y2="61759"/>
+                        <a14:backgroundMark x1="67760" y1="61759" x2="69844" y2="61574"/>
+                        <a14:backgroundMark x1="39948" y1="51574" x2="48021" y2="53704"/>
+                        <a14:backgroundMark x1="40052" y1="51296" x2="50208" y2="48426"/>
+                        <a14:backgroundMark x1="50208" y1="48426" x2="53281" y2="48519"/>
+                        <a14:backgroundMark x1="53281" y1="48519" x2="55885" y2="50741"/>
+                        <a14:backgroundMark x1="55885" y1="50741" x2="56510" y2="56574"/>
+                        <a14:backgroundMark x1="40208" y1="18241" x2="46094" y2="19444"/>
+                        <a14:backgroundMark x1="46094" y1="19444" x2="48854" y2="18611"/>
+                        <a14:backgroundMark x1="48854" y1="18611" x2="51719" y2="20093"/>
+                        <a14:backgroundMark x1="51719" y1="20093" x2="52292" y2="19907"/>
+                        <a14:backgroundMark x1="40938" y1="18333" x2="42031" y2="19630"/>
+                        <a14:backgroundMark x1="44688" y1="19352" x2="44896" y2="21481"/>
+                        <a14:backgroundMark x1="47708" y1="19907" x2="47969" y2="21389"/>
+                      </a14:backgroundRemoval>
+                    </a14:imgEffect>
+                  </a14:imgLayer>
+                </a14:imgProps>
+              </a:ext>
+            </a:extLst>
+          </a:blip>
+          <a:srcRect l="28259" t="17408" r="47547" b="29531"/>
+          <a:stretch/>
+        </p:blipFill>
+        <p:spPr>
+          <a:xfrm>
+            <a:off x="2698955" y="6705600"/>
+            <a:ext cx="4159045" cy="5130800"/>
+          </a:xfrm>
+          <a:prstGeom prst="rect">
+            <a:avLst/>
+          </a:prstGeom>
+          <a:effectLst/>
+        </p:spPr>
+      </p:pic>
+      <p:sp>
+        <p:nvSpPr>
+          <p:cNvPr id="7" name="CuadroTexto 6">
+            <a:extLst>
+              <a:ext uri="{FF2B5EF4-FFF2-40B4-BE49-F238E27FC236}">
+                <a16:creationId xmlns:a16="http://schemas.microsoft.com/office/drawing/2014/main" id="{C08ED238-AB6A-4435-8677-DE5B96116708}"/>
+              </a:ext>
+            </a:extLst>
+          </p:cNvPr>
+          <p:cNvSpPr txBox="1"/>
+          <p:nvPr/>
+        </p:nvSpPr>
+        <p:spPr>
+          <a:xfrm>
+            <a:off x="202359" y="346367"/>
+            <a:ext cx="3236784" cy="830997"/>
+          </a:xfrm>
+          <a:prstGeom prst="rect">
+            <a:avLst/>
+          </a:prstGeom>
+          <a:noFill/>
+        </p:spPr>
+        <p:txBody>
+          <a:bodyPr wrap="none" rtlCol="0">
+            <a:spAutoFit/>
+          </a:bodyPr>
+          <a:lstStyle/>
+          <a:p>
+            <a:r>
+              <a:rPr lang="es-AR" sz="4800" dirty="0">
+                <a:solidFill>
+                  <a:schemeClr val="bg1">
+                    <a:lumMod val="50000"/>
+                  </a:schemeClr>
+                </a:solidFill>
+                <a:latin typeface="Bahnschrift Condensed" panose="020B0502040204020203" pitchFamily="34" charset="0"/>
+              </a:rPr>
+              <a:t>Conferencia de</a:t>
+            </a:r>
+          </a:p>
+        </p:txBody>
+      </p:sp>
+      <p:sp>
+        <p:nvSpPr>
+          <p:cNvPr id="8" name="CuadroTexto 7">
+            <a:extLst>
+              <a:ext uri="{FF2B5EF4-FFF2-40B4-BE49-F238E27FC236}">
+                <a16:creationId xmlns:a16="http://schemas.microsoft.com/office/drawing/2014/main" id="{A1E4FE21-0F62-41F3-84A3-552415F2EF37}"/>
+              </a:ext>
+            </a:extLst>
+          </p:cNvPr>
+          <p:cNvSpPr txBox="1"/>
+          <p:nvPr/>
+        </p:nvSpPr>
+        <p:spPr>
+          <a:xfrm>
+            <a:off x="202359" y="947732"/>
+            <a:ext cx="5283819" cy="1015663"/>
+          </a:xfrm>
+          <a:prstGeom prst="rect">
+            <a:avLst/>
+          </a:prstGeom>
+          <a:noFill/>
+        </p:spPr>
+        <p:txBody>
+          <a:bodyPr wrap="none" rtlCol="0">
+            <a:spAutoFit/>
+          </a:bodyPr>
+          <a:lstStyle/>
+          <a:p>
+            <a:r>
+              <a:rPr lang="es-AR" sz="6000" dirty="0">
+                <a:solidFill>
+                  <a:srgbClr val="CD585C"/>
+                </a:solidFill>
+                <a:latin typeface="Bahnschrift Condensed" panose="020B0502040204020203" pitchFamily="34" charset="0"/>
+              </a:rPr>
+              <a:t>ESTACA SAN RAFAEL</a:t>
+            </a:r>
+          </a:p>
+        </p:txBody>
+      </p:sp>
+      <p:sp>
+        <p:nvSpPr>
+          <p:cNvPr id="9" name="CuadroTexto 8">
+            <a:extLst>
+              <a:ext uri="{FF2B5EF4-FFF2-40B4-BE49-F238E27FC236}">
+                <a16:creationId xmlns:a16="http://schemas.microsoft.com/office/drawing/2014/main" id="{C3714CDF-D4EE-4403-BE6F-7BB2B832DE0E}"/>
+              </a:ext>
+            </a:extLst>
+          </p:cNvPr>
+          <p:cNvSpPr txBox="1"/>
+          <p:nvPr/>
+        </p:nvSpPr>
+        <p:spPr>
+          <a:xfrm>
+            <a:off x="263104" y="8757454"/>
+            <a:ext cx="3115293" cy="3139321"/>
+          </a:xfrm>
+          <a:prstGeom prst="rect">
+            <a:avLst/>
+          </a:prstGeom>
+          <a:noFill/>
+        </p:spPr>
+        <p:txBody>
+          <a:bodyPr wrap="square" rtlCol="0">
+            <a:spAutoFit/>
+          </a:bodyPr>
+          <a:lstStyle/>
+          <a:p>
+            <a:r>
+              <a:rPr lang="es-AR" sz="2200" dirty="0">
+                <a:solidFill>
+                  <a:schemeClr val="tx1">
+                    <a:lumMod val="65000"/>
+                    <a:lumOff val="35000"/>
+                  </a:schemeClr>
+                </a:solidFill>
+                <a:latin typeface="Bodoni MT" panose="02070603080606020203" pitchFamily="18" charset="0"/>
+              </a:rPr>
+              <a:t>Porque he aquí, </a:t>
+            </a:r>
+          </a:p>
+          <a:p>
+            <a:r>
+              <a:rPr lang="es-AR" sz="2200" dirty="0">
+                <a:solidFill>
+                  <a:schemeClr val="tx1">
+                    <a:lumMod val="65000"/>
+                    <a:lumOff val="35000"/>
+                  </a:schemeClr>
+                </a:solidFill>
+                <a:latin typeface="Bodoni MT" panose="02070603080606020203" pitchFamily="18" charset="0"/>
+              </a:rPr>
+              <a:t>esta </a:t>
+            </a:r>
+            <a:r>
+              <a:rPr lang="es-AR" sz="2200" b="1" i="1" dirty="0">
+                <a:solidFill>
+                  <a:srgbClr val="CD585C"/>
+                </a:solidFill>
+                <a:latin typeface="Bodoni MT" panose="02070603080606020203" pitchFamily="18" charset="0"/>
+              </a:rPr>
+              <a:t>VIDA</a:t>
+            </a:r>
+            <a:r>
+              <a:rPr lang="es-AR" sz="2200" dirty="0">
+                <a:solidFill>
+                  <a:schemeClr val="tx1">
+                    <a:lumMod val="65000"/>
+                    <a:lumOff val="35000"/>
+                  </a:schemeClr>
+                </a:solidFill>
+                <a:latin typeface="Bodoni MT" panose="02070603080606020203" pitchFamily="18" charset="0"/>
+              </a:rPr>
+              <a:t> es cuando </a:t>
+            </a:r>
+          </a:p>
+          <a:p>
+            <a:r>
+              <a:rPr lang="es-AR" sz="2200" dirty="0">
+                <a:solidFill>
+                  <a:schemeClr val="tx1">
+                    <a:lumMod val="65000"/>
+                    <a:lumOff val="35000"/>
+                  </a:schemeClr>
+                </a:solidFill>
+                <a:latin typeface="Bodoni MT" panose="02070603080606020203" pitchFamily="18" charset="0"/>
+              </a:rPr>
+              <a:t>el hombre debe </a:t>
+            </a:r>
+          </a:p>
+          <a:p>
+            <a:r>
+              <a:rPr lang="es-AR" sz="2200" b="1" i="1" dirty="0">
+                <a:solidFill>
+                  <a:srgbClr val="CD585C"/>
+                </a:solidFill>
+                <a:latin typeface="Bodoni MT" panose="02070603080606020203" pitchFamily="18" charset="0"/>
+              </a:rPr>
+              <a:t>PREPARARSE</a:t>
+            </a:r>
+            <a:r>
+              <a:rPr lang="es-AR" sz="2200" dirty="0">
+                <a:solidFill>
+                  <a:schemeClr val="tx1">
+                    <a:lumMod val="65000"/>
+                    <a:lumOff val="35000"/>
+                  </a:schemeClr>
+                </a:solidFill>
+                <a:latin typeface="Bodoni MT" panose="02070603080606020203" pitchFamily="18" charset="0"/>
+              </a:rPr>
+              <a:t> para comparecer ante Dios; sí, el día de esta vida es el día en que el hombre debe ejecutar su obra.</a:t>
+            </a:r>
+          </a:p>
+          <a:p>
+            <a:pPr algn="r"/>
+            <a:r>
+              <a:rPr lang="es-AR" sz="2200" i="1" dirty="0">
+                <a:solidFill>
+                  <a:schemeClr val="tx1">
+                    <a:lumMod val="65000"/>
+                    <a:lumOff val="35000"/>
+                  </a:schemeClr>
+                </a:solidFill>
+                <a:latin typeface="Bodoni MT" panose="02070603080606020203" pitchFamily="18" charset="0"/>
+              </a:rPr>
+              <a:t>Alma 34:32</a:t>
+            </a:r>
+          </a:p>
+        </p:txBody>
+      </p:sp>
+      <p:sp>
+        <p:nvSpPr>
+          <p:cNvPr id="10" name="CuadroTexto 9">
+            <a:extLst>
+              <a:ext uri="{FF2B5EF4-FFF2-40B4-BE49-F238E27FC236}">
+                <a16:creationId xmlns:a16="http://schemas.microsoft.com/office/drawing/2014/main" id="{74129D7A-F50C-4773-9245-44268D9A5D39}"/>
+              </a:ext>
+            </a:extLst>
+          </p:cNvPr>
+          <p:cNvSpPr txBox="1"/>
+          <p:nvPr/>
+        </p:nvSpPr>
+        <p:spPr>
+          <a:xfrm>
+            <a:off x="211042" y="1926500"/>
+            <a:ext cx="4780058" cy="400110"/>
+          </a:xfrm>
+          <a:prstGeom prst="rect">
+            <a:avLst/>
+          </a:prstGeom>
+          <a:noFill/>
+        </p:spPr>
+        <p:txBody>
+          <a:bodyPr wrap="square" rtlCol="0">
+            <a:spAutoFit/>
+          </a:bodyPr>
+          <a:lstStyle/>
+          <a:p>
+            <a:r>
+              <a:rPr lang="es-AR" sz="2000" dirty="0">
+                <a:solidFill>
+                  <a:schemeClr val="bg1">
+                    <a:lumMod val="50000"/>
+                  </a:schemeClr>
+                </a:solidFill>
+                <a:latin typeface="Bodoni MT" panose="02070603080606020203" pitchFamily="18" charset="0"/>
+              </a:rPr>
+              <a:t>Presidida por el Elder Costa de los Setenta</a:t>
+            </a:r>
+            <a:endParaRPr lang="es-AR" sz="2000" i="1" dirty="0">
+              <a:solidFill>
+                <a:schemeClr val="bg1">
+                  <a:lumMod val="50000"/>
+                </a:schemeClr>
+              </a:solidFill>
+              <a:latin typeface="Bodoni MT" panose="02070603080606020203" pitchFamily="18" charset="0"/>
+            </a:endParaRPr>
+          </a:p>
+        </p:txBody>
+      </p:sp>
+      <p:cxnSp>
+        <p:nvCxnSpPr>
+          <p:cNvPr id="12" name="Conector recto 11">
+            <a:extLst>
+              <a:ext uri="{FF2B5EF4-FFF2-40B4-BE49-F238E27FC236}">
+                <a16:creationId xmlns:a16="http://schemas.microsoft.com/office/drawing/2014/main" id="{85386F64-190A-4F12-A8D4-D64F633B250E}"/>
+              </a:ext>
+            </a:extLst>
+          </p:cNvPr>
+          <p:cNvCxnSpPr/>
+          <p:nvPr/>
+        </p:nvCxnSpPr>
+        <p:spPr>
+          <a:xfrm>
+            <a:off x="323850" y="1909162"/>
+            <a:ext cx="3609975" cy="0"/>
+          </a:xfrm>
+          <a:prstGeom prst="line">
+            <a:avLst/>
+          </a:prstGeom>
+          <a:ln w="12700">
+            <a:solidFill>
+              <a:schemeClr val="tx1"/>
+            </a:solidFill>
+          </a:ln>
+        </p:spPr>
+        <p:style>
+          <a:lnRef idx="1">
+            <a:schemeClr val="accent1"/>
+          </a:lnRef>
+          <a:fillRef idx="0">
+            <a:schemeClr val="accent1"/>
+          </a:fillRef>
+          <a:effectRef idx="0">
+            <a:schemeClr val="accent1"/>
+          </a:effectRef>
+          <a:fontRef idx="minor">
+            <a:schemeClr val="tx1"/>
+          </a:fontRef>
+        </p:style>
+      </p:cxnSp>
+      <p:sp>
+        <p:nvSpPr>
+          <p:cNvPr id="14" name="CuadroTexto 13">
+            <a:extLst>
+              <a:ext uri="{FF2B5EF4-FFF2-40B4-BE49-F238E27FC236}">
+                <a16:creationId xmlns:a16="http://schemas.microsoft.com/office/drawing/2014/main" id="{799B4D17-D876-45D1-A3BB-00108D9C6358}"/>
+              </a:ext>
+            </a:extLst>
+          </p:cNvPr>
+          <p:cNvSpPr txBox="1"/>
+          <p:nvPr/>
+        </p:nvSpPr>
+        <p:spPr>
+          <a:xfrm>
+            <a:off x="2418116" y="3010871"/>
+            <a:ext cx="4269069" cy="923330"/>
+          </a:xfrm>
+          <a:prstGeom prst="rect">
+            <a:avLst/>
+          </a:prstGeom>
+          <a:noFill/>
+        </p:spPr>
+        <p:txBody>
+          <a:bodyPr wrap="square" rtlCol="0">
+            <a:spAutoFit/>
+          </a:bodyPr>
+          <a:lstStyle/>
+          <a:p>
+            <a:r>
+              <a:rPr lang="es-AR" dirty="0">
+                <a:solidFill>
+                  <a:schemeClr val="bg1">
+                    <a:lumMod val="50000"/>
+                  </a:schemeClr>
+                </a:solidFill>
+                <a:latin typeface="Bodoni MT" panose="02070603080606020203" pitchFamily="18" charset="0"/>
+              </a:rPr>
+              <a:t>Reunión de Lideres del Sacerdocio – Asisten todos los poseedores del Sacerdocio menor y mayor. </a:t>
+            </a:r>
+          </a:p>
+        </p:txBody>
+      </p:sp>
+      <p:sp>
+        <p:nvSpPr>
+          <p:cNvPr id="15" name="CuadroTexto 14">
+            <a:extLst>
+              <a:ext uri="{FF2B5EF4-FFF2-40B4-BE49-F238E27FC236}">
+                <a16:creationId xmlns:a16="http://schemas.microsoft.com/office/drawing/2014/main" id="{2D607772-CD73-46EB-9AC6-B76504A02CB5}"/>
+              </a:ext>
+            </a:extLst>
+          </p:cNvPr>
+          <p:cNvSpPr txBox="1"/>
+          <p:nvPr/>
+        </p:nvSpPr>
+        <p:spPr>
+          <a:xfrm>
+            <a:off x="2447270" y="4130525"/>
+            <a:ext cx="4073114" cy="396000"/>
+          </a:xfrm>
+          <a:prstGeom prst="homePlate">
+            <a:avLst/>
+          </a:prstGeom>
+          <a:solidFill>
+            <a:schemeClr val="accent4">
+              <a:lumMod val="20000"/>
+              <a:lumOff val="80000"/>
+            </a:schemeClr>
+          </a:solidFill>
+        </p:spPr>
+        <p:txBody>
+          <a:bodyPr wrap="square" rtlCol="0">
+            <a:spAutoFit/>
+          </a:bodyPr>
+          <a:lstStyle/>
+          <a:p>
+            <a:r>
+              <a:rPr lang="es-AR" sz="2200" i="1" dirty="0">
+                <a:latin typeface="Bodoni MT" panose="02070603080606020203" pitchFamily="18" charset="0"/>
+              </a:rPr>
+              <a:t>Dia sábado 29 de abril, 19:00hs.</a:t>
+            </a:r>
+          </a:p>
+        </p:txBody>
+      </p:sp>
+      <p:sp>
+        <p:nvSpPr>
+          <p:cNvPr id="16" name="CuadroTexto 15">
+            <a:extLst>
+              <a:ext uri="{FF2B5EF4-FFF2-40B4-BE49-F238E27FC236}">
+                <a16:creationId xmlns:a16="http://schemas.microsoft.com/office/drawing/2014/main" id="{376EF6B6-8F7F-4905-9FD1-ADCC8B2D19A0}"/>
+              </a:ext>
+            </a:extLst>
+          </p:cNvPr>
+          <p:cNvSpPr txBox="1"/>
+          <p:nvPr/>
+        </p:nvSpPr>
+        <p:spPr>
+          <a:xfrm>
+            <a:off x="2447269" y="4465705"/>
+            <a:ext cx="4269069" cy="646331"/>
+          </a:xfrm>
+          <a:prstGeom prst="rect">
+            <a:avLst/>
+          </a:prstGeom>
+          <a:noFill/>
+        </p:spPr>
+        <p:txBody>
+          <a:bodyPr wrap="square" rtlCol="0">
+            <a:spAutoFit/>
+          </a:bodyPr>
+          <a:lstStyle/>
+          <a:p>
+            <a:r>
+              <a:rPr lang="es-AR" dirty="0">
+                <a:solidFill>
+                  <a:schemeClr val="bg1">
+                    <a:lumMod val="50000"/>
+                  </a:schemeClr>
+                </a:solidFill>
+                <a:latin typeface="Bodoni MT" panose="02070603080606020203" pitchFamily="18" charset="0"/>
+              </a:rPr>
+              <a:t>Reunión de Adultos – Asisten todos los miembros mayores de 18 años. </a:t>
+            </a:r>
+          </a:p>
+        </p:txBody>
+      </p:sp>
+      <p:sp>
+        <p:nvSpPr>
+          <p:cNvPr id="17" name="CuadroTexto 16">
+            <a:extLst>
+              <a:ext uri="{FF2B5EF4-FFF2-40B4-BE49-F238E27FC236}">
+                <a16:creationId xmlns:a16="http://schemas.microsoft.com/office/drawing/2014/main" id="{0BF4A100-9911-48F1-BB06-F83A87F830B5}"/>
+              </a:ext>
+            </a:extLst>
+          </p:cNvPr>
+          <p:cNvSpPr txBox="1"/>
+          <p:nvPr/>
+        </p:nvSpPr>
+        <p:spPr>
+          <a:xfrm>
+            <a:off x="2447271" y="5584910"/>
+            <a:ext cx="4137868" cy="396000"/>
+          </a:xfrm>
+          <a:prstGeom prst="homePlate">
+            <a:avLst/>
+          </a:prstGeom>
+          <a:solidFill>
+            <a:schemeClr val="accent4">
+              <a:lumMod val="20000"/>
+              <a:lumOff val="80000"/>
+            </a:schemeClr>
+          </a:solidFill>
+        </p:spPr>
+        <p:txBody>
+          <a:bodyPr wrap="square" rtlCol="0">
+            <a:spAutoFit/>
+          </a:bodyPr>
+          <a:lstStyle/>
+          <a:p>
+            <a:r>
+              <a:rPr lang="es-AR" sz="2200" i="1" dirty="0">
+                <a:latin typeface="Bodoni MT" panose="02070603080606020203" pitchFamily="18" charset="0"/>
+              </a:rPr>
+              <a:t>Dia domingo 30 de abril, 10:00hs.</a:t>
+            </a:r>
+          </a:p>
+        </p:txBody>
+      </p:sp>
+      <p:sp>
+        <p:nvSpPr>
+          <p:cNvPr id="18" name="CuadroTexto 17">
+            <a:extLst>
+              <a:ext uri="{FF2B5EF4-FFF2-40B4-BE49-F238E27FC236}">
+                <a16:creationId xmlns:a16="http://schemas.microsoft.com/office/drawing/2014/main" id="{1F5CAE05-070E-47A3-B31A-03942F646FBB}"/>
+              </a:ext>
+            </a:extLst>
+          </p:cNvPr>
+          <p:cNvSpPr txBox="1"/>
+          <p:nvPr/>
+        </p:nvSpPr>
+        <p:spPr>
+          <a:xfrm>
+            <a:off x="2447269" y="5910946"/>
+            <a:ext cx="4398031" cy="646331"/>
+          </a:xfrm>
+          <a:prstGeom prst="rect">
+            <a:avLst/>
+          </a:prstGeom>
+          <a:noFill/>
+        </p:spPr>
+        <p:txBody>
+          <a:bodyPr wrap="square" rtlCol="0">
+            <a:spAutoFit/>
+          </a:bodyPr>
+          <a:lstStyle/>
+          <a:p>
+            <a:r>
+              <a:rPr lang="es-AR" dirty="0">
+                <a:solidFill>
+                  <a:schemeClr val="bg1">
+                    <a:lumMod val="50000"/>
+                  </a:schemeClr>
+                </a:solidFill>
+                <a:latin typeface="Bodoni MT" panose="02070603080606020203" pitchFamily="18" charset="0"/>
+              </a:rPr>
+              <a:t>Reunión general</a:t>
+            </a:r>
+          </a:p>
+          <a:p>
+            <a:r>
+              <a:rPr lang="es-AR" dirty="0">
+                <a:solidFill>
+                  <a:schemeClr val="bg1">
+                    <a:lumMod val="50000"/>
+                  </a:schemeClr>
+                </a:solidFill>
+                <a:latin typeface="Bodoni MT" panose="02070603080606020203" pitchFamily="18" charset="0"/>
+              </a:rPr>
+              <a:t>Asisten todos los miembros</a:t>
+            </a:r>
+          </a:p>
+        </p:txBody>
+      </p:sp>
+      <p:sp>
+        <p:nvSpPr>
+          <p:cNvPr id="19" name="CuadroTexto 18">
+            <a:extLst>
+              <a:ext uri="{FF2B5EF4-FFF2-40B4-BE49-F238E27FC236}">
+                <a16:creationId xmlns:a16="http://schemas.microsoft.com/office/drawing/2014/main" id="{48306051-4ABA-4D29-BCF4-4929CF404E1B}"/>
+              </a:ext>
+            </a:extLst>
+          </p:cNvPr>
+          <p:cNvSpPr txBox="1"/>
+          <p:nvPr/>
+        </p:nvSpPr>
+        <p:spPr>
+          <a:xfrm>
+            <a:off x="364227" y="7159363"/>
+            <a:ext cx="1097489" cy="430887"/>
+          </a:xfrm>
+          <a:prstGeom prst="homePlate">
+            <a:avLst/>
+          </a:prstGeom>
+          <a:solidFill>
+            <a:schemeClr val="accent4">
+              <a:lumMod val="20000"/>
+              <a:lumOff val="80000"/>
+            </a:schemeClr>
+          </a:solidFill>
+        </p:spPr>
+        <p:txBody>
+          <a:bodyPr wrap="square" rtlCol="0">
+            <a:spAutoFit/>
+          </a:bodyPr>
+          <a:lstStyle/>
+          <a:p>
+            <a:r>
+              <a:rPr lang="es-AR" sz="2200" i="1" dirty="0">
+                <a:latin typeface="Bodoni MT" panose="02070603080606020203" pitchFamily="18" charset="0"/>
+              </a:rPr>
+              <a:t>Lugar</a:t>
+            </a:r>
+          </a:p>
+        </p:txBody>
+      </p:sp>
+      <p:sp>
+        <p:nvSpPr>
+          <p:cNvPr id="20" name="CuadroTexto 19">
+            <a:extLst>
+              <a:ext uri="{FF2B5EF4-FFF2-40B4-BE49-F238E27FC236}">
+                <a16:creationId xmlns:a16="http://schemas.microsoft.com/office/drawing/2014/main" id="{D086A393-8D29-458E-B262-4CFFC4D59304}"/>
+              </a:ext>
+            </a:extLst>
+          </p:cNvPr>
+          <p:cNvSpPr txBox="1"/>
+          <p:nvPr/>
+        </p:nvSpPr>
+        <p:spPr>
+          <a:xfrm>
+            <a:off x="364226" y="7505089"/>
+            <a:ext cx="3252100" cy="646331"/>
+          </a:xfrm>
+          <a:prstGeom prst="rect">
+            <a:avLst/>
+          </a:prstGeom>
+          <a:noFill/>
+        </p:spPr>
+        <p:txBody>
+          <a:bodyPr wrap="square" rtlCol="0">
+            <a:spAutoFit/>
+          </a:bodyPr>
+          <a:lstStyle/>
+          <a:p>
+            <a:r>
+              <a:rPr lang="es-AR" dirty="0">
+                <a:solidFill>
+                  <a:schemeClr val="bg1">
+                    <a:lumMod val="50000"/>
+                  </a:schemeClr>
+                </a:solidFill>
+                <a:latin typeface="Bodoni MT" panose="02070603080606020203" pitchFamily="18" charset="0"/>
+              </a:rPr>
+              <a:t>Centro de Estaca San Rafael, Maza 179.</a:t>
+            </a:r>
+          </a:p>
+        </p:txBody>
+      </p:sp>
+      <p:sp>
+        <p:nvSpPr>
+          <p:cNvPr id="13" name="CuadroTexto 12">
+            <a:extLst>
+              <a:ext uri="{FF2B5EF4-FFF2-40B4-BE49-F238E27FC236}">
+                <a16:creationId xmlns:a16="http://schemas.microsoft.com/office/drawing/2014/main" id="{A413DAE0-3449-4BA1-8037-B86BC5E4E418}"/>
+              </a:ext>
+            </a:extLst>
+          </p:cNvPr>
+          <p:cNvSpPr txBox="1"/>
+          <p:nvPr/>
+        </p:nvSpPr>
+        <p:spPr>
+          <a:xfrm>
+            <a:off x="2418118" y="2636210"/>
+            <a:ext cx="4073114" cy="396000"/>
+          </a:xfrm>
+          <a:prstGeom prst="homePlate">
+            <a:avLst/>
+          </a:prstGeom>
+          <a:solidFill>
+            <a:schemeClr val="accent4">
+              <a:lumMod val="20000"/>
+              <a:lumOff val="80000"/>
+            </a:schemeClr>
+          </a:solidFill>
+        </p:spPr>
+        <p:txBody>
+          <a:bodyPr wrap="square" rtlCol="0">
+            <a:spAutoFit/>
+          </a:bodyPr>
+          <a:lstStyle/>
+          <a:p>
+            <a:r>
+              <a:rPr lang="es-AR" sz="2200" i="1" dirty="0">
+                <a:latin typeface="Bodoni MT" panose="02070603080606020203" pitchFamily="18" charset="0"/>
+              </a:rPr>
+              <a:t>Dia sábado 29 de abril, 16:00hs.</a:t>
+            </a:r>
+          </a:p>
+        </p:txBody>
+      </p:sp>
+      <p:pic>
+        <p:nvPicPr>
+          <p:cNvPr id="21" name="Imagen 20">
+            <a:extLst>
+              <a:ext uri="{FF2B5EF4-FFF2-40B4-BE49-F238E27FC236}">
+                <a16:creationId xmlns:a16="http://schemas.microsoft.com/office/drawing/2014/main" id="{FACE3C36-5E4A-44BB-A289-27B5BEDE025B}"/>
+              </a:ext>
+            </a:extLst>
+          </p:cNvPr>
+          <p:cNvPicPr>
+            <a:picLocks noChangeAspect="1"/>
+          </p:cNvPicPr>
+          <p:nvPr/>
+        </p:nvPicPr>
+        <p:blipFill rotWithShape="1">
+          <a:blip r:embed="rId7">
+            <a:extLst>
+              <a:ext uri="{28A0092B-C50C-407E-A947-70E740481C1C}">
+                <a14:useLocalDpi xmlns:a14="http://schemas.microsoft.com/office/drawing/2010/main" val="0"/>
+              </a:ext>
+            </a:extLst>
+          </a:blip>
+          <a:srcRect t="7861"/>
+          <a:stretch/>
+        </p:blipFill>
+        <p:spPr>
+          <a:xfrm>
+            <a:off x="364225" y="5619277"/>
+            <a:ext cx="1940400" cy="1234740"/>
+          </a:xfrm>
+          <a:prstGeom prst="rect">
+            <a:avLst/>
+          </a:prstGeom>
+          <a:ln w="38100" cap="sq">
+            <a:solidFill>
+              <a:srgbClr val="000000"/>
+            </a:solidFill>
+            <a:prstDash val="solid"/>
+            <a:miter lim="800000"/>
+          </a:ln>
+          <a:effectLst>
+            <a:outerShdw blurRad="50800" dist="38100" dir="2700000" algn="tl" rotWithShape="0">
+              <a:srgbClr val="000000">
+                <a:alpha val="43000"/>
+              </a:srgbClr>
+            </a:outerShdw>
+          </a:effectLst>
+        </p:spPr>
+      </p:pic>
+      <p:pic>
+        <p:nvPicPr>
+          <p:cNvPr id="22" name="Imagen 21">
+            <a:extLst>
+              <a:ext uri="{FF2B5EF4-FFF2-40B4-BE49-F238E27FC236}">
+                <a16:creationId xmlns:a16="http://schemas.microsoft.com/office/drawing/2014/main" id="{7A5467A3-8C1F-4FFB-904D-291082B3F32F}"/>
+              </a:ext>
+            </a:extLst>
+          </p:cNvPr>
+          <p:cNvPicPr>
+            <a:picLocks noChangeAspect="1"/>
+          </p:cNvPicPr>
+          <p:nvPr/>
+        </p:nvPicPr>
+        <p:blipFill>
+          <a:blip r:embed="rId8">
+            <a:extLst>
+              <a:ext uri="{28A0092B-C50C-407E-A947-70E740481C1C}">
+                <a14:useLocalDpi xmlns:a14="http://schemas.microsoft.com/office/drawing/2010/main" val="0"/>
+              </a:ext>
+            </a:extLst>
+          </a:blip>
+          <a:stretch>
+            <a:fillRect/>
+          </a:stretch>
+        </p:blipFill>
+        <p:spPr>
+          <a:xfrm>
+            <a:off x="364226" y="4158634"/>
+            <a:ext cx="1940400" cy="1220584"/>
+          </a:xfrm>
+          <a:prstGeom prst="rect">
+            <a:avLst/>
+          </a:prstGeom>
+          <a:ln w="38100" cap="sq">
+            <a:solidFill>
+              <a:srgbClr val="000000"/>
+            </a:solidFill>
+            <a:prstDash val="solid"/>
+            <a:miter lim="800000"/>
+          </a:ln>
+          <a:effectLst>
+            <a:outerShdw blurRad="50800" dist="38100" dir="2700000" algn="tl" rotWithShape="0">
+              <a:srgbClr val="000000">
+                <a:alpha val="43000"/>
+              </a:srgbClr>
+            </a:outerShdw>
+          </a:effectLst>
+        </p:spPr>
+      </p:pic>
+      <p:pic>
+        <p:nvPicPr>
+          <p:cNvPr id="27" name="Imagen 26">
+            <a:extLst>
+              <a:ext uri="{FF2B5EF4-FFF2-40B4-BE49-F238E27FC236}">
+                <a16:creationId xmlns:a16="http://schemas.microsoft.com/office/drawing/2014/main" id="{E6979ED0-67E4-4804-B934-ED3309B69618}"/>
+              </a:ext>
+            </a:extLst>
+          </p:cNvPr>
+          <p:cNvPicPr>
+            <a:picLocks noChangeAspect="1"/>
+          </p:cNvPicPr>
+          <p:nvPr/>
+        </p:nvPicPr>
+        <p:blipFill rotWithShape="1">
+          <a:blip r:embed="rId9">
+            <a:extLst>
+              <a:ext uri="{28A0092B-C50C-407E-A947-70E740481C1C}">
+                <a14:useLocalDpi xmlns:a14="http://schemas.microsoft.com/office/drawing/2010/main" val="0"/>
+              </a:ext>
+            </a:extLst>
+          </a:blip>
+          <a:srcRect l="5504" r="4883"/>
+          <a:stretch/>
+        </p:blipFill>
+        <p:spPr>
+          <a:xfrm>
+            <a:off x="364226" y="2666553"/>
+            <a:ext cx="1940544" cy="1218081"/>
+          </a:xfrm>
+          <a:prstGeom prst="rect">
+            <a:avLst/>
+          </a:prstGeom>
+          <a:ln w="38100" cap="sq">
+            <a:solidFill>
+              <a:srgbClr val="000000"/>
+            </a:solidFill>
+            <a:prstDash val="solid"/>
+            <a:miter lim="800000"/>
+          </a:ln>
+          <a:effectLst>
+            <a:outerShdw blurRad="50800" dist="38100" dir="2700000" algn="tl" rotWithShape="0">
+              <a:srgbClr val="000000">
+                <a:alpha val="43000"/>
+              </a:srgbClr>
+            </a:outerShdw>
+          </a:effectLst>
+        </p:spPr>
+      </p:pic>
+    </p:spTree>
+    <p:extLst>
+      <p:ext uri="{BB962C8B-B14F-4D97-AF65-F5344CB8AC3E}">
+        <p14:creationId xmlns:p14="http://schemas.microsoft.com/office/powerpoint/2010/main" val="1682889877"/>
+      </p:ext>
+    </p:extLst>
+  </p:cSld>
+  <p:clrMapOvr>
+    <a:masterClrMapping/>
+  </p:clrMapOvr>
+</p:sld>
+</file>
+
+<file path=ppt/slides/slide3.xml><?xml version="1.0" encoding="utf-8"?>
+<p:sld xmlns:a="http://schemas.openxmlformats.org/drawingml/2006/main" xmlns:r="http://schemas.openxmlformats.org/officeDocument/2006/relationships" xmlns:p="http://schemas.openxmlformats.org/presentationml/2006/main">
+  <p:cSld>
+    <p:bg>
+      <p:bgPr>
+        <a:gradFill>
+          <a:gsLst>
+            <a:gs pos="17000">
+              <a:schemeClr val="bg1">
+                <a:lumMod val="95000"/>
+              </a:schemeClr>
+            </a:gs>
+            <a:gs pos="76000">
+              <a:srgbClr val="BADAD5"/>
+            </a:gs>
+            <a:gs pos="100000">
+              <a:srgbClr val="B7D9D4"/>
+            </a:gs>
+          </a:gsLst>
+          <a:lin ang="5400000" scaled="1"/>
+        </a:gradFill>
+        <a:effectLst/>
+      </p:bgPr>
+    </p:bg>
+    <p:spTree>
+      <p:nvGrpSpPr>
+        <p:cNvPr id="1" name=""/>
+        <p:cNvGrpSpPr/>
+        <p:nvPr/>
+      </p:nvGrpSpPr>
+      <p:grpSpPr>
+        <a:xfrm>
+          <a:off x="0" y="0"/>
+          <a:ext cx="0" cy="0"/>
+          <a:chOff x="0" y="0"/>
+          <a:chExt cx="0" cy="0"/>
+        </a:xfrm>
+      </p:grpSpPr>
+      <p:pic>
+        <p:nvPicPr>
+          <p:cNvPr id="4" name="Imagen 3">
+            <a:extLst>
+              <a:ext uri="{FF2B5EF4-FFF2-40B4-BE49-F238E27FC236}">
+                <a16:creationId xmlns:a16="http://schemas.microsoft.com/office/drawing/2014/main" id="{C4B19ACF-E85C-4CDC-B86E-FA71D7FD1D56}"/>
+              </a:ext>
+            </a:extLst>
+          </p:cNvPr>
+          <p:cNvPicPr>
+            <a:picLocks noChangeAspect="1"/>
+          </p:cNvPicPr>
+          <p:nvPr/>
+        </p:nvPicPr>
+        <p:blipFill rotWithShape="1">
+          <a:blip r:embed="rId2"/>
+          <a:srcRect l="17370" t="20464" r="1041" b="17489"/>
+          <a:stretch/>
+        </p:blipFill>
+        <p:spPr>
+          <a:xfrm>
+            <a:off x="12700" y="9245600"/>
+            <a:ext cx="6858000" cy="2933699"/>
+          </a:xfrm>
+          <a:prstGeom prst="rect">
+            <a:avLst/>
+          </a:prstGeom>
+          <a:effectLst/>
+        </p:spPr>
+      </p:pic>
+      <p:sp>
+        <p:nvSpPr>
+          <p:cNvPr id="7" name="CuadroTexto 6">
+            <a:extLst>
+              <a:ext uri="{FF2B5EF4-FFF2-40B4-BE49-F238E27FC236}">
+                <a16:creationId xmlns:a16="http://schemas.microsoft.com/office/drawing/2014/main" id="{C08ED238-AB6A-4435-8677-DE5B96116708}"/>
+              </a:ext>
+            </a:extLst>
+          </p:cNvPr>
+          <p:cNvSpPr txBox="1"/>
+          <p:nvPr/>
+        </p:nvSpPr>
+        <p:spPr>
+          <a:xfrm>
+            <a:off x="202359" y="181267"/>
+            <a:ext cx="3754554" cy="830997"/>
+          </a:xfrm>
+          <a:prstGeom prst="rect">
+            <a:avLst/>
+          </a:prstGeom>
+          <a:noFill/>
+        </p:spPr>
+        <p:txBody>
+          <a:bodyPr wrap="none" rtlCol="0">
+            <a:spAutoFit/>
+          </a:bodyPr>
+          <a:lstStyle/>
+          <a:p>
+            <a:r>
+              <a:rPr lang="es-AR" sz="4800" dirty="0">
+                <a:solidFill>
+                  <a:schemeClr val="tx1">
+                    <a:lumMod val="65000"/>
+                    <a:lumOff val="35000"/>
+                  </a:schemeClr>
+                </a:solidFill>
+                <a:latin typeface="Bahnschrift Condensed" panose="020B0502040204020203" pitchFamily="34" charset="0"/>
+              </a:rPr>
+              <a:t>Conferencia de la</a:t>
+            </a:r>
+          </a:p>
+        </p:txBody>
+      </p:sp>
+      <p:sp>
+        <p:nvSpPr>
+          <p:cNvPr id="8" name="CuadroTexto 7">
+            <a:extLst>
+              <a:ext uri="{FF2B5EF4-FFF2-40B4-BE49-F238E27FC236}">
+                <a16:creationId xmlns:a16="http://schemas.microsoft.com/office/drawing/2014/main" id="{A1E4FE21-0F62-41F3-84A3-552415F2EF37}"/>
+              </a:ext>
+            </a:extLst>
+          </p:cNvPr>
+          <p:cNvSpPr txBox="1"/>
+          <p:nvPr/>
+        </p:nvSpPr>
+        <p:spPr>
+          <a:xfrm>
+            <a:off x="202359" y="782632"/>
+            <a:ext cx="5283819" cy="1015663"/>
+          </a:xfrm>
+          <a:prstGeom prst="rect">
+            <a:avLst/>
+          </a:prstGeom>
+          <a:noFill/>
+        </p:spPr>
+        <p:txBody>
+          <a:bodyPr wrap="none" rtlCol="0">
+            <a:spAutoFit/>
+          </a:bodyPr>
+          <a:lstStyle/>
+          <a:p>
+            <a:r>
+              <a:rPr lang="es-AR" sz="6000" dirty="0">
+                <a:solidFill>
+                  <a:schemeClr val="accent2">
+                    <a:lumMod val="75000"/>
+                  </a:schemeClr>
+                </a:solidFill>
+                <a:latin typeface="Bahnschrift Condensed" panose="020B0502040204020203" pitchFamily="34" charset="0"/>
+              </a:rPr>
+              <a:t>ESTACA SAN RAFAEL</a:t>
+            </a:r>
+          </a:p>
+        </p:txBody>
+      </p:sp>
+      <p:sp>
+        <p:nvSpPr>
+          <p:cNvPr id="10" name="CuadroTexto 9">
+            <a:extLst>
+              <a:ext uri="{FF2B5EF4-FFF2-40B4-BE49-F238E27FC236}">
+                <a16:creationId xmlns:a16="http://schemas.microsoft.com/office/drawing/2014/main" id="{74129D7A-F50C-4773-9245-44268D9A5D39}"/>
+              </a:ext>
+            </a:extLst>
+          </p:cNvPr>
+          <p:cNvSpPr txBox="1"/>
+          <p:nvPr/>
+        </p:nvSpPr>
+        <p:spPr>
+          <a:xfrm>
+            <a:off x="211042" y="1761400"/>
+            <a:ext cx="4780058" cy="400110"/>
+          </a:xfrm>
+          <a:prstGeom prst="rect">
+            <a:avLst/>
+          </a:prstGeom>
+          <a:noFill/>
+        </p:spPr>
+        <p:txBody>
+          <a:bodyPr wrap="square" rtlCol="0">
+            <a:spAutoFit/>
+          </a:bodyPr>
+          <a:lstStyle/>
+          <a:p>
+            <a:r>
+              <a:rPr lang="es-AR" sz="2000" dirty="0">
+                <a:solidFill>
+                  <a:schemeClr val="bg1">
+                    <a:lumMod val="50000"/>
+                  </a:schemeClr>
+                </a:solidFill>
+                <a:latin typeface="Bodoni MT" panose="02070603080606020203" pitchFamily="18" charset="0"/>
+              </a:rPr>
+              <a:t>Presidida por el Elder Costa de los Setenta</a:t>
+            </a:r>
+            <a:endParaRPr lang="es-AR" sz="2000" i="1" dirty="0">
+              <a:solidFill>
+                <a:schemeClr val="bg1">
+                  <a:lumMod val="50000"/>
+                </a:schemeClr>
+              </a:solidFill>
+              <a:latin typeface="Bodoni MT" panose="02070603080606020203" pitchFamily="18" charset="0"/>
+            </a:endParaRPr>
+          </a:p>
+        </p:txBody>
+      </p:sp>
+      <p:cxnSp>
+        <p:nvCxnSpPr>
+          <p:cNvPr id="12" name="Conector recto 11">
+            <a:extLst>
+              <a:ext uri="{FF2B5EF4-FFF2-40B4-BE49-F238E27FC236}">
+                <a16:creationId xmlns:a16="http://schemas.microsoft.com/office/drawing/2014/main" id="{85386F64-190A-4F12-A8D4-D64F633B250E}"/>
+              </a:ext>
+            </a:extLst>
+          </p:cNvPr>
+          <p:cNvCxnSpPr/>
+          <p:nvPr/>
+        </p:nvCxnSpPr>
+        <p:spPr>
+          <a:xfrm>
+            <a:off x="323850" y="1744062"/>
+            <a:ext cx="3609975" cy="0"/>
+          </a:xfrm>
+          <a:prstGeom prst="line">
+            <a:avLst/>
+          </a:prstGeom>
+          <a:ln w="12700">
+            <a:solidFill>
+              <a:schemeClr val="tx1"/>
+            </a:solidFill>
+          </a:ln>
+        </p:spPr>
+        <p:style>
+          <a:lnRef idx="1">
+            <a:schemeClr val="accent1"/>
+          </a:lnRef>
+          <a:fillRef idx="0">
+            <a:schemeClr val="accent1"/>
+          </a:fillRef>
+          <a:effectRef idx="0">
+            <a:schemeClr val="accent1"/>
+          </a:effectRef>
+          <a:fontRef idx="minor">
+            <a:schemeClr val="tx1"/>
+          </a:fontRef>
+        </p:style>
+      </p:cxnSp>
+      <p:pic>
+        <p:nvPicPr>
+          <p:cNvPr id="23" name="Imagen 22">
+            <a:extLst>
+              <a:ext uri="{FF2B5EF4-FFF2-40B4-BE49-F238E27FC236}">
+                <a16:creationId xmlns:a16="http://schemas.microsoft.com/office/drawing/2014/main" id="{D77BA8DD-0B36-49CB-B405-3378F868351D}"/>
+              </a:ext>
+            </a:extLst>
+          </p:cNvPr>
+          <p:cNvPicPr>
+            <a:picLocks noChangeAspect="1"/>
+          </p:cNvPicPr>
+          <p:nvPr/>
+        </p:nvPicPr>
+        <p:blipFill>
+          <a:blip r:embed="rId3">
+            <a:extLst>
+              <a:ext uri="{28A0092B-C50C-407E-A947-70E740481C1C}">
+                <a14:useLocalDpi xmlns:a14="http://schemas.microsoft.com/office/drawing/2010/main" val="0"/>
+              </a:ext>
+            </a:extLst>
+          </a:blip>
+          <a:stretch>
+            <a:fillRect/>
+          </a:stretch>
+        </p:blipFill>
+        <p:spPr>
+          <a:xfrm rot="21274726">
+            <a:off x="3591814" y="2472608"/>
+            <a:ext cx="2811961" cy="1942011"/>
+          </a:xfrm>
+          <a:prstGeom prst="rect">
+            <a:avLst/>
+          </a:prstGeom>
+          <a:solidFill>
+            <a:srgbClr val="FFFFFF">
+              <a:shade val="85000"/>
+            </a:srgbClr>
+          </a:solidFill>
+          <a:ln w="88900" cap="sq">
+            <a:solidFill>
+              <a:srgbClr val="FFFFFF"/>
+            </a:solidFill>
+            <a:miter lim="800000"/>
+          </a:ln>
+          <a:effectLst>
+            <a:outerShdw blurRad="55000" dist="18000" dir="5400000" algn="tl" rotWithShape="0">
+              <a:srgbClr val="000000">
+                <a:alpha val="40000"/>
+              </a:srgbClr>
+            </a:outerShdw>
+          </a:effectLst>
+          <a:scene3d>
+            <a:camera prst="orthographicFront"/>
+            <a:lightRig rig="twoPt" dir="t">
+              <a:rot lat="0" lon="0" rev="7200000"/>
+            </a:lightRig>
+          </a:scene3d>
+          <a:sp3d>
+            <a:bevelT w="25400" h="19050"/>
+            <a:contourClr>
+              <a:srgbClr val="FFFFFF"/>
+            </a:contourClr>
+          </a:sp3d>
+        </p:spPr>
+      </p:pic>
+      <p:pic>
+        <p:nvPicPr>
+          <p:cNvPr id="6" name="Imagen 5">
+            <a:extLst>
+              <a:ext uri="{FF2B5EF4-FFF2-40B4-BE49-F238E27FC236}">
+                <a16:creationId xmlns:a16="http://schemas.microsoft.com/office/drawing/2014/main" id="{63208974-033A-4E4C-9ADD-FDACF2E0417E}"/>
+              </a:ext>
+            </a:extLst>
+          </p:cNvPr>
+          <p:cNvPicPr>
+            <a:picLocks noChangeAspect="1"/>
+          </p:cNvPicPr>
+          <p:nvPr/>
+        </p:nvPicPr>
+        <p:blipFill rotWithShape="1">
+          <a:blip r:embed="rId4">
+            <a:duotone>
+              <a:prstClr val="black"/>
+              <a:schemeClr val="accent6">
+                <a:tint val="45000"/>
+                <a:satMod val="400000"/>
+              </a:schemeClr>
+            </a:duotone>
+            <a:extLst>
+              <a:ext uri="{BEBA8EAE-BF5A-486C-A8C5-ECC9F3942E4B}">
+                <a14:imgProps xmlns:a14="http://schemas.microsoft.com/office/drawing/2010/main">
+                  <a14:imgLayer r:embed="rId5">
+                    <a14:imgEffect>
+                      <a14:backgroundRemoval t="26481" b="65278" l="71354" r="93750">
+                        <a14:foregroundMark x1="78594" y1="28426" x2="80625" y2="28704"/>
+                        <a14:foregroundMark x1="80625" y1="28704" x2="82396" y2="28519"/>
+                        <a14:foregroundMark x1="82396" y1="28519" x2="82396" y2="28426"/>
+                        <a14:foregroundMark x1="79844" y1="26481" x2="80313" y2="26481"/>
+                      </a14:backgroundRemoval>
+                    </a14:imgEffect>
+                    <a14:imgEffect>
+                      <a14:saturation sat="400000"/>
+                    </a14:imgEffect>
+                    <a14:imgEffect>
+                      <a14:brightnessContrast contrast="-40000"/>
+                    </a14:imgEffect>
+                  </a14:imgLayer>
+                </a14:imgProps>
+              </a:ext>
+            </a:extLst>
+          </a:blip>
+          <a:srcRect l="73382" t="25681" r="17744" b="61759"/>
+          <a:stretch/>
+        </p:blipFill>
+        <p:spPr>
+          <a:xfrm>
+            <a:off x="4239752" y="5785456"/>
+            <a:ext cx="2616200" cy="2082801"/>
+          </a:xfrm>
+          <a:prstGeom prst="rect">
+            <a:avLst/>
+          </a:prstGeom>
+        </p:spPr>
+      </p:pic>
+      <p:pic>
+        <p:nvPicPr>
+          <p:cNvPr id="5" name="Imagen 4">
+            <a:extLst>
+              <a:ext uri="{FF2B5EF4-FFF2-40B4-BE49-F238E27FC236}">
+                <a16:creationId xmlns:a16="http://schemas.microsoft.com/office/drawing/2014/main" id="{A53F5AB6-1EC1-41FC-8597-E23B4395256A}"/>
+              </a:ext>
+            </a:extLst>
+          </p:cNvPr>
+          <p:cNvPicPr>
+            <a:picLocks noChangeAspect="1"/>
+          </p:cNvPicPr>
+          <p:nvPr/>
+        </p:nvPicPr>
+        <p:blipFill rotWithShape="1">
+          <a:blip r:embed="rId6">
+            <a:extLst>
+              <a:ext uri="{BEBA8EAE-BF5A-486C-A8C5-ECC9F3942E4B}">
+                <a14:imgProps xmlns:a14="http://schemas.microsoft.com/office/drawing/2010/main">
+                  <a14:imgLayer r:embed="rId7">
+                    <a14:imgEffect>
+                      <a14:backgroundRemoval t="19537" b="73056" l="33229" r="72708">
+                        <a14:foregroundMark x1="35885" y1="33981" x2="44583" y2="28519"/>
+                        <a14:foregroundMark x1="44583" y1="28519" x2="57292" y2="26296"/>
+                        <a14:foregroundMark x1="57292" y1="26296" x2="66771" y2="31111"/>
+                        <a14:foregroundMark x1="66771" y1="31111" x2="68385" y2="34444"/>
+                        <a14:foregroundMark x1="52214" y1="20149" x2="53177" y2="20185"/>
+                        <a14:foregroundMark x1="45913" y1="19913" x2="47583" y2="19975"/>
+                        <a14:foregroundMark x1="53177" y1="20185" x2="66354" y2="19537"/>
+                        <a14:foregroundMark x1="66354" y1="19537" x2="66354" y2="19537"/>
+                        <a14:backgroundMark x1="48438" y1="54907" x2="39948" y2="62870"/>
+                        <a14:backgroundMark x1="54688" y1="59537" x2="67760" y2="61759"/>
+                        <a14:backgroundMark x1="67760" y1="61759" x2="69844" y2="61574"/>
+                        <a14:backgroundMark x1="39948" y1="51574" x2="48021" y2="53704"/>
+                        <a14:backgroundMark x1="40052" y1="51296" x2="50208" y2="48426"/>
+                        <a14:backgroundMark x1="50208" y1="48426" x2="53281" y2="48519"/>
+                        <a14:backgroundMark x1="53281" y1="48519" x2="55885" y2="50741"/>
+                        <a14:backgroundMark x1="55885" y1="50741" x2="56510" y2="56574"/>
+                        <a14:backgroundMark x1="40208" y1="18241" x2="46094" y2="19444"/>
+                        <a14:backgroundMark x1="46094" y1="19444" x2="48854" y2="18611"/>
+                        <a14:backgroundMark x1="48854" y1="18611" x2="51719" y2="20093"/>
+                        <a14:backgroundMark x1="51719" y1="20093" x2="52292" y2="19907"/>
+                        <a14:backgroundMark x1="40938" y1="18333" x2="42031" y2="19630"/>
+                        <a14:backgroundMark x1="44688" y1="19352" x2="44896" y2="21481"/>
+                        <a14:backgroundMark x1="47708" y1="19907" x2="47969" y2="21389"/>
+                      </a14:backgroundRemoval>
+                    </a14:imgEffect>
+                  </a14:imgLayer>
+                </a14:imgProps>
+              </a:ext>
+            </a:extLst>
+          </a:blip>
+          <a:srcRect l="28259" t="17408" r="47547" b="29531"/>
+          <a:stretch/>
+        </p:blipFill>
+        <p:spPr>
+          <a:xfrm>
+            <a:off x="2698955" y="6794500"/>
+            <a:ext cx="4159045" cy="5130800"/>
+          </a:xfrm>
+          <a:prstGeom prst="rect">
+            <a:avLst/>
+          </a:prstGeom>
+          <a:effectLst/>
+        </p:spPr>
+      </p:pic>
+      <p:pic>
+        <p:nvPicPr>
+          <p:cNvPr id="22" name="Imagen 21">
+            <a:extLst>
+              <a:ext uri="{FF2B5EF4-FFF2-40B4-BE49-F238E27FC236}">
+                <a16:creationId xmlns:a16="http://schemas.microsoft.com/office/drawing/2014/main" id="{C0CF7E0D-D03F-4DD4-B3A7-9276A9EB459C}"/>
+              </a:ext>
+            </a:extLst>
+          </p:cNvPr>
+          <p:cNvPicPr>
+            <a:picLocks noChangeAspect="1"/>
+          </p:cNvPicPr>
+          <p:nvPr/>
+        </p:nvPicPr>
+        <p:blipFill>
+          <a:blip r:embed="rId8">
+            <a:extLst>
+              <a:ext uri="{28A0092B-C50C-407E-A947-70E740481C1C}">
+                <a14:useLocalDpi xmlns:a14="http://schemas.microsoft.com/office/drawing/2010/main" val="0"/>
+              </a:ext>
+            </a:extLst>
+          </a:blip>
+          <a:stretch>
+            <a:fillRect/>
+          </a:stretch>
+        </p:blipFill>
+        <p:spPr>
+          <a:xfrm rot="355944">
+            <a:off x="461343" y="2657948"/>
+            <a:ext cx="2861495" cy="1780486"/>
+          </a:xfrm>
+          <a:prstGeom prst="rect">
+            <a:avLst/>
+          </a:prstGeom>
+          <a:solidFill>
+            <a:srgbClr val="FFFFFF">
+              <a:shade val="85000"/>
+            </a:srgbClr>
+          </a:solidFill>
+          <a:ln w="88900" cap="sq">
+            <a:solidFill>
+              <a:srgbClr val="FFFFFF"/>
+            </a:solidFill>
+            <a:miter lim="800000"/>
+          </a:ln>
+          <a:effectLst>
+            <a:outerShdw blurRad="55000" dist="18000" dir="5400000" algn="tl" rotWithShape="0">
+              <a:srgbClr val="000000">
+                <a:alpha val="40000"/>
+              </a:srgbClr>
+            </a:outerShdw>
+          </a:effectLst>
+          <a:scene3d>
+            <a:camera prst="orthographicFront"/>
+            <a:lightRig rig="twoPt" dir="t">
+              <a:rot lat="0" lon="0" rev="7200000"/>
+            </a:lightRig>
+          </a:scene3d>
+          <a:sp3d>
+            <a:bevelT w="25400" h="19050"/>
+            <a:contourClr>
+              <a:srgbClr val="FFFFFF"/>
+            </a:contourClr>
+          </a:sp3d>
+        </p:spPr>
+      </p:pic>
+      <p:sp>
+        <p:nvSpPr>
+          <p:cNvPr id="13" name="CuadroTexto 12">
+            <a:extLst>
+              <a:ext uri="{FF2B5EF4-FFF2-40B4-BE49-F238E27FC236}">
+                <a16:creationId xmlns:a16="http://schemas.microsoft.com/office/drawing/2014/main" id="{A413DAE0-3449-4BA1-8037-B86BC5E4E418}"/>
+              </a:ext>
+            </a:extLst>
+          </p:cNvPr>
+          <p:cNvSpPr txBox="1"/>
+          <p:nvPr/>
+        </p:nvSpPr>
+        <p:spPr>
+          <a:xfrm>
+            <a:off x="260785" y="8093692"/>
+            <a:ext cx="6234830" cy="1538883"/>
+          </a:xfrm>
+          <a:prstGeom prst="homePlate">
+            <a:avLst>
+              <a:gd name="adj" fmla="val 30804"/>
+            </a:avLst>
+          </a:prstGeom>
+          <a:solidFill>
+            <a:schemeClr val="accent6">
+              <a:lumMod val="20000"/>
+              <a:lumOff val="80000"/>
+              <a:alpha val="80000"/>
+            </a:schemeClr>
+          </a:solidFill>
+        </p:spPr>
+        <p:txBody>
+          <a:bodyPr wrap="square" rtlCol="0">
+            <a:spAutoFit/>
+          </a:bodyPr>
+          <a:lstStyle/>
+          <a:p>
+            <a:r>
+              <a:rPr lang="es-AR" sz="2200" i="1" dirty="0">
+                <a:latin typeface="Bodoni MT" panose="02070603080606020203" pitchFamily="18" charset="0"/>
+              </a:rPr>
+              <a:t>Dia sábado 29 de abril.</a:t>
+            </a:r>
+          </a:p>
+          <a:p>
+            <a:r>
+              <a:rPr lang="es-AR" dirty="0">
+                <a:latin typeface="Bodoni MT" panose="02070603080606020203" pitchFamily="18" charset="0"/>
+              </a:rPr>
+              <a:t>16:00 hs Reunión de Lideres del Sacerdocio – Asisten todos los poseedores del Sacerdocio menor y mayor. </a:t>
+            </a:r>
+          </a:p>
+          <a:p>
+            <a:r>
+              <a:rPr lang="es-AR" dirty="0">
+                <a:latin typeface="Bodoni MT" panose="02070603080606020203" pitchFamily="18" charset="0"/>
+              </a:rPr>
+              <a:t>19:30 hs Reunión de Adultos – Asisten todos los miembros mayores de 18 años. </a:t>
+            </a:r>
+          </a:p>
+        </p:txBody>
+      </p:sp>
+      <p:pic>
+        <p:nvPicPr>
+          <p:cNvPr id="21" name="Imagen 20">
+            <a:extLst>
+              <a:ext uri="{FF2B5EF4-FFF2-40B4-BE49-F238E27FC236}">
+                <a16:creationId xmlns:a16="http://schemas.microsoft.com/office/drawing/2014/main" id="{4BD72774-6B2B-42D3-81F9-981A57ADDC30}"/>
+              </a:ext>
+            </a:extLst>
+          </p:cNvPr>
+          <p:cNvPicPr>
+            <a:picLocks noChangeAspect="1"/>
+          </p:cNvPicPr>
+          <p:nvPr/>
+        </p:nvPicPr>
+        <p:blipFill>
+          <a:blip r:embed="rId9">
+            <a:extLst>
+              <a:ext uri="{28A0092B-C50C-407E-A947-70E740481C1C}">
+                <a14:useLocalDpi xmlns:a14="http://schemas.microsoft.com/office/drawing/2010/main" val="0"/>
+              </a:ext>
+            </a:extLst>
+          </a:blip>
+          <a:stretch>
+            <a:fillRect/>
+          </a:stretch>
+        </p:blipFill>
+        <p:spPr>
+          <a:xfrm rot="398576">
+            <a:off x="4004280" y="4375466"/>
+            <a:ext cx="2400581" cy="1600387"/>
+          </a:xfrm>
+          <a:prstGeom prst="rect">
+            <a:avLst/>
+          </a:prstGeom>
+          <a:solidFill>
+            <a:srgbClr val="FFFFFF">
+              <a:shade val="85000"/>
+            </a:srgbClr>
+          </a:solidFill>
+          <a:ln w="88900" cap="sq">
+            <a:solidFill>
+              <a:srgbClr val="FFFFFF"/>
+            </a:solidFill>
+            <a:miter lim="800000"/>
+          </a:ln>
+          <a:effectLst>
+            <a:outerShdw blurRad="55000" dist="18000" dir="5400000" algn="tl" rotWithShape="0">
+              <a:srgbClr val="000000">
+                <a:alpha val="40000"/>
+              </a:srgbClr>
+            </a:outerShdw>
+          </a:effectLst>
+          <a:scene3d>
+            <a:camera prst="orthographicFront"/>
+            <a:lightRig rig="twoPt" dir="t">
+              <a:rot lat="0" lon="0" rev="7200000"/>
+            </a:lightRig>
+          </a:scene3d>
+          <a:sp3d>
+            <a:bevelT w="25400" h="19050"/>
+            <a:contourClr>
+              <a:srgbClr val="FFFFFF"/>
+            </a:contourClr>
+          </a:sp3d>
+        </p:spPr>
+      </p:pic>
+      <p:sp>
+        <p:nvSpPr>
+          <p:cNvPr id="25" name="CuadroTexto 24">
+            <a:extLst>
+              <a:ext uri="{FF2B5EF4-FFF2-40B4-BE49-F238E27FC236}">
+                <a16:creationId xmlns:a16="http://schemas.microsoft.com/office/drawing/2014/main" id="{AC62AD33-D936-418F-AC83-5C4A4AD3C8F0}"/>
+              </a:ext>
+            </a:extLst>
+          </p:cNvPr>
+          <p:cNvSpPr txBox="1"/>
+          <p:nvPr/>
+        </p:nvSpPr>
+        <p:spPr>
+          <a:xfrm>
+            <a:off x="298883" y="4784741"/>
+            <a:ext cx="3374412" cy="2554545"/>
+          </a:xfrm>
+          <a:prstGeom prst="rect">
+            <a:avLst/>
+          </a:prstGeom>
+          <a:noFill/>
+        </p:spPr>
+        <p:txBody>
+          <a:bodyPr wrap="square" rtlCol="0">
+            <a:spAutoFit/>
+          </a:bodyPr>
+          <a:lstStyle/>
+          <a:p>
+            <a:r>
+              <a:rPr lang="es-AR" sz="2000" dirty="0">
+                <a:solidFill>
+                  <a:schemeClr val="tx1">
+                    <a:lumMod val="65000"/>
+                    <a:lumOff val="35000"/>
+                  </a:schemeClr>
+                </a:solidFill>
+                <a:latin typeface="Garamond" panose="02020404030301010803" pitchFamily="18" charset="0"/>
+              </a:rPr>
+              <a:t>Porque he aquí, </a:t>
+            </a:r>
+          </a:p>
+          <a:p>
+            <a:r>
+              <a:rPr lang="es-AR" sz="2000" dirty="0">
+                <a:solidFill>
+                  <a:schemeClr val="tx1">
+                    <a:lumMod val="65000"/>
+                    <a:lumOff val="35000"/>
+                  </a:schemeClr>
+                </a:solidFill>
+                <a:latin typeface="Garamond" panose="02020404030301010803" pitchFamily="18" charset="0"/>
+              </a:rPr>
+              <a:t>esta </a:t>
+            </a:r>
+            <a:r>
+              <a:rPr lang="es-AR" sz="2000" b="1" i="1" dirty="0">
+                <a:solidFill>
+                  <a:schemeClr val="accent2">
+                    <a:lumMod val="75000"/>
+                  </a:schemeClr>
+                </a:solidFill>
+                <a:latin typeface="Garamond" panose="02020404030301010803" pitchFamily="18" charset="0"/>
+              </a:rPr>
+              <a:t>VIDA</a:t>
+            </a:r>
+            <a:r>
+              <a:rPr lang="es-AR" sz="2000" dirty="0">
+                <a:solidFill>
+                  <a:schemeClr val="tx1">
+                    <a:lumMod val="65000"/>
+                    <a:lumOff val="35000"/>
+                  </a:schemeClr>
+                </a:solidFill>
+                <a:latin typeface="Garamond" panose="02020404030301010803" pitchFamily="18" charset="0"/>
+              </a:rPr>
+              <a:t> es cuando </a:t>
+            </a:r>
+          </a:p>
+          <a:p>
+            <a:r>
+              <a:rPr lang="es-AR" sz="2000" dirty="0">
+                <a:solidFill>
+                  <a:schemeClr val="tx1">
+                    <a:lumMod val="65000"/>
+                    <a:lumOff val="35000"/>
+                  </a:schemeClr>
+                </a:solidFill>
+                <a:latin typeface="Garamond" panose="02020404030301010803" pitchFamily="18" charset="0"/>
+              </a:rPr>
+              <a:t>el hombre debe </a:t>
+            </a:r>
+          </a:p>
+          <a:p>
+            <a:r>
+              <a:rPr lang="es-AR" sz="2000" b="1" i="1" dirty="0">
+                <a:solidFill>
+                  <a:schemeClr val="accent2">
+                    <a:lumMod val="75000"/>
+                  </a:schemeClr>
+                </a:solidFill>
+                <a:latin typeface="Garamond" panose="02020404030301010803" pitchFamily="18" charset="0"/>
+              </a:rPr>
+              <a:t>PREPARARSE</a:t>
+            </a:r>
+            <a:r>
+              <a:rPr lang="es-AR" sz="2000" dirty="0">
+                <a:solidFill>
+                  <a:schemeClr val="tx1">
+                    <a:lumMod val="65000"/>
+                    <a:lumOff val="35000"/>
+                  </a:schemeClr>
+                </a:solidFill>
+                <a:latin typeface="Garamond" panose="02020404030301010803" pitchFamily="18" charset="0"/>
+              </a:rPr>
+              <a:t> para comparecer ante Dios; sí, el día de esta vida es el día en que el hombre debe ejecutar su obra.</a:t>
+            </a:r>
+          </a:p>
+          <a:p>
+            <a:pPr algn="ctr"/>
+            <a:r>
+              <a:rPr lang="es-AR" i="1" dirty="0">
+                <a:solidFill>
+                  <a:schemeClr val="tx1">
+                    <a:lumMod val="65000"/>
+                    <a:lumOff val="35000"/>
+                  </a:schemeClr>
+                </a:solidFill>
+                <a:latin typeface="Garamond" panose="02020404030301010803" pitchFamily="18" charset="0"/>
+              </a:rPr>
+              <a:t>Alma 34:32</a:t>
+            </a:r>
+          </a:p>
+        </p:txBody>
+      </p:sp>
+      <p:pic>
+        <p:nvPicPr>
+          <p:cNvPr id="24" name="Imagen 23">
+            <a:extLst>
+              <a:ext uri="{FF2B5EF4-FFF2-40B4-BE49-F238E27FC236}">
+                <a16:creationId xmlns:a16="http://schemas.microsoft.com/office/drawing/2014/main" id="{1DA77CA1-B83E-4A5B-AD70-A3D64AC174A5}"/>
+              </a:ext>
+            </a:extLst>
+          </p:cNvPr>
+          <p:cNvPicPr>
+            <a:picLocks noChangeAspect="1"/>
+          </p:cNvPicPr>
+          <p:nvPr/>
+        </p:nvPicPr>
+        <p:blipFill rotWithShape="1">
+          <a:blip r:embed="rId10">
+            <a:extLst>
+              <a:ext uri="{28A0092B-C50C-407E-A947-70E740481C1C}">
+                <a14:useLocalDpi xmlns:a14="http://schemas.microsoft.com/office/drawing/2010/main" val="0"/>
+              </a:ext>
+            </a:extLst>
+          </a:blip>
+          <a:srcRect t="7344" r="26197" b="5816"/>
+          <a:stretch/>
+        </p:blipFill>
+        <p:spPr>
+          <a:xfrm rot="21238394">
+            <a:off x="3887912" y="6027175"/>
+            <a:ext cx="2606062" cy="1751550"/>
+          </a:xfrm>
+          <a:prstGeom prst="rect">
+            <a:avLst/>
+          </a:prstGeom>
+          <a:solidFill>
+            <a:srgbClr val="FFFFFF">
+              <a:shade val="85000"/>
+            </a:srgbClr>
+          </a:solidFill>
+          <a:ln w="88900" cap="sq">
+            <a:solidFill>
+              <a:srgbClr val="FFFFFF"/>
+            </a:solidFill>
+            <a:miter lim="800000"/>
+          </a:ln>
+          <a:effectLst>
+            <a:outerShdw blurRad="55000" dist="18000" dir="5400000" algn="tl" rotWithShape="0">
+              <a:srgbClr val="000000">
+                <a:alpha val="40000"/>
+              </a:srgbClr>
+            </a:outerShdw>
+          </a:effectLst>
+          <a:scene3d>
+            <a:camera prst="orthographicFront"/>
+            <a:lightRig rig="twoPt" dir="t">
+              <a:rot lat="0" lon="0" rev="7200000"/>
+            </a:lightRig>
+          </a:scene3d>
+          <a:sp3d>
+            <a:bevelT w="25400" h="19050"/>
+            <a:contourClr>
+              <a:srgbClr val="FFFFFF"/>
+            </a:contourClr>
+          </a:sp3d>
+        </p:spPr>
+      </p:pic>
+      <p:sp>
+        <p:nvSpPr>
+          <p:cNvPr id="27" name="CuadroTexto 26">
+            <a:extLst>
+              <a:ext uri="{FF2B5EF4-FFF2-40B4-BE49-F238E27FC236}">
+                <a16:creationId xmlns:a16="http://schemas.microsoft.com/office/drawing/2014/main" id="{7D7CC18D-5C60-45E6-ACED-634897753EAE}"/>
+              </a:ext>
+            </a:extLst>
+          </p:cNvPr>
+          <p:cNvSpPr txBox="1"/>
+          <p:nvPr/>
+        </p:nvSpPr>
+        <p:spPr>
+          <a:xfrm>
+            <a:off x="273050" y="9823983"/>
+            <a:ext cx="4842706" cy="707886"/>
+          </a:xfrm>
+          <a:prstGeom prst="homePlate">
+            <a:avLst>
+              <a:gd name="adj" fmla="val 24456"/>
+            </a:avLst>
+          </a:prstGeom>
+          <a:solidFill>
+            <a:schemeClr val="accent4">
+              <a:lumMod val="20000"/>
+              <a:lumOff val="80000"/>
+              <a:alpha val="80000"/>
+            </a:schemeClr>
+          </a:solidFill>
+        </p:spPr>
+        <p:txBody>
+          <a:bodyPr wrap="square" rtlCol="0">
+            <a:spAutoFit/>
+          </a:bodyPr>
+          <a:lstStyle/>
+          <a:p>
+            <a:r>
+              <a:rPr lang="es-AR" sz="2200" i="1" dirty="0">
+                <a:latin typeface="Bodoni MT" panose="02070603080606020203" pitchFamily="18" charset="0"/>
+              </a:rPr>
+              <a:t>Dia domingo 30 de abril, 10:00hs.</a:t>
+            </a:r>
+          </a:p>
+          <a:p>
+            <a:r>
+              <a:rPr lang="es-AR" dirty="0">
+                <a:latin typeface="Bodoni MT" panose="02070603080606020203" pitchFamily="18" charset="0"/>
+              </a:rPr>
+              <a:t>Reunión general – Asisten todos los miembros</a:t>
+            </a:r>
+          </a:p>
+        </p:txBody>
+      </p:sp>
+      <p:sp>
+        <p:nvSpPr>
+          <p:cNvPr id="28" name="CuadroTexto 27">
+            <a:extLst>
+              <a:ext uri="{FF2B5EF4-FFF2-40B4-BE49-F238E27FC236}">
+                <a16:creationId xmlns:a16="http://schemas.microsoft.com/office/drawing/2014/main" id="{2CF41E29-C448-4A7C-9DD3-2EE6577C70E6}"/>
+              </a:ext>
+            </a:extLst>
+          </p:cNvPr>
+          <p:cNvSpPr txBox="1"/>
+          <p:nvPr/>
+        </p:nvSpPr>
+        <p:spPr>
+          <a:xfrm>
+            <a:off x="260785" y="10712449"/>
+            <a:ext cx="4159045" cy="707886"/>
+          </a:xfrm>
+          <a:prstGeom prst="homePlate">
+            <a:avLst>
+              <a:gd name="adj" fmla="val 24456"/>
+            </a:avLst>
+          </a:prstGeom>
+          <a:solidFill>
+            <a:schemeClr val="accent2">
+              <a:lumMod val="20000"/>
+              <a:lumOff val="80000"/>
+            </a:schemeClr>
+          </a:solidFill>
+        </p:spPr>
+        <p:txBody>
+          <a:bodyPr wrap="square" rtlCol="0">
+            <a:spAutoFit/>
+          </a:bodyPr>
+          <a:lstStyle/>
+          <a:p>
+            <a:r>
+              <a:rPr lang="es-AR" sz="2200" i="1" dirty="0">
+                <a:latin typeface="Bodoni MT" panose="02070603080606020203" pitchFamily="18" charset="0"/>
+              </a:rPr>
+              <a:t>Lugar</a:t>
+            </a:r>
+          </a:p>
+          <a:p>
+            <a:r>
+              <a:rPr lang="es-AR" dirty="0">
+                <a:latin typeface="Bodoni MT" panose="02070603080606020203" pitchFamily="18" charset="0"/>
+              </a:rPr>
+              <a:t>Centro de Estaca San Rafael, Maza 179.</a:t>
+            </a:r>
+          </a:p>
+        </p:txBody>
+      </p:sp>
+    </p:spTree>
+    <p:extLst>
+      <p:ext uri="{BB962C8B-B14F-4D97-AF65-F5344CB8AC3E}">
+        <p14:creationId xmlns:p14="http://schemas.microsoft.com/office/powerpoint/2010/main" val="2875582125"/>
+      </p:ext>
+    </p:extLst>
+  </p:cSld>
+  <p:clrMapOvr>
+    <a:masterClrMapping/>
+  </p:clrMapOvr>
+</p:sld>
+</file>
+
+<file path=ppt/slides/slide4.xml><?xml version="1.0" encoding="utf-8"?>
+<p:sld xmlns:a="http://schemas.openxmlformats.org/drawingml/2006/main" xmlns:r="http://schemas.openxmlformats.org/officeDocument/2006/relationships" xmlns:p="http://schemas.openxmlformats.org/presentationml/2006/main">
+  <p:cSld>
+    <p:bg>
+      <p:bgPr>
+        <a:gradFill>
+          <a:gsLst>
+            <a:gs pos="46000">
+              <a:schemeClr val="bg1"/>
+            </a:gs>
+            <a:gs pos="76000">
+              <a:srgbClr val="BADAD5"/>
+            </a:gs>
+            <a:gs pos="100000">
+              <a:srgbClr val="A9DCF4"/>
+            </a:gs>
+          </a:gsLst>
+          <a:lin ang="5400000" scaled="1"/>
+        </a:gradFill>
+        <a:effectLst/>
+      </p:bgPr>
+    </p:bg>
+    <p:spTree>
+      <p:nvGrpSpPr>
+        <p:cNvPr id="1" name=""/>
+        <p:cNvGrpSpPr/>
+        <p:nvPr/>
+      </p:nvGrpSpPr>
+      <p:grpSpPr>
+        <a:xfrm>
+          <a:off x="0" y="0"/>
+          <a:ext cx="0" cy="0"/>
+          <a:chOff x="0" y="0"/>
+          <a:chExt cx="0" cy="0"/>
+        </a:xfrm>
+      </p:grpSpPr>
+      <p:sp>
+        <p:nvSpPr>
+          <p:cNvPr id="21" name="Rectángulo 20">
+            <a:extLst>
+              <a:ext uri="{FF2B5EF4-FFF2-40B4-BE49-F238E27FC236}">
+                <a16:creationId xmlns:a16="http://schemas.microsoft.com/office/drawing/2014/main" id="{0212E153-718C-430B-B4BB-9B677A55A5AF}"/>
+              </a:ext>
+            </a:extLst>
+          </p:cNvPr>
+          <p:cNvSpPr/>
+          <p:nvPr/>
+        </p:nvSpPr>
+        <p:spPr>
+          <a:xfrm>
+            <a:off x="-6134" y="0"/>
+            <a:ext cx="6864134" cy="9728199"/>
+          </a:xfrm>
+          <a:prstGeom prst="rect">
+            <a:avLst/>
+          </a:prstGeom>
+          <a:gradFill flip="none" rotWithShape="1">
+            <a:gsLst>
+              <a:gs pos="0">
+                <a:schemeClr val="tx1"/>
+              </a:gs>
+              <a:gs pos="60000">
+                <a:srgbClr val="11273C"/>
+              </a:gs>
+              <a:gs pos="92000">
+                <a:srgbClr val="ABDBF2"/>
+              </a:gs>
+              <a:gs pos="100000">
+                <a:srgbClr val="A8DFF9"/>
+              </a:gs>
+            </a:gsLst>
+            <a:lin ang="5400000" scaled="1"/>
+            <a:tileRect/>
+          </a:gradFill>
+          <a:ln>
+            <a:noFill/>
+          </a:ln>
+        </p:spPr>
+        <p:style>
+          <a:lnRef idx="2">
+            <a:schemeClr val="accent1">
+              <a:shade val="50000"/>
+            </a:schemeClr>
+          </a:lnRef>
+          <a:fillRef idx="1">
+            <a:schemeClr val="accent1"/>
+          </a:fillRef>
+          <a:effectRef idx="0">
+            <a:schemeClr val="accent1"/>
+          </a:effectRef>
+          <a:fontRef idx="minor">
+            <a:schemeClr val="lt1"/>
+          </a:fontRef>
+        </p:style>
+        <p:txBody>
+          <a:bodyPr rtlCol="0" anchor="ctr"/>
+          <a:lstStyle/>
+          <a:p>
+            <a:pPr algn="ctr"/>
+            <a:endParaRPr lang="es-AR"/>
+          </a:p>
+        </p:txBody>
+      </p:sp>
+      <p:sp>
+        <p:nvSpPr>
+          <p:cNvPr id="7" name="CuadroTexto 6">
+            <a:extLst>
+              <a:ext uri="{FF2B5EF4-FFF2-40B4-BE49-F238E27FC236}">
+                <a16:creationId xmlns:a16="http://schemas.microsoft.com/office/drawing/2014/main" id="{C08ED238-AB6A-4435-8677-DE5B96116708}"/>
+              </a:ext>
+            </a:extLst>
+          </p:cNvPr>
+          <p:cNvSpPr txBox="1"/>
+          <p:nvPr/>
+        </p:nvSpPr>
+        <p:spPr>
+          <a:xfrm>
+            <a:off x="332531" y="180747"/>
+            <a:ext cx="3236784" cy="830997"/>
+          </a:xfrm>
+          <a:prstGeom prst="rect">
+            <a:avLst/>
+          </a:prstGeom>
+          <a:noFill/>
+        </p:spPr>
+        <p:txBody>
+          <a:bodyPr wrap="none" rtlCol="0">
+            <a:spAutoFit/>
+          </a:bodyPr>
+          <a:lstStyle/>
+          <a:p>
+            <a:r>
+              <a:rPr lang="es-AR" sz="4800" dirty="0">
+                <a:solidFill>
+                  <a:schemeClr val="bg1"/>
+                </a:solidFill>
+                <a:latin typeface="Bahnschrift Condensed" panose="020B0502040204020203" pitchFamily="34" charset="0"/>
+              </a:rPr>
+              <a:t>Conferencia de</a:t>
+            </a:r>
+          </a:p>
+        </p:txBody>
+      </p:sp>
+      <p:sp>
+        <p:nvSpPr>
+          <p:cNvPr id="8" name="CuadroTexto 7">
+            <a:extLst>
+              <a:ext uri="{FF2B5EF4-FFF2-40B4-BE49-F238E27FC236}">
+                <a16:creationId xmlns:a16="http://schemas.microsoft.com/office/drawing/2014/main" id="{A1E4FE21-0F62-41F3-84A3-552415F2EF37}"/>
+              </a:ext>
+            </a:extLst>
+          </p:cNvPr>
+          <p:cNvSpPr txBox="1"/>
+          <p:nvPr/>
+        </p:nvSpPr>
+        <p:spPr>
+          <a:xfrm>
+            <a:off x="332531" y="782112"/>
+            <a:ext cx="5283819" cy="1015663"/>
+          </a:xfrm>
+          <a:prstGeom prst="rect">
+            <a:avLst/>
+          </a:prstGeom>
+          <a:noFill/>
+        </p:spPr>
+        <p:txBody>
+          <a:bodyPr wrap="none" rtlCol="0">
+            <a:spAutoFit/>
+          </a:bodyPr>
+          <a:lstStyle/>
+          <a:p>
+            <a:r>
+              <a:rPr lang="es-AR" sz="6000" dirty="0">
+                <a:solidFill>
+                  <a:schemeClr val="bg1"/>
+                </a:solidFill>
+                <a:latin typeface="Bahnschrift Condensed" panose="020B0502040204020203" pitchFamily="34" charset="0"/>
+              </a:rPr>
+              <a:t>ESTACA SAN RAFAEL</a:t>
+            </a:r>
+          </a:p>
+        </p:txBody>
+      </p:sp>
+      <p:sp>
+        <p:nvSpPr>
+          <p:cNvPr id="10" name="CuadroTexto 9">
+            <a:extLst>
+              <a:ext uri="{FF2B5EF4-FFF2-40B4-BE49-F238E27FC236}">
+                <a16:creationId xmlns:a16="http://schemas.microsoft.com/office/drawing/2014/main" id="{74129D7A-F50C-4773-9245-44268D9A5D39}"/>
+              </a:ext>
+            </a:extLst>
+          </p:cNvPr>
+          <p:cNvSpPr txBox="1"/>
+          <p:nvPr/>
+        </p:nvSpPr>
+        <p:spPr>
+          <a:xfrm>
+            <a:off x="341214" y="1760880"/>
+            <a:ext cx="4780058" cy="400110"/>
+          </a:xfrm>
+          <a:prstGeom prst="rect">
+            <a:avLst/>
+          </a:prstGeom>
+          <a:noFill/>
+        </p:spPr>
+        <p:txBody>
+          <a:bodyPr wrap="square" rtlCol="0">
+            <a:spAutoFit/>
+          </a:bodyPr>
+          <a:lstStyle/>
+          <a:p>
+            <a:r>
+              <a:rPr lang="es-AR" sz="2000" dirty="0">
+                <a:solidFill>
+                  <a:schemeClr val="bg1"/>
+                </a:solidFill>
+                <a:latin typeface="Bodoni MT" panose="02070603080606020203" pitchFamily="18" charset="0"/>
+              </a:rPr>
+              <a:t>Presidida por el Elder Costa de los Setenta</a:t>
+            </a:r>
+            <a:endParaRPr lang="es-AR" sz="2000" i="1" dirty="0">
+              <a:solidFill>
+                <a:schemeClr val="bg1"/>
+              </a:solidFill>
+              <a:latin typeface="Bodoni MT" panose="02070603080606020203" pitchFamily="18" charset="0"/>
+            </a:endParaRPr>
+          </a:p>
+        </p:txBody>
+      </p:sp>
+      <p:cxnSp>
+        <p:nvCxnSpPr>
+          <p:cNvPr id="12" name="Conector recto 11">
+            <a:extLst>
+              <a:ext uri="{FF2B5EF4-FFF2-40B4-BE49-F238E27FC236}">
+                <a16:creationId xmlns:a16="http://schemas.microsoft.com/office/drawing/2014/main" id="{85386F64-190A-4F12-A8D4-D64F633B250E}"/>
+              </a:ext>
+            </a:extLst>
+          </p:cNvPr>
+          <p:cNvCxnSpPr/>
+          <p:nvPr/>
+        </p:nvCxnSpPr>
+        <p:spPr>
+          <a:xfrm>
+            <a:off x="454022" y="1743542"/>
+            <a:ext cx="3609975" cy="0"/>
+          </a:xfrm>
+          <a:prstGeom prst="line">
+            <a:avLst/>
+          </a:prstGeom>
+          <a:ln w="12700">
+            <a:solidFill>
+              <a:schemeClr val="bg1">
+                <a:lumMod val="95000"/>
+              </a:schemeClr>
+            </a:solidFill>
+          </a:ln>
+        </p:spPr>
+        <p:style>
+          <a:lnRef idx="1">
+            <a:schemeClr val="accent1"/>
+          </a:lnRef>
+          <a:fillRef idx="0">
+            <a:schemeClr val="accent1"/>
+          </a:fillRef>
+          <a:effectRef idx="0">
+            <a:schemeClr val="accent1"/>
+          </a:effectRef>
+          <a:fontRef idx="minor">
+            <a:schemeClr val="tx1"/>
+          </a:fontRef>
+        </p:style>
+      </p:cxnSp>
+      <p:sp>
+        <p:nvSpPr>
+          <p:cNvPr id="14" name="CuadroTexto 13">
+            <a:extLst>
+              <a:ext uri="{FF2B5EF4-FFF2-40B4-BE49-F238E27FC236}">
+                <a16:creationId xmlns:a16="http://schemas.microsoft.com/office/drawing/2014/main" id="{799B4D17-D876-45D1-A3BB-00108D9C6358}"/>
+              </a:ext>
+            </a:extLst>
+          </p:cNvPr>
+          <p:cNvSpPr txBox="1"/>
+          <p:nvPr/>
+        </p:nvSpPr>
+        <p:spPr>
+          <a:xfrm>
+            <a:off x="454022" y="3109554"/>
+            <a:ext cx="5768551" cy="707886"/>
+          </a:xfrm>
+          <a:prstGeom prst="rect">
+            <a:avLst/>
+          </a:prstGeom>
+          <a:noFill/>
+        </p:spPr>
+        <p:txBody>
+          <a:bodyPr wrap="square" rtlCol="0">
+            <a:spAutoFit/>
+          </a:bodyPr>
+          <a:lstStyle/>
+          <a:p>
+            <a:r>
+              <a:rPr lang="es-AR" sz="2000" dirty="0">
+                <a:solidFill>
+                  <a:schemeClr val="bg1"/>
+                </a:solidFill>
+                <a:latin typeface="Bodoni MT" panose="02070603080606020203" pitchFamily="18" charset="0"/>
+              </a:rPr>
+              <a:t>Reunión de Lideres del Sacerdocio – Asisten todos los poseedores del Sacerdocio menor y mayor. </a:t>
+            </a:r>
+          </a:p>
+        </p:txBody>
+      </p:sp>
+      <p:sp>
+        <p:nvSpPr>
+          <p:cNvPr id="15" name="CuadroTexto 14">
+            <a:extLst>
+              <a:ext uri="{FF2B5EF4-FFF2-40B4-BE49-F238E27FC236}">
+                <a16:creationId xmlns:a16="http://schemas.microsoft.com/office/drawing/2014/main" id="{2D607772-CD73-46EB-9AC6-B76504A02CB5}"/>
+              </a:ext>
+            </a:extLst>
+          </p:cNvPr>
+          <p:cNvSpPr txBox="1"/>
+          <p:nvPr/>
+        </p:nvSpPr>
+        <p:spPr>
+          <a:xfrm>
+            <a:off x="454024" y="3865563"/>
+            <a:ext cx="4073114" cy="396000"/>
+          </a:xfrm>
+          <a:prstGeom prst="homePlate">
+            <a:avLst/>
+          </a:prstGeom>
+          <a:solidFill>
+            <a:schemeClr val="accent4">
+              <a:lumMod val="20000"/>
+              <a:lumOff val="80000"/>
+            </a:schemeClr>
+          </a:solidFill>
+        </p:spPr>
+        <p:txBody>
+          <a:bodyPr wrap="square" rtlCol="0">
+            <a:spAutoFit/>
+          </a:bodyPr>
+          <a:lstStyle/>
+          <a:p>
+            <a:r>
+              <a:rPr lang="es-AR" sz="2200" i="1" dirty="0">
+                <a:latin typeface="Bodoni MT" panose="02070603080606020203" pitchFamily="18" charset="0"/>
+              </a:rPr>
+              <a:t>Dia sábado 29 de abril, 19:00hs.</a:t>
+            </a:r>
+          </a:p>
+        </p:txBody>
+      </p:sp>
+      <p:sp>
+        <p:nvSpPr>
+          <p:cNvPr id="16" name="CuadroTexto 15">
+            <a:extLst>
+              <a:ext uri="{FF2B5EF4-FFF2-40B4-BE49-F238E27FC236}">
+                <a16:creationId xmlns:a16="http://schemas.microsoft.com/office/drawing/2014/main" id="{376EF6B6-8F7F-4905-9FD1-ADCC8B2D19A0}"/>
+              </a:ext>
+            </a:extLst>
+          </p:cNvPr>
+          <p:cNvSpPr txBox="1"/>
+          <p:nvPr/>
+        </p:nvSpPr>
+        <p:spPr>
+          <a:xfrm>
+            <a:off x="454022" y="4200743"/>
+            <a:ext cx="5572889" cy="707886"/>
+          </a:xfrm>
+          <a:prstGeom prst="rect">
+            <a:avLst/>
+          </a:prstGeom>
+          <a:noFill/>
+        </p:spPr>
+        <p:txBody>
+          <a:bodyPr wrap="square" rtlCol="0">
+            <a:spAutoFit/>
+          </a:bodyPr>
+          <a:lstStyle/>
+          <a:p>
+            <a:r>
+              <a:rPr lang="es-AR" sz="2000" dirty="0">
+                <a:solidFill>
+                  <a:schemeClr val="bg1"/>
+                </a:solidFill>
+                <a:latin typeface="Bodoni MT" panose="02070603080606020203" pitchFamily="18" charset="0"/>
+              </a:rPr>
+              <a:t>Reunión de Adultos – Asisten todos los miembros mayores de 18 años. </a:t>
+            </a:r>
+          </a:p>
+        </p:txBody>
+      </p:sp>
+      <p:sp>
+        <p:nvSpPr>
+          <p:cNvPr id="17" name="CuadroTexto 16">
+            <a:extLst>
+              <a:ext uri="{FF2B5EF4-FFF2-40B4-BE49-F238E27FC236}">
+                <a16:creationId xmlns:a16="http://schemas.microsoft.com/office/drawing/2014/main" id="{0BF4A100-9911-48F1-BB06-F83A87F830B5}"/>
+              </a:ext>
+            </a:extLst>
+          </p:cNvPr>
+          <p:cNvSpPr txBox="1"/>
+          <p:nvPr/>
+        </p:nvSpPr>
+        <p:spPr>
+          <a:xfrm>
+            <a:off x="454024" y="4978525"/>
+            <a:ext cx="4137868" cy="396000"/>
+          </a:xfrm>
+          <a:prstGeom prst="homePlate">
+            <a:avLst/>
+          </a:prstGeom>
+          <a:solidFill>
+            <a:schemeClr val="accent4">
+              <a:lumMod val="20000"/>
+              <a:lumOff val="80000"/>
+            </a:schemeClr>
+          </a:solidFill>
+        </p:spPr>
+        <p:txBody>
+          <a:bodyPr wrap="square" rtlCol="0">
+            <a:spAutoFit/>
+          </a:bodyPr>
+          <a:lstStyle/>
+          <a:p>
+            <a:r>
+              <a:rPr lang="es-AR" sz="2200" i="1" dirty="0">
+                <a:latin typeface="Bodoni MT" panose="02070603080606020203" pitchFamily="18" charset="0"/>
+              </a:rPr>
+              <a:t>Dia domingo 30 de abril, 10:00hs.</a:t>
+            </a:r>
+          </a:p>
+        </p:txBody>
+      </p:sp>
+      <p:sp>
+        <p:nvSpPr>
+          <p:cNvPr id="18" name="CuadroTexto 17">
+            <a:extLst>
+              <a:ext uri="{FF2B5EF4-FFF2-40B4-BE49-F238E27FC236}">
+                <a16:creationId xmlns:a16="http://schemas.microsoft.com/office/drawing/2014/main" id="{1F5CAE05-070E-47A3-B31A-03942F646FBB}"/>
+              </a:ext>
+            </a:extLst>
+          </p:cNvPr>
+          <p:cNvSpPr txBox="1"/>
+          <p:nvPr/>
+        </p:nvSpPr>
+        <p:spPr>
+          <a:xfrm>
+            <a:off x="454022" y="5304561"/>
+            <a:ext cx="6504083" cy="400110"/>
+          </a:xfrm>
+          <a:prstGeom prst="rect">
+            <a:avLst/>
+          </a:prstGeom>
+          <a:noFill/>
+        </p:spPr>
+        <p:txBody>
+          <a:bodyPr wrap="square" rtlCol="0">
+            <a:spAutoFit/>
+          </a:bodyPr>
+          <a:lstStyle/>
+          <a:p>
+            <a:r>
+              <a:rPr lang="es-AR" sz="2000" dirty="0">
+                <a:solidFill>
+                  <a:schemeClr val="bg1"/>
+                </a:solidFill>
+                <a:latin typeface="Bodoni MT" panose="02070603080606020203" pitchFamily="18" charset="0"/>
+              </a:rPr>
+              <a:t>Reunión general – Asisten todos los miembros</a:t>
+            </a:r>
+          </a:p>
+        </p:txBody>
+      </p:sp>
+      <p:sp>
+        <p:nvSpPr>
+          <p:cNvPr id="19" name="CuadroTexto 18">
+            <a:extLst>
+              <a:ext uri="{FF2B5EF4-FFF2-40B4-BE49-F238E27FC236}">
+                <a16:creationId xmlns:a16="http://schemas.microsoft.com/office/drawing/2014/main" id="{48306051-4ABA-4D29-BCF4-4929CF404E1B}"/>
+              </a:ext>
+            </a:extLst>
+          </p:cNvPr>
+          <p:cNvSpPr txBox="1"/>
+          <p:nvPr/>
+        </p:nvSpPr>
+        <p:spPr>
+          <a:xfrm>
+            <a:off x="454024" y="5737232"/>
+            <a:ext cx="1097489" cy="430887"/>
+          </a:xfrm>
+          <a:prstGeom prst="homePlate">
+            <a:avLst/>
+          </a:prstGeom>
+          <a:solidFill>
+            <a:schemeClr val="accent4">
+              <a:lumMod val="20000"/>
+              <a:lumOff val="80000"/>
+            </a:schemeClr>
+          </a:solidFill>
+        </p:spPr>
+        <p:txBody>
+          <a:bodyPr wrap="square" rtlCol="0">
+            <a:spAutoFit/>
+          </a:bodyPr>
+          <a:lstStyle/>
+          <a:p>
+            <a:r>
+              <a:rPr lang="es-AR" sz="2200" i="1" dirty="0">
+                <a:latin typeface="Bodoni MT" panose="02070603080606020203" pitchFamily="18" charset="0"/>
+              </a:rPr>
+              <a:t>Lugar</a:t>
+            </a:r>
+          </a:p>
+        </p:txBody>
+      </p:sp>
+      <p:sp>
+        <p:nvSpPr>
+          <p:cNvPr id="20" name="CuadroTexto 19">
+            <a:extLst>
+              <a:ext uri="{FF2B5EF4-FFF2-40B4-BE49-F238E27FC236}">
+                <a16:creationId xmlns:a16="http://schemas.microsoft.com/office/drawing/2014/main" id="{D086A393-8D29-458E-B262-4CFFC4D59304}"/>
+              </a:ext>
+            </a:extLst>
+          </p:cNvPr>
+          <p:cNvSpPr txBox="1"/>
+          <p:nvPr/>
+        </p:nvSpPr>
+        <p:spPr>
+          <a:xfrm>
+            <a:off x="454022" y="6082958"/>
+            <a:ext cx="4437263" cy="400110"/>
+          </a:xfrm>
+          <a:prstGeom prst="rect">
+            <a:avLst/>
+          </a:prstGeom>
+          <a:noFill/>
+        </p:spPr>
+        <p:txBody>
+          <a:bodyPr wrap="square" rtlCol="0">
+            <a:spAutoFit/>
+          </a:bodyPr>
+          <a:lstStyle/>
+          <a:p>
+            <a:r>
+              <a:rPr lang="es-AR" sz="2000" dirty="0">
+                <a:solidFill>
+                  <a:schemeClr val="bg1"/>
+                </a:solidFill>
+                <a:latin typeface="Bodoni MT" panose="02070603080606020203" pitchFamily="18" charset="0"/>
+              </a:rPr>
+              <a:t>Centro de Estaca San Rafael, Maza 179.</a:t>
+            </a:r>
+          </a:p>
+        </p:txBody>
+      </p:sp>
+      <p:sp>
+        <p:nvSpPr>
+          <p:cNvPr id="13" name="CuadroTexto 12">
+            <a:extLst>
+              <a:ext uri="{FF2B5EF4-FFF2-40B4-BE49-F238E27FC236}">
+                <a16:creationId xmlns:a16="http://schemas.microsoft.com/office/drawing/2014/main" id="{A413DAE0-3449-4BA1-8037-B86BC5E4E418}"/>
+              </a:ext>
+            </a:extLst>
+          </p:cNvPr>
+          <p:cNvSpPr txBox="1"/>
+          <p:nvPr/>
+        </p:nvSpPr>
+        <p:spPr>
+          <a:xfrm>
+            <a:off x="454024" y="2734893"/>
+            <a:ext cx="4073114" cy="396000"/>
+          </a:xfrm>
+          <a:prstGeom prst="homePlate">
+            <a:avLst/>
+          </a:prstGeom>
+          <a:solidFill>
+            <a:schemeClr val="accent4">
+              <a:lumMod val="20000"/>
+              <a:lumOff val="80000"/>
+            </a:schemeClr>
+          </a:solidFill>
+        </p:spPr>
+        <p:txBody>
+          <a:bodyPr wrap="square" rtlCol="0">
+            <a:spAutoFit/>
+          </a:bodyPr>
+          <a:lstStyle/>
+          <a:p>
+            <a:r>
+              <a:rPr lang="es-AR" sz="2200" i="1" dirty="0">
+                <a:latin typeface="Bodoni MT" panose="02070603080606020203" pitchFamily="18" charset="0"/>
+              </a:rPr>
+              <a:t>Dia sábado 29 de abril, 16:00hs.</a:t>
+            </a:r>
+          </a:p>
+        </p:txBody>
+      </p:sp>
+      <p:pic>
+        <p:nvPicPr>
+          <p:cNvPr id="6" name="Imagen 5">
+            <a:extLst>
+              <a:ext uri="{FF2B5EF4-FFF2-40B4-BE49-F238E27FC236}">
+                <a16:creationId xmlns:a16="http://schemas.microsoft.com/office/drawing/2014/main" id="{63208974-033A-4E4C-9ADD-FDACF2E0417E}"/>
+              </a:ext>
+            </a:extLst>
+          </p:cNvPr>
+          <p:cNvPicPr>
+            <a:picLocks noChangeAspect="1"/>
+          </p:cNvPicPr>
+          <p:nvPr/>
+        </p:nvPicPr>
+        <p:blipFill rotWithShape="1">
+          <a:blip r:embed="rId2">
+            <a:duotone>
+              <a:prstClr val="black"/>
+              <a:schemeClr val="accent6">
+                <a:tint val="45000"/>
+                <a:satMod val="400000"/>
+              </a:schemeClr>
+            </a:duotone>
+            <a:extLst>
+              <a:ext uri="{BEBA8EAE-BF5A-486C-A8C5-ECC9F3942E4B}">
+                <a14:imgProps xmlns:a14="http://schemas.microsoft.com/office/drawing/2010/main">
+                  <a14:imgLayer r:embed="rId3">
+                    <a14:imgEffect>
+                      <a14:backgroundRemoval t="26481" b="65278" l="71354" r="93750">
+                        <a14:foregroundMark x1="78594" y1="28426" x2="80625" y2="28704"/>
+                        <a14:foregroundMark x1="80625" y1="28704" x2="82396" y2="28519"/>
+                        <a14:foregroundMark x1="82396" y1="28519" x2="82396" y2="28426"/>
+                        <a14:foregroundMark x1="79844" y1="26481" x2="80313" y2="26481"/>
+                      </a14:backgroundRemoval>
+                    </a14:imgEffect>
+                    <a14:imgEffect>
+                      <a14:saturation sat="400000"/>
+                    </a14:imgEffect>
+                    <a14:imgEffect>
+                      <a14:brightnessContrast contrast="-40000"/>
+                    </a14:imgEffect>
+                  </a14:imgLayer>
+                </a14:imgProps>
+              </a:ext>
+            </a:extLst>
+          </a:blip>
+          <a:srcRect l="73382" t="25681" r="17744" b="61759"/>
+          <a:stretch/>
+        </p:blipFill>
+        <p:spPr>
+          <a:xfrm>
+            <a:off x="4250349" y="5428214"/>
+            <a:ext cx="2607651" cy="2064358"/>
+          </a:xfrm>
+          <a:prstGeom prst="rect">
+            <a:avLst/>
+          </a:prstGeom>
+          <a:effectLst/>
+        </p:spPr>
+      </p:pic>
+      <p:pic>
+        <p:nvPicPr>
+          <p:cNvPr id="4" name="Imagen 3">
+            <a:extLst>
+              <a:ext uri="{FF2B5EF4-FFF2-40B4-BE49-F238E27FC236}">
+                <a16:creationId xmlns:a16="http://schemas.microsoft.com/office/drawing/2014/main" id="{C4B19ACF-E85C-4CDC-B86E-FA71D7FD1D56}"/>
+              </a:ext>
+            </a:extLst>
+          </p:cNvPr>
+          <p:cNvPicPr>
+            <a:picLocks noChangeAspect="1"/>
+          </p:cNvPicPr>
+          <p:nvPr/>
+        </p:nvPicPr>
+        <p:blipFill rotWithShape="1">
+          <a:blip r:embed="rId4">
+            <a:clrChange>
+              <a:clrFrom>
+                <a:srgbClr val="000000">
+                  <a:alpha val="0"/>
+                </a:srgbClr>
+              </a:clrFrom>
+              <a:clrTo>
+                <a:srgbClr val="000000">
+                  <a:alpha val="0"/>
+                </a:srgbClr>
+              </a:clrTo>
+            </a:clrChange>
+            <a:extLst>
+              <a:ext uri="{BEBA8EAE-BF5A-486C-A8C5-ECC9F3942E4B}">
+                <a14:imgProps xmlns:a14="http://schemas.microsoft.com/office/drawing/2010/main">
+                  <a14:imgLayer r:embed="rId5">
+                    <a14:imgEffect>
+                      <a14:colorTemperature colorTemp="4700"/>
+                    </a14:imgEffect>
+                  </a14:imgLayer>
+                </a14:imgProps>
+              </a:ext>
+            </a:extLst>
+          </a:blip>
+          <a:srcRect l="17371" t="20464" r="1041" b="17489"/>
+          <a:stretch/>
+        </p:blipFill>
+        <p:spPr>
+          <a:xfrm>
+            <a:off x="0" y="9258297"/>
+            <a:ext cx="6857999" cy="2933699"/>
+          </a:xfrm>
+          <a:prstGeom prst="rect">
+            <a:avLst/>
+          </a:prstGeom>
+          <a:effectLst/>
+        </p:spPr>
+      </p:pic>
+      <p:pic>
+        <p:nvPicPr>
+          <p:cNvPr id="5" name="Imagen 4">
+            <a:extLst>
+              <a:ext uri="{FF2B5EF4-FFF2-40B4-BE49-F238E27FC236}">
+                <a16:creationId xmlns:a16="http://schemas.microsoft.com/office/drawing/2014/main" id="{A53F5AB6-1EC1-41FC-8597-E23B4395256A}"/>
+              </a:ext>
+            </a:extLst>
+          </p:cNvPr>
+          <p:cNvPicPr>
+            <a:picLocks noChangeAspect="1"/>
+          </p:cNvPicPr>
+          <p:nvPr/>
+        </p:nvPicPr>
+        <p:blipFill rotWithShape="1">
+          <a:blip r:embed="rId6">
+            <a:extLst>
+              <a:ext uri="{BEBA8EAE-BF5A-486C-A8C5-ECC9F3942E4B}">
+                <a14:imgProps xmlns:a14="http://schemas.microsoft.com/office/drawing/2010/main">
+                  <a14:imgLayer r:embed="rId7">
+                    <a14:imgEffect>
+                      <a14:backgroundRemoval t="19537" b="73056" l="33229" r="72708">
+                        <a14:foregroundMark x1="35885" y1="33981" x2="44583" y2="28519"/>
+                        <a14:foregroundMark x1="44583" y1="28519" x2="57292" y2="26296"/>
+                        <a14:foregroundMark x1="57292" y1="26296" x2="66771" y2="31111"/>
+                        <a14:foregroundMark x1="66771" y1="31111" x2="68385" y2="34444"/>
+                        <a14:foregroundMark x1="52214" y1="20149" x2="53177" y2="20185"/>
+                        <a14:foregroundMark x1="45913" y1="19913" x2="47583" y2="19975"/>
+                        <a14:foregroundMark x1="53177" y1="20185" x2="66354" y2="19537"/>
+                        <a14:foregroundMark x1="66354" y1="19537" x2="66354" y2="19537"/>
+                        <a14:backgroundMark x1="48438" y1="54907" x2="39948" y2="62870"/>
+                        <a14:backgroundMark x1="54688" y1="59537" x2="67760" y2="61759"/>
+                        <a14:backgroundMark x1="67760" y1="61759" x2="69844" y2="61574"/>
+                        <a14:backgroundMark x1="39948" y1="51574" x2="48021" y2="53704"/>
+                        <a14:backgroundMark x1="40052" y1="51296" x2="50208" y2="48426"/>
+                        <a14:backgroundMark x1="50208" y1="48426" x2="53281" y2="48519"/>
+                        <a14:backgroundMark x1="53281" y1="48519" x2="55885" y2="50741"/>
+                        <a14:backgroundMark x1="55885" y1="50741" x2="56510" y2="56574"/>
+                        <a14:backgroundMark x1="40208" y1="18241" x2="46094" y2="19444"/>
+                        <a14:backgroundMark x1="46094" y1="19444" x2="48854" y2="18611"/>
+                        <a14:backgroundMark x1="48854" y1="18611" x2="51719" y2="20093"/>
+                        <a14:backgroundMark x1="51719" y1="20093" x2="52292" y2="19907"/>
+                        <a14:backgroundMark x1="40938" y1="18333" x2="42031" y2="19630"/>
+                        <a14:backgroundMark x1="44688" y1="19352" x2="44896" y2="21481"/>
+                        <a14:backgroundMark x1="47708" y1="19907" x2="47969" y2="21389"/>
+                      </a14:backgroundRemoval>
+                    </a14:imgEffect>
+                  </a14:imgLayer>
+                </a14:imgProps>
+              </a:ext>
+            </a:extLst>
+          </a:blip>
+          <a:srcRect l="28259" t="17408" r="47547" b="29531"/>
+          <a:stretch/>
+        </p:blipFill>
+        <p:spPr>
+          <a:xfrm>
+            <a:off x="2698955" y="6705597"/>
+            <a:ext cx="4159045" cy="5130800"/>
+          </a:xfrm>
+          <a:prstGeom prst="rect">
+            <a:avLst/>
+          </a:prstGeom>
+          <a:effectLst/>
+        </p:spPr>
+      </p:pic>
+      <p:sp>
+        <p:nvSpPr>
+          <p:cNvPr id="9" name="CuadroTexto 8">
+            <a:extLst>
+              <a:ext uri="{FF2B5EF4-FFF2-40B4-BE49-F238E27FC236}">
+                <a16:creationId xmlns:a16="http://schemas.microsoft.com/office/drawing/2014/main" id="{C3714CDF-D4EE-4403-BE6F-7BB2B832DE0E}"/>
+              </a:ext>
+            </a:extLst>
+          </p:cNvPr>
+          <p:cNvSpPr txBox="1"/>
+          <p:nvPr/>
+        </p:nvSpPr>
+        <p:spPr>
+          <a:xfrm>
+            <a:off x="408728" y="8288394"/>
+            <a:ext cx="3655269" cy="3416320"/>
+          </a:xfrm>
+          <a:prstGeom prst="rect">
+            <a:avLst/>
+          </a:prstGeom>
+          <a:noFill/>
+        </p:spPr>
+        <p:txBody>
+          <a:bodyPr wrap="square" rtlCol="0">
+            <a:spAutoFit/>
+          </a:bodyPr>
+          <a:lstStyle/>
+          <a:p>
+            <a:r>
+              <a:rPr lang="es-AR" sz="2400" dirty="0">
+                <a:latin typeface="Bodoni MT" panose="02070603080606020203" pitchFamily="18" charset="0"/>
+              </a:rPr>
+              <a:t>Porque he aquí, </a:t>
+            </a:r>
+          </a:p>
+          <a:p>
+            <a:r>
+              <a:rPr lang="es-AR" sz="2400" dirty="0">
+                <a:latin typeface="Bodoni MT" panose="02070603080606020203" pitchFamily="18" charset="0"/>
+              </a:rPr>
+              <a:t>esta </a:t>
+            </a:r>
+            <a:r>
+              <a:rPr lang="es-AR" sz="2400" b="1" i="1" dirty="0">
+                <a:latin typeface="Bodoni MT" panose="02070603080606020203" pitchFamily="18" charset="0"/>
+              </a:rPr>
+              <a:t>VIDA</a:t>
+            </a:r>
+            <a:r>
+              <a:rPr lang="es-AR" sz="2400" dirty="0">
+                <a:latin typeface="Bodoni MT" panose="02070603080606020203" pitchFamily="18" charset="0"/>
+              </a:rPr>
+              <a:t> es cuando </a:t>
+            </a:r>
+          </a:p>
+          <a:p>
+            <a:r>
+              <a:rPr lang="es-AR" sz="2400" dirty="0">
+                <a:latin typeface="Bodoni MT" panose="02070603080606020203" pitchFamily="18" charset="0"/>
+              </a:rPr>
+              <a:t>el hombre debe </a:t>
+            </a:r>
+          </a:p>
+          <a:p>
+            <a:r>
+              <a:rPr lang="es-AR" sz="2400" b="1" i="1" dirty="0">
+                <a:latin typeface="Bodoni MT" panose="02070603080606020203" pitchFamily="18" charset="0"/>
+              </a:rPr>
+              <a:t>PREPARARSE</a:t>
+            </a:r>
+            <a:r>
+              <a:rPr lang="es-AR" sz="2400" dirty="0">
+                <a:latin typeface="Bodoni MT" panose="02070603080606020203" pitchFamily="18" charset="0"/>
+              </a:rPr>
+              <a:t> para comparecer ante Dios; sí, el día de esta vida es el día en que el hombre debe ejecutar su obra.</a:t>
+            </a:r>
+          </a:p>
+          <a:p>
+            <a:pPr algn="r"/>
+            <a:r>
+              <a:rPr lang="es-AR" sz="2400" i="1" dirty="0">
+                <a:latin typeface="Bodoni MT" panose="02070603080606020203" pitchFamily="18" charset="0"/>
+              </a:rPr>
+              <a:t>Alma 34:32</a:t>
+            </a:r>
+          </a:p>
+        </p:txBody>
+      </p:sp>
+    </p:spTree>
+    <p:extLst>
+      <p:ext uri="{BB962C8B-B14F-4D97-AF65-F5344CB8AC3E}">
+        <p14:creationId xmlns:p14="http://schemas.microsoft.com/office/powerpoint/2010/main" val="3381444668"/>
+      </p:ext>
+    </p:extLst>
+  </p:cSld>
+  <p:clrMapOvr>
+    <a:masterClrMapping/>
+  </p:clrMapOvr>
+</p:sld>
+</file>
+
+<file path=ppt/slides/slide5.xml><?xml version="1.0" encoding="utf-8"?>
+<p:sld xmlns:a="http://schemas.openxmlformats.org/drawingml/2006/main" xmlns:r="http://schemas.openxmlformats.org/officeDocument/2006/relationships" xmlns:p="http://schemas.openxmlformats.org/presentationml/2006/main">
+  <p:cSld>
+    <p:bg>
+      <p:bgPr>
+        <a:solidFill>
+          <a:schemeClr val="bg1">
+            <a:lumMod val="95000"/>
+          </a:schemeClr>
+        </a:solidFill>
+        <a:effectLst/>
+      </p:bgPr>
+    </p:bg>
+    <p:spTree>
+      <p:nvGrpSpPr>
+        <p:cNvPr id="1" name=""/>
+        <p:cNvGrpSpPr/>
+        <p:nvPr/>
+      </p:nvGrpSpPr>
+      <p:grpSpPr>
+        <a:xfrm>
+          <a:off x="0" y="0"/>
+          <a:ext cx="0" cy="0"/>
+          <a:chOff x="0" y="0"/>
+          <a:chExt cx="0" cy="0"/>
+        </a:xfrm>
+      </p:grpSpPr>
+      <p:sp>
+        <p:nvSpPr>
+          <p:cNvPr id="7" name="CuadroTexto 6">
+            <a:extLst>
+              <a:ext uri="{FF2B5EF4-FFF2-40B4-BE49-F238E27FC236}">
+                <a16:creationId xmlns:a16="http://schemas.microsoft.com/office/drawing/2014/main" id="{C08ED238-AB6A-4435-8677-DE5B96116708}"/>
+              </a:ext>
+            </a:extLst>
+          </p:cNvPr>
+          <p:cNvSpPr txBox="1"/>
+          <p:nvPr/>
+        </p:nvSpPr>
+        <p:spPr>
+          <a:xfrm>
+            <a:off x="202359" y="346367"/>
+            <a:ext cx="3236784" cy="830997"/>
+          </a:xfrm>
+          <a:prstGeom prst="rect">
+            <a:avLst/>
+          </a:prstGeom>
+          <a:noFill/>
+        </p:spPr>
+        <p:txBody>
+          <a:bodyPr wrap="none" rtlCol="0">
+            <a:spAutoFit/>
+          </a:bodyPr>
+          <a:lstStyle/>
+          <a:p>
+            <a:r>
+              <a:rPr lang="es-AR" sz="4800" dirty="0">
+                <a:solidFill>
+                  <a:schemeClr val="bg1">
+                    <a:lumMod val="50000"/>
+                  </a:schemeClr>
+                </a:solidFill>
+                <a:latin typeface="Bahnschrift Condensed" panose="020B0502040204020203" pitchFamily="34" charset="0"/>
+              </a:rPr>
+              <a:t>Conferencia de</a:t>
+            </a:r>
+          </a:p>
+        </p:txBody>
+      </p:sp>
+      <p:sp>
+        <p:nvSpPr>
+          <p:cNvPr id="8" name="CuadroTexto 7">
+            <a:extLst>
+              <a:ext uri="{FF2B5EF4-FFF2-40B4-BE49-F238E27FC236}">
+                <a16:creationId xmlns:a16="http://schemas.microsoft.com/office/drawing/2014/main" id="{A1E4FE21-0F62-41F3-84A3-552415F2EF37}"/>
+              </a:ext>
+            </a:extLst>
+          </p:cNvPr>
+          <p:cNvSpPr txBox="1"/>
+          <p:nvPr/>
+        </p:nvSpPr>
+        <p:spPr>
+          <a:xfrm>
+            <a:off x="202359" y="947732"/>
+            <a:ext cx="5283819" cy="1015663"/>
+          </a:xfrm>
+          <a:prstGeom prst="rect">
+            <a:avLst/>
+          </a:prstGeom>
+          <a:noFill/>
+        </p:spPr>
+        <p:txBody>
+          <a:bodyPr wrap="none" rtlCol="0">
+            <a:spAutoFit/>
+          </a:bodyPr>
+          <a:lstStyle/>
+          <a:p>
+            <a:r>
+              <a:rPr lang="es-AR" sz="6000" dirty="0">
+                <a:solidFill>
+                  <a:schemeClr val="tx1">
+                    <a:lumMod val="85000"/>
+                    <a:lumOff val="15000"/>
+                  </a:schemeClr>
+                </a:solidFill>
+                <a:latin typeface="Bahnschrift Condensed" panose="020B0502040204020203" pitchFamily="34" charset="0"/>
+              </a:rPr>
+              <a:t>ESTACA SAN RAFAEL</a:t>
+            </a:r>
+          </a:p>
+        </p:txBody>
+      </p:sp>
+      <p:sp>
+        <p:nvSpPr>
+          <p:cNvPr id="9" name="CuadroTexto 8">
+            <a:extLst>
+              <a:ext uri="{FF2B5EF4-FFF2-40B4-BE49-F238E27FC236}">
+                <a16:creationId xmlns:a16="http://schemas.microsoft.com/office/drawing/2014/main" id="{C3714CDF-D4EE-4403-BE6F-7BB2B832DE0E}"/>
+              </a:ext>
+            </a:extLst>
+          </p:cNvPr>
+          <p:cNvSpPr txBox="1"/>
+          <p:nvPr/>
+        </p:nvSpPr>
+        <p:spPr>
+          <a:xfrm>
+            <a:off x="277147" y="2875434"/>
+            <a:ext cx="3374412" cy="3139321"/>
+          </a:xfrm>
+          <a:prstGeom prst="rect">
+            <a:avLst/>
+          </a:prstGeom>
+          <a:noFill/>
+        </p:spPr>
+        <p:txBody>
+          <a:bodyPr wrap="square" rtlCol="0">
+            <a:spAutoFit/>
+          </a:bodyPr>
+          <a:lstStyle/>
+          <a:p>
+            <a:r>
+              <a:rPr lang="es-AR" sz="2200" dirty="0">
+                <a:solidFill>
+                  <a:schemeClr val="tx1">
+                    <a:lumMod val="65000"/>
+                    <a:lumOff val="35000"/>
+                  </a:schemeClr>
+                </a:solidFill>
+                <a:latin typeface="Bodoni MT" panose="02070603080606020203" pitchFamily="18" charset="0"/>
+              </a:rPr>
+              <a:t>Porque he aquí, </a:t>
+            </a:r>
+          </a:p>
+          <a:p>
+            <a:r>
+              <a:rPr lang="es-AR" sz="2200" dirty="0">
+                <a:solidFill>
+                  <a:schemeClr val="tx1">
+                    <a:lumMod val="65000"/>
+                    <a:lumOff val="35000"/>
+                  </a:schemeClr>
+                </a:solidFill>
+                <a:latin typeface="Bodoni MT" panose="02070603080606020203" pitchFamily="18" charset="0"/>
+              </a:rPr>
+              <a:t>esta </a:t>
+            </a:r>
+            <a:r>
+              <a:rPr lang="es-AR" sz="2200" b="1" i="1" dirty="0">
+                <a:solidFill>
+                  <a:schemeClr val="accent2">
+                    <a:lumMod val="75000"/>
+                  </a:schemeClr>
+                </a:solidFill>
+                <a:latin typeface="Bodoni MT" panose="02070603080606020203" pitchFamily="18" charset="0"/>
+              </a:rPr>
+              <a:t>VIDA</a:t>
+            </a:r>
+            <a:r>
+              <a:rPr lang="es-AR" sz="2200" dirty="0">
+                <a:solidFill>
+                  <a:schemeClr val="tx1">
+                    <a:lumMod val="65000"/>
+                    <a:lumOff val="35000"/>
+                  </a:schemeClr>
+                </a:solidFill>
+                <a:latin typeface="Bodoni MT" panose="02070603080606020203" pitchFamily="18" charset="0"/>
+              </a:rPr>
+              <a:t> es cuando </a:t>
+            </a:r>
+          </a:p>
+          <a:p>
+            <a:r>
+              <a:rPr lang="es-AR" sz="2200" dirty="0">
+                <a:solidFill>
+                  <a:schemeClr val="tx1">
+                    <a:lumMod val="65000"/>
+                    <a:lumOff val="35000"/>
+                  </a:schemeClr>
+                </a:solidFill>
+                <a:latin typeface="Bodoni MT" panose="02070603080606020203" pitchFamily="18" charset="0"/>
+              </a:rPr>
+              <a:t>el hombre debe </a:t>
+            </a:r>
+          </a:p>
+          <a:p>
+            <a:r>
+              <a:rPr lang="es-AR" sz="2200" b="1" i="1" dirty="0">
+                <a:solidFill>
+                  <a:schemeClr val="accent2">
+                    <a:lumMod val="75000"/>
+                  </a:schemeClr>
+                </a:solidFill>
+                <a:latin typeface="Bodoni MT" panose="02070603080606020203" pitchFamily="18" charset="0"/>
+              </a:rPr>
+              <a:t>PREPARARSE</a:t>
+            </a:r>
+            <a:r>
+              <a:rPr lang="es-AR" sz="2200" dirty="0">
+                <a:solidFill>
+                  <a:schemeClr val="tx1">
+                    <a:lumMod val="65000"/>
+                    <a:lumOff val="35000"/>
+                  </a:schemeClr>
+                </a:solidFill>
+                <a:latin typeface="Bodoni MT" panose="02070603080606020203" pitchFamily="18" charset="0"/>
+              </a:rPr>
+              <a:t> para comparecer ante Dios; sí, el día de esta vida es el día en que el hombre debe ejecutar su obra.</a:t>
+            </a:r>
+          </a:p>
+          <a:p>
+            <a:pPr algn="ctr"/>
+            <a:r>
+              <a:rPr lang="es-AR" sz="2000" i="1" dirty="0">
+                <a:solidFill>
+                  <a:schemeClr val="tx1">
+                    <a:lumMod val="65000"/>
+                    <a:lumOff val="35000"/>
+                  </a:schemeClr>
+                </a:solidFill>
+                <a:latin typeface="Bodoni MT" panose="02070603080606020203" pitchFamily="18" charset="0"/>
+              </a:rPr>
+              <a:t>Alma 34:32</a:t>
+            </a:r>
+          </a:p>
+        </p:txBody>
+      </p:sp>
+      <p:sp>
+        <p:nvSpPr>
+          <p:cNvPr id="10" name="CuadroTexto 9">
+            <a:extLst>
+              <a:ext uri="{FF2B5EF4-FFF2-40B4-BE49-F238E27FC236}">
+                <a16:creationId xmlns:a16="http://schemas.microsoft.com/office/drawing/2014/main" id="{74129D7A-F50C-4773-9245-44268D9A5D39}"/>
+              </a:ext>
+            </a:extLst>
+          </p:cNvPr>
+          <p:cNvSpPr txBox="1"/>
+          <p:nvPr/>
+        </p:nvSpPr>
+        <p:spPr>
+          <a:xfrm>
+            <a:off x="211042" y="1926500"/>
+            <a:ext cx="4780058" cy="400110"/>
+          </a:xfrm>
+          <a:prstGeom prst="rect">
+            <a:avLst/>
+          </a:prstGeom>
+          <a:noFill/>
+        </p:spPr>
+        <p:txBody>
+          <a:bodyPr wrap="square" rtlCol="0">
+            <a:spAutoFit/>
+          </a:bodyPr>
+          <a:lstStyle/>
+          <a:p>
+            <a:r>
+              <a:rPr lang="es-AR" sz="2000" dirty="0">
+                <a:solidFill>
+                  <a:schemeClr val="bg1">
+                    <a:lumMod val="50000"/>
+                  </a:schemeClr>
+                </a:solidFill>
+                <a:latin typeface="Bodoni MT" panose="02070603080606020203" pitchFamily="18" charset="0"/>
+              </a:rPr>
+              <a:t>Presidida por el Elder Costa de los Setenta</a:t>
+            </a:r>
+            <a:endParaRPr lang="es-AR" sz="2000" i="1" dirty="0">
+              <a:solidFill>
+                <a:schemeClr val="bg1">
+                  <a:lumMod val="50000"/>
+                </a:schemeClr>
+              </a:solidFill>
+              <a:latin typeface="Bodoni MT" panose="02070603080606020203" pitchFamily="18" charset="0"/>
+            </a:endParaRPr>
+          </a:p>
+        </p:txBody>
+      </p:sp>
+      <p:cxnSp>
+        <p:nvCxnSpPr>
+          <p:cNvPr id="12" name="Conector recto 11">
+            <a:extLst>
+              <a:ext uri="{FF2B5EF4-FFF2-40B4-BE49-F238E27FC236}">
+                <a16:creationId xmlns:a16="http://schemas.microsoft.com/office/drawing/2014/main" id="{85386F64-190A-4F12-A8D4-D64F633B250E}"/>
+              </a:ext>
+            </a:extLst>
+          </p:cNvPr>
+          <p:cNvCxnSpPr/>
+          <p:nvPr/>
+        </p:nvCxnSpPr>
+        <p:spPr>
+          <a:xfrm>
+            <a:off x="323850" y="1909162"/>
+            <a:ext cx="3609975" cy="0"/>
+          </a:xfrm>
+          <a:prstGeom prst="line">
+            <a:avLst/>
+          </a:prstGeom>
+          <a:ln w="12700">
+            <a:solidFill>
+              <a:schemeClr val="tx1"/>
+            </a:solidFill>
+          </a:ln>
+        </p:spPr>
+        <p:style>
+          <a:lnRef idx="1">
+            <a:schemeClr val="accent1"/>
+          </a:lnRef>
+          <a:fillRef idx="0">
+            <a:schemeClr val="accent1"/>
+          </a:fillRef>
+          <a:effectRef idx="0">
+            <a:schemeClr val="accent1"/>
+          </a:effectRef>
+          <a:fontRef idx="minor">
+            <a:schemeClr val="tx1"/>
+          </a:fontRef>
+        </p:style>
+      </p:cxnSp>
+      <p:sp>
+        <p:nvSpPr>
+          <p:cNvPr id="14" name="CuadroTexto 13">
+            <a:extLst>
+              <a:ext uri="{FF2B5EF4-FFF2-40B4-BE49-F238E27FC236}">
+                <a16:creationId xmlns:a16="http://schemas.microsoft.com/office/drawing/2014/main" id="{799B4D17-D876-45D1-A3BB-00108D9C6358}"/>
+              </a:ext>
+            </a:extLst>
+          </p:cNvPr>
+          <p:cNvSpPr txBox="1"/>
+          <p:nvPr/>
+        </p:nvSpPr>
+        <p:spPr>
+          <a:xfrm>
+            <a:off x="323850" y="8938874"/>
+            <a:ext cx="5768551" cy="1015663"/>
+          </a:xfrm>
+          <a:prstGeom prst="rect">
+            <a:avLst/>
+          </a:prstGeom>
+          <a:noFill/>
+        </p:spPr>
+        <p:txBody>
+          <a:bodyPr wrap="square" rtlCol="0">
+            <a:spAutoFit/>
+          </a:bodyPr>
+          <a:lstStyle/>
+          <a:p>
+            <a:r>
+              <a:rPr lang="es-AR" sz="2000" dirty="0">
+                <a:solidFill>
+                  <a:schemeClr val="tx1">
+                    <a:lumMod val="65000"/>
+                    <a:lumOff val="35000"/>
+                  </a:schemeClr>
+                </a:solidFill>
+                <a:latin typeface="Bodoni MT" panose="02070603080606020203" pitchFamily="18" charset="0"/>
+              </a:rPr>
+              <a:t>16:00 hs. Reunión de Lideres del Sacerdocio – Asisten todos los poseedores del Sacerdocio menor y mayor. </a:t>
+            </a:r>
+          </a:p>
+        </p:txBody>
+      </p:sp>
+      <p:sp>
+        <p:nvSpPr>
+          <p:cNvPr id="16" name="CuadroTexto 15">
+            <a:extLst>
+              <a:ext uri="{FF2B5EF4-FFF2-40B4-BE49-F238E27FC236}">
+                <a16:creationId xmlns:a16="http://schemas.microsoft.com/office/drawing/2014/main" id="{376EF6B6-8F7F-4905-9FD1-ADCC8B2D19A0}"/>
+              </a:ext>
+            </a:extLst>
+          </p:cNvPr>
+          <p:cNvSpPr txBox="1"/>
+          <p:nvPr/>
+        </p:nvSpPr>
+        <p:spPr>
+          <a:xfrm>
+            <a:off x="323850" y="9852263"/>
+            <a:ext cx="5572889" cy="707886"/>
+          </a:xfrm>
+          <a:prstGeom prst="rect">
+            <a:avLst/>
+          </a:prstGeom>
+          <a:noFill/>
+        </p:spPr>
+        <p:txBody>
+          <a:bodyPr wrap="square" rtlCol="0">
+            <a:spAutoFit/>
+          </a:bodyPr>
+          <a:lstStyle/>
+          <a:p>
+            <a:r>
+              <a:rPr lang="es-AR" sz="2000" dirty="0">
+                <a:solidFill>
+                  <a:schemeClr val="tx1">
+                    <a:lumMod val="65000"/>
+                    <a:lumOff val="35000"/>
+                  </a:schemeClr>
+                </a:solidFill>
+                <a:latin typeface="Bodoni MT" panose="02070603080606020203" pitchFamily="18" charset="0"/>
+              </a:rPr>
+              <a:t>19:30 hs. Reunión de Adultos – Asisten todos los miembros mayores de 18 años. </a:t>
+            </a:r>
+          </a:p>
+        </p:txBody>
+      </p:sp>
+      <p:sp>
+        <p:nvSpPr>
+          <p:cNvPr id="17" name="CuadroTexto 16">
+            <a:extLst>
+              <a:ext uri="{FF2B5EF4-FFF2-40B4-BE49-F238E27FC236}">
+                <a16:creationId xmlns:a16="http://schemas.microsoft.com/office/drawing/2014/main" id="{0BF4A100-9911-48F1-BB06-F83A87F830B5}"/>
+              </a:ext>
+            </a:extLst>
+          </p:cNvPr>
+          <p:cNvSpPr txBox="1"/>
+          <p:nvPr/>
+        </p:nvSpPr>
+        <p:spPr>
+          <a:xfrm>
+            <a:off x="323852" y="10541145"/>
+            <a:ext cx="4137868" cy="430887"/>
+          </a:xfrm>
+          <a:prstGeom prst="homePlate">
+            <a:avLst/>
+          </a:prstGeom>
+          <a:solidFill>
+            <a:schemeClr val="accent4">
+              <a:lumMod val="20000"/>
+              <a:lumOff val="80000"/>
+            </a:schemeClr>
+          </a:solidFill>
+        </p:spPr>
+        <p:txBody>
+          <a:bodyPr wrap="square" rtlCol="0">
+            <a:spAutoFit/>
+          </a:bodyPr>
+          <a:lstStyle/>
+          <a:p>
+            <a:r>
+              <a:rPr lang="es-AR" sz="2200" i="1" dirty="0">
+                <a:latin typeface="Bodoni MT" panose="02070603080606020203" pitchFamily="18" charset="0"/>
+              </a:rPr>
+              <a:t>Dia domingo 30 de abril.</a:t>
+            </a:r>
+          </a:p>
+        </p:txBody>
+      </p:sp>
+      <p:sp>
+        <p:nvSpPr>
+          <p:cNvPr id="18" name="CuadroTexto 17">
+            <a:extLst>
+              <a:ext uri="{FF2B5EF4-FFF2-40B4-BE49-F238E27FC236}">
+                <a16:creationId xmlns:a16="http://schemas.microsoft.com/office/drawing/2014/main" id="{1F5CAE05-070E-47A3-B31A-03942F646FBB}"/>
+              </a:ext>
+            </a:extLst>
+          </p:cNvPr>
+          <p:cNvSpPr txBox="1"/>
+          <p:nvPr/>
+        </p:nvSpPr>
+        <p:spPr>
+          <a:xfrm>
+            <a:off x="323850" y="10867181"/>
+            <a:ext cx="6504083" cy="400110"/>
+          </a:xfrm>
+          <a:prstGeom prst="rect">
+            <a:avLst/>
+          </a:prstGeom>
+          <a:noFill/>
+        </p:spPr>
+        <p:txBody>
+          <a:bodyPr wrap="square" rtlCol="0">
+            <a:spAutoFit/>
+          </a:bodyPr>
+          <a:lstStyle/>
+          <a:p>
+            <a:r>
+              <a:rPr lang="es-AR" sz="2000" dirty="0">
+                <a:solidFill>
+                  <a:schemeClr val="tx1">
+                    <a:lumMod val="65000"/>
+                    <a:lumOff val="35000"/>
+                  </a:schemeClr>
+                </a:solidFill>
+                <a:latin typeface="Bodoni MT" panose="02070603080606020203" pitchFamily="18" charset="0"/>
+              </a:rPr>
+              <a:t>10:00 hs. Reunión general – Asisten todos los miembros</a:t>
+            </a:r>
+          </a:p>
+        </p:txBody>
+      </p:sp>
+      <p:sp>
+        <p:nvSpPr>
+          <p:cNvPr id="19" name="CuadroTexto 18">
+            <a:extLst>
+              <a:ext uri="{FF2B5EF4-FFF2-40B4-BE49-F238E27FC236}">
+                <a16:creationId xmlns:a16="http://schemas.microsoft.com/office/drawing/2014/main" id="{48306051-4ABA-4D29-BCF4-4929CF404E1B}"/>
+              </a:ext>
+            </a:extLst>
+          </p:cNvPr>
+          <p:cNvSpPr txBox="1"/>
+          <p:nvPr/>
+        </p:nvSpPr>
+        <p:spPr>
+          <a:xfrm>
+            <a:off x="323852" y="11299852"/>
+            <a:ext cx="1097489" cy="430887"/>
+          </a:xfrm>
+          <a:prstGeom prst="homePlate">
+            <a:avLst/>
+          </a:prstGeom>
+          <a:solidFill>
+            <a:schemeClr val="accent4">
+              <a:lumMod val="20000"/>
+              <a:lumOff val="80000"/>
+            </a:schemeClr>
+          </a:solidFill>
+        </p:spPr>
+        <p:txBody>
+          <a:bodyPr wrap="square" rtlCol="0">
+            <a:spAutoFit/>
+          </a:bodyPr>
+          <a:lstStyle/>
+          <a:p>
+            <a:r>
+              <a:rPr lang="es-AR" sz="2200" i="1" dirty="0">
+                <a:latin typeface="Bodoni MT" panose="02070603080606020203" pitchFamily="18" charset="0"/>
+              </a:rPr>
+              <a:t>Lugar</a:t>
+            </a:r>
+          </a:p>
+        </p:txBody>
+      </p:sp>
+      <p:sp>
+        <p:nvSpPr>
+          <p:cNvPr id="20" name="CuadroTexto 19">
+            <a:extLst>
+              <a:ext uri="{FF2B5EF4-FFF2-40B4-BE49-F238E27FC236}">
+                <a16:creationId xmlns:a16="http://schemas.microsoft.com/office/drawing/2014/main" id="{D086A393-8D29-458E-B262-4CFFC4D59304}"/>
+              </a:ext>
+            </a:extLst>
+          </p:cNvPr>
+          <p:cNvSpPr txBox="1"/>
+          <p:nvPr/>
+        </p:nvSpPr>
+        <p:spPr>
+          <a:xfrm>
+            <a:off x="323850" y="11645578"/>
+            <a:ext cx="4437263" cy="400110"/>
+          </a:xfrm>
+          <a:prstGeom prst="rect">
+            <a:avLst/>
+          </a:prstGeom>
+          <a:noFill/>
+        </p:spPr>
+        <p:txBody>
+          <a:bodyPr wrap="square" rtlCol="0">
+            <a:spAutoFit/>
+          </a:bodyPr>
+          <a:lstStyle/>
+          <a:p>
+            <a:r>
+              <a:rPr lang="es-AR" sz="2000" dirty="0">
+                <a:solidFill>
+                  <a:schemeClr val="tx1">
+                    <a:lumMod val="65000"/>
+                    <a:lumOff val="35000"/>
+                  </a:schemeClr>
+                </a:solidFill>
+                <a:latin typeface="Bodoni MT" panose="02070603080606020203" pitchFamily="18" charset="0"/>
+              </a:rPr>
+              <a:t>Centro de Estaca San Rafael, Maza 179.</a:t>
+            </a:r>
+          </a:p>
+        </p:txBody>
+      </p:sp>
+      <p:sp>
+        <p:nvSpPr>
+          <p:cNvPr id="13" name="CuadroTexto 12">
+            <a:extLst>
+              <a:ext uri="{FF2B5EF4-FFF2-40B4-BE49-F238E27FC236}">
+                <a16:creationId xmlns:a16="http://schemas.microsoft.com/office/drawing/2014/main" id="{A413DAE0-3449-4BA1-8037-B86BC5E4E418}"/>
+              </a:ext>
+            </a:extLst>
+          </p:cNvPr>
+          <p:cNvSpPr txBox="1"/>
+          <p:nvPr/>
+        </p:nvSpPr>
+        <p:spPr>
+          <a:xfrm>
+            <a:off x="323852" y="8564213"/>
+            <a:ext cx="4073114" cy="430887"/>
+          </a:xfrm>
+          <a:prstGeom prst="homePlate">
+            <a:avLst/>
+          </a:prstGeom>
+          <a:solidFill>
+            <a:schemeClr val="accent4">
+              <a:lumMod val="20000"/>
+              <a:lumOff val="80000"/>
+            </a:schemeClr>
+          </a:solidFill>
+        </p:spPr>
+        <p:txBody>
+          <a:bodyPr wrap="square" rtlCol="0">
+            <a:spAutoFit/>
+          </a:bodyPr>
+          <a:lstStyle/>
+          <a:p>
+            <a:r>
+              <a:rPr lang="es-AR" sz="2200" i="1" dirty="0">
+                <a:latin typeface="Bodoni MT" panose="02070603080606020203" pitchFamily="18" charset="0"/>
+              </a:rPr>
+              <a:t>Dia sábado 29 de abril.</a:t>
+            </a:r>
+          </a:p>
+        </p:txBody>
+      </p:sp>
+      <p:pic>
+        <p:nvPicPr>
+          <p:cNvPr id="21" name="Imagen 20">
+            <a:extLst>
+              <a:ext uri="{FF2B5EF4-FFF2-40B4-BE49-F238E27FC236}">
+                <a16:creationId xmlns:a16="http://schemas.microsoft.com/office/drawing/2014/main" id="{0BD18FFC-FC5E-42F7-9E8F-717AA80AF1A4}"/>
+              </a:ext>
+            </a:extLst>
+          </p:cNvPr>
+          <p:cNvPicPr>
+            <a:picLocks noChangeAspect="1"/>
+          </p:cNvPicPr>
+          <p:nvPr/>
+        </p:nvPicPr>
+        <p:blipFill>
+          <a:blip r:embed="rId2">
+            <a:extLst>
+              <a:ext uri="{28A0092B-C50C-407E-A947-70E740481C1C}">
+                <a14:useLocalDpi xmlns:a14="http://schemas.microsoft.com/office/drawing/2010/main" val="0"/>
+              </a:ext>
+            </a:extLst>
+          </a:blip>
+          <a:stretch>
+            <a:fillRect/>
+          </a:stretch>
+        </p:blipFill>
+        <p:spPr>
+          <a:xfrm rot="21216174">
+            <a:off x="3789377" y="2916557"/>
+            <a:ext cx="2546461" cy="1697641"/>
+          </a:xfrm>
+          <a:prstGeom prst="rect">
+            <a:avLst/>
+          </a:prstGeom>
+          <a:solidFill>
+            <a:srgbClr val="FFFFFF">
+              <a:shade val="85000"/>
+            </a:srgbClr>
+          </a:solidFill>
+          <a:ln w="88900" cap="sq">
+            <a:solidFill>
+              <a:srgbClr val="FFFFFF"/>
+            </a:solidFill>
+            <a:miter lim="800000"/>
+          </a:ln>
+          <a:effectLst>
+            <a:outerShdw blurRad="55000" dist="18000" dir="5400000" algn="tl" rotWithShape="0">
+              <a:srgbClr val="000000">
+                <a:alpha val="40000"/>
+              </a:srgbClr>
+            </a:outerShdw>
+          </a:effectLst>
+          <a:scene3d>
+            <a:camera prst="orthographicFront"/>
+            <a:lightRig rig="twoPt" dir="t">
+              <a:rot lat="0" lon="0" rev="7200000"/>
+            </a:lightRig>
+          </a:scene3d>
+          <a:sp3d>
+            <a:bevelT w="25400" h="19050"/>
+            <a:contourClr>
+              <a:srgbClr val="FFFFFF"/>
+            </a:contourClr>
+          </a:sp3d>
+        </p:spPr>
+      </p:pic>
+      <p:pic>
+        <p:nvPicPr>
+          <p:cNvPr id="23" name="Imagen 22">
+            <a:extLst>
+              <a:ext uri="{FF2B5EF4-FFF2-40B4-BE49-F238E27FC236}">
+                <a16:creationId xmlns:a16="http://schemas.microsoft.com/office/drawing/2014/main" id="{37932D88-B972-4CE1-AB18-396FC12C5E90}"/>
+              </a:ext>
+            </a:extLst>
+          </p:cNvPr>
+          <p:cNvPicPr>
+            <a:picLocks noChangeAspect="1"/>
+          </p:cNvPicPr>
+          <p:nvPr/>
+        </p:nvPicPr>
+        <p:blipFill>
+          <a:blip r:embed="rId3">
+            <a:extLst>
+              <a:ext uri="{28A0092B-C50C-407E-A947-70E740481C1C}">
+                <a14:useLocalDpi xmlns:a14="http://schemas.microsoft.com/office/drawing/2010/main" val="0"/>
+              </a:ext>
+            </a:extLst>
+          </a:blip>
+          <a:stretch>
+            <a:fillRect/>
+          </a:stretch>
+        </p:blipFill>
+        <p:spPr>
+          <a:xfrm rot="355944">
+            <a:off x="3759605" y="4754303"/>
+            <a:ext cx="2634631" cy="1639326"/>
+          </a:xfrm>
+          <a:prstGeom prst="rect">
+            <a:avLst/>
+          </a:prstGeom>
+          <a:solidFill>
+            <a:srgbClr val="FFFFFF">
+              <a:shade val="85000"/>
+            </a:srgbClr>
+          </a:solidFill>
+          <a:ln w="88900" cap="sq">
+            <a:solidFill>
+              <a:srgbClr val="FFFFFF"/>
+            </a:solidFill>
+            <a:miter lim="800000"/>
+          </a:ln>
+          <a:effectLst>
+            <a:outerShdw blurRad="55000" dist="18000" dir="5400000" algn="tl" rotWithShape="0">
+              <a:srgbClr val="000000">
+                <a:alpha val="40000"/>
+              </a:srgbClr>
+            </a:outerShdw>
+          </a:effectLst>
+          <a:scene3d>
+            <a:camera prst="orthographicFront"/>
+            <a:lightRig rig="twoPt" dir="t">
+              <a:rot lat="0" lon="0" rev="7200000"/>
+            </a:lightRig>
+          </a:scene3d>
+          <a:sp3d>
+            <a:bevelT w="25400" h="19050"/>
+            <a:contourClr>
+              <a:srgbClr val="FFFFFF"/>
+            </a:contourClr>
+          </a:sp3d>
+        </p:spPr>
+      </p:pic>
+      <p:pic>
+        <p:nvPicPr>
+          <p:cNvPr id="31" name="Imagen 30">
+            <a:extLst>
+              <a:ext uri="{FF2B5EF4-FFF2-40B4-BE49-F238E27FC236}">
+                <a16:creationId xmlns:a16="http://schemas.microsoft.com/office/drawing/2014/main" id="{EBAB5591-B043-40C3-A2C5-997B949CC8CC}"/>
+              </a:ext>
+            </a:extLst>
+          </p:cNvPr>
+          <p:cNvPicPr>
+            <a:picLocks noChangeAspect="1"/>
+          </p:cNvPicPr>
+          <p:nvPr/>
+        </p:nvPicPr>
+        <p:blipFill>
+          <a:blip r:embed="rId4">
+            <a:extLst>
+              <a:ext uri="{28A0092B-C50C-407E-A947-70E740481C1C}">
+                <a14:useLocalDpi xmlns:a14="http://schemas.microsoft.com/office/drawing/2010/main" val="0"/>
+              </a:ext>
+            </a:extLst>
+          </a:blip>
+          <a:stretch>
+            <a:fillRect/>
+          </a:stretch>
+        </p:blipFill>
+        <p:spPr>
+          <a:xfrm rot="21274726">
+            <a:off x="3657436" y="6398500"/>
+            <a:ext cx="2683503" cy="1853294"/>
+          </a:xfrm>
+          <a:prstGeom prst="rect">
+            <a:avLst/>
+          </a:prstGeom>
+          <a:solidFill>
+            <a:srgbClr val="FFFFFF">
+              <a:shade val="85000"/>
+            </a:srgbClr>
+          </a:solidFill>
+          <a:ln w="88900" cap="sq">
+            <a:solidFill>
+              <a:srgbClr val="FFFFFF"/>
+            </a:solidFill>
+            <a:miter lim="800000"/>
+          </a:ln>
+          <a:effectLst>
+            <a:outerShdw blurRad="55000" dist="18000" dir="5400000" algn="tl" rotWithShape="0">
+              <a:srgbClr val="000000">
+                <a:alpha val="40000"/>
+              </a:srgbClr>
+            </a:outerShdw>
+          </a:effectLst>
+          <a:scene3d>
+            <a:camera prst="orthographicFront"/>
+            <a:lightRig rig="twoPt" dir="t">
+              <a:rot lat="0" lon="0" rev="7200000"/>
+            </a:lightRig>
+          </a:scene3d>
+          <a:sp3d>
+            <a:bevelT w="25400" h="19050"/>
+            <a:contourClr>
+              <a:srgbClr val="FFFFFF"/>
+            </a:contourClr>
+          </a:sp3d>
+        </p:spPr>
+      </p:pic>
+      <p:pic>
+        <p:nvPicPr>
+          <p:cNvPr id="25" name="Imagen 24">
+            <a:extLst>
+              <a:ext uri="{FF2B5EF4-FFF2-40B4-BE49-F238E27FC236}">
+                <a16:creationId xmlns:a16="http://schemas.microsoft.com/office/drawing/2014/main" id="{C2833486-42A1-4777-BCEE-E790709A9FC2}"/>
+              </a:ext>
+            </a:extLst>
+          </p:cNvPr>
+          <p:cNvPicPr>
+            <a:picLocks noChangeAspect="1"/>
+          </p:cNvPicPr>
+          <p:nvPr/>
+        </p:nvPicPr>
+        <p:blipFill rotWithShape="1">
+          <a:blip r:embed="rId5">
+            <a:extLst>
+              <a:ext uri="{28A0092B-C50C-407E-A947-70E740481C1C}">
+                <a14:useLocalDpi xmlns:a14="http://schemas.microsoft.com/office/drawing/2010/main" val="0"/>
+              </a:ext>
+            </a:extLst>
+          </a:blip>
+          <a:srcRect t="7344" r="26197" b="5816"/>
+          <a:stretch/>
+        </p:blipFill>
+        <p:spPr>
+          <a:xfrm rot="467279">
+            <a:off x="634419" y="6260922"/>
+            <a:ext cx="2659868" cy="1787714"/>
+          </a:xfrm>
+          <a:prstGeom prst="rect">
+            <a:avLst/>
+          </a:prstGeom>
+          <a:solidFill>
+            <a:srgbClr val="FFFFFF">
+              <a:shade val="85000"/>
+            </a:srgbClr>
+          </a:solidFill>
+          <a:ln w="88900" cap="sq">
+            <a:solidFill>
+              <a:srgbClr val="FFFFFF"/>
+            </a:solidFill>
+            <a:miter lim="800000"/>
+          </a:ln>
+          <a:effectLst>
+            <a:outerShdw blurRad="55000" dist="18000" dir="5400000" algn="tl" rotWithShape="0">
+              <a:srgbClr val="000000">
+                <a:alpha val="40000"/>
+              </a:srgbClr>
+            </a:outerShdw>
+          </a:effectLst>
+          <a:scene3d>
+            <a:camera prst="orthographicFront"/>
+            <a:lightRig rig="twoPt" dir="t">
+              <a:rot lat="0" lon="0" rev="7200000"/>
+            </a:lightRig>
+          </a:scene3d>
+          <a:sp3d>
+            <a:bevelT w="25400" h="19050"/>
+            <a:contourClr>
+              <a:srgbClr val="FFFFFF"/>
+            </a:contourClr>
+          </a:sp3d>
+        </p:spPr>
+      </p:pic>
+    </p:spTree>
+    <p:extLst>
+      <p:ext uri="{BB962C8B-B14F-4D97-AF65-F5344CB8AC3E}">
+        <p14:creationId xmlns:p14="http://schemas.microsoft.com/office/powerpoint/2010/main" val="2586132798"/>
       </p:ext>
     </p:extLst>
   </p:cSld>
@@ -4299,6 +8846,21 @@
 </file>
 
 <file path=customXml/item1.xml><?xml version="1.0" encoding="utf-8"?>
+<p:properties xmlns:p="http://schemas.microsoft.com/office/2006/metadata/properties" xmlns:xsi="http://www.w3.org/2001/XMLSchema-instance" xmlns:pc="http://schemas.microsoft.com/office/infopath/2007/PartnerControls">
+  <documentManagement/>
+</p:properties>
+</file>
+
+<file path=customXml/item2.xml><?xml version="1.0" encoding="utf-8"?>
+<?mso-contentType ?>
+<FormTemplates xmlns="http://schemas.microsoft.com/sharepoint/v3/contenttype/forms">
+  <Display>DocumentLibraryForm</Display>
+  <Edit>DocumentLibraryForm</Edit>
+  <New>DocumentLibraryForm</New>
+</FormTemplates>
+</file>
+
+<file path=customXml/item3.xml><?xml version="1.0" encoding="utf-8"?>
 <ct:contentTypeSchema xmlns:ct="http://schemas.microsoft.com/office/2006/metadata/contentType" xmlns:ma="http://schemas.microsoft.com/office/2006/metadata/properties/metaAttributes" ct:_="" ma:_="" ma:contentTypeName="Document" ma:contentTypeID="0x010100FDC115662F79634AA46EE7A985C88449" ma:contentTypeVersion="11" ma:contentTypeDescription="Create a new document." ma:contentTypeScope="" ma:versionID="7aad067915dc3824774237848398f3f1">
   <xsd:schema xmlns:xsd="http://www.w3.org/2001/XMLSchema" xmlns:xs="http://www.w3.org/2001/XMLSchema" xmlns:p="http://schemas.microsoft.com/office/2006/metadata/properties" xmlns:ns3="e73c9a9f-48f4-4bb3-9bc0-6ef9b8995883" xmlns:ns4="3bbee872-2376-445b-aade-09d3c7728790" targetNamespace="http://schemas.microsoft.com/office/2006/metadata/properties" ma:root="true" ma:fieldsID="88f1e74fe13d5da5371603d8ef28d8af" ns3:_="" ns4:_="">
     <xsd:import namespace="e73c9a9f-48f4-4bb3-9bc0-6ef9b8995883"/>
@@ -4507,22 +9069,32 @@
 </ct:contentTypeSchema>
 </file>
 
-<file path=customXml/item2.xml><?xml version="1.0" encoding="utf-8"?>
-<?mso-contentType ?>
-<FormTemplates xmlns="http://schemas.microsoft.com/sharepoint/v3/contenttype/forms">
-  <Display>DocumentLibraryForm</Display>
-  <Edit>DocumentLibraryForm</Edit>
-  <New>DocumentLibraryForm</New>
-</FormTemplates>
+<file path=customXml/itemProps1.xml><?xml version="1.0" encoding="utf-8"?>
+<ds:datastoreItem xmlns:ds="http://schemas.openxmlformats.org/officeDocument/2006/customXml" ds:itemID="{8A798932-947F-4133-8578-FBCDA152CCB8}">
+  <ds:schemaRefs>
+    <ds:schemaRef ds:uri="http://schemas.microsoft.com/office/2006/documentManagement/types"/>
+    <ds:schemaRef ds:uri="http://purl.org/dc/elements/1.1/"/>
+    <ds:schemaRef ds:uri="http://schemas.openxmlformats.org/package/2006/metadata/core-properties"/>
+    <ds:schemaRef ds:uri="http://schemas.microsoft.com/office/2006/metadata/properties"/>
+    <ds:schemaRef ds:uri="http://www.w3.org/XML/1998/namespace"/>
+    <ds:schemaRef ds:uri="http://schemas.microsoft.com/office/infopath/2007/PartnerControls"/>
+    <ds:schemaRef ds:uri="http://purl.org/dc/dcmitype/"/>
+    <ds:schemaRef ds:uri="3bbee872-2376-445b-aade-09d3c7728790"/>
+    <ds:schemaRef ds:uri="e73c9a9f-48f4-4bb3-9bc0-6ef9b8995883"/>
+    <ds:schemaRef ds:uri="http://purl.org/dc/terms/"/>
+  </ds:schemaRefs>
+</ds:datastoreItem>
 </file>
 
-<file path=customXml/item3.xml><?xml version="1.0" encoding="utf-8"?>
-<p:properties xmlns:p="http://schemas.microsoft.com/office/2006/metadata/properties" xmlns:xsi="http://www.w3.org/2001/XMLSchema-instance" xmlns:pc="http://schemas.microsoft.com/office/infopath/2007/PartnerControls">
-  <documentManagement/>
-</p:properties>
+<file path=customXml/itemProps2.xml><?xml version="1.0" encoding="utf-8"?>
+<ds:datastoreItem xmlns:ds="http://schemas.openxmlformats.org/officeDocument/2006/customXml" ds:itemID="{7C906EB4-872A-402A-9FD1-C736F0423F55}">
+  <ds:schemaRefs>
+    <ds:schemaRef ds:uri="http://schemas.microsoft.com/sharepoint/v3/contenttype/forms"/>
+  </ds:schemaRefs>
+</ds:datastoreItem>
 </file>
 
-<file path=customXml/itemProps1.xml><?xml version="1.0" encoding="utf-8"?>
+<file path=customXml/itemProps3.xml><?xml version="1.0" encoding="utf-8"?>
 <ds:datastoreItem xmlns:ds="http://schemas.openxmlformats.org/officeDocument/2006/customXml" ds:itemID="{544DA46C-AD54-4752-B733-E2D631027F2E}">
   <ds:schemaRefs>
     <ds:schemaRef ds:uri="http://schemas.microsoft.com/office/2006/metadata/contentType"/>
@@ -4539,29 +9111,4 @@
     <ds:schemaRef ds:uri="http://schemas.microsoft.com/internal/obd"/>
   </ds:schemaRefs>
 </ds:datastoreItem>
-</file>
-
-<file path=customXml/itemProps2.xml><?xml version="1.0" encoding="utf-8"?>
-<ds:datastoreItem xmlns:ds="http://schemas.openxmlformats.org/officeDocument/2006/customXml" ds:itemID="{7C906EB4-872A-402A-9FD1-C736F0423F55}">
-  <ds:schemaRefs>
-    <ds:schemaRef ds:uri="http://schemas.microsoft.com/sharepoint/v3/contenttype/forms"/>
-  </ds:schemaRefs>
-</ds:datastoreItem>
-</file>
-
-<file path=customXml/itemProps3.xml><?xml version="1.0" encoding="utf-8"?>
-<ds:datastoreItem xmlns:ds="http://schemas.openxmlformats.org/officeDocument/2006/customXml" ds:itemID="{8A798932-947F-4133-8578-FBCDA152CCB8}">
-  <ds:schemaRefs>
-    <ds:schemaRef ds:uri="http://schemas.microsoft.com/office/infopath/2007/PartnerControls"/>
-    <ds:schemaRef ds:uri="http://purl.org/dc/dcmitype/"/>
-    <ds:schemaRef ds:uri="http://purl.org/dc/terms/"/>
-    <ds:schemaRef ds:uri="http://schemas.microsoft.com/office/2006/documentManagement/types"/>
-    <ds:schemaRef ds:uri="http://purl.org/dc/elements/1.1/"/>
-    <ds:schemaRef ds:uri="e73c9a9f-48f4-4bb3-9bc0-6ef9b8995883"/>
-    <ds:schemaRef ds:uri="http://www.w3.org/XML/1998/namespace"/>
-    <ds:schemaRef ds:uri="http://schemas.openxmlformats.org/package/2006/metadata/core-properties"/>
-    <ds:schemaRef ds:uri="3bbee872-2376-445b-aade-09d3c7728790"/>
-    <ds:schemaRef ds:uri="http://schemas.microsoft.com/office/2006/metadata/properties"/>
-  </ds:schemaRefs>
-</ds:datastoreItem>
 </file>